--- a/演示文稿1.pptx
+++ b/演示文稿1.pptx
@@ -6,6 +6,7 @@
   </p:sldMasterIdLst>
   <p:sldIdLst>
     <p:sldId id="256" r:id="rId2"/>
+    <p:sldId id="257" r:id="rId3"/>
   </p:sldIdLst>
   <p:sldSz cx="12192000" cy="6858000"/>
   <p:notesSz cx="6858000" cy="9144000"/>
@@ -104,6 +105,11 @@
       </a:defRPr>
     </a:lvl9pPr>
   </p:defaultTextStyle>
+  <p:extLst>
+    <p:ext uri="{EFAFB233-063F-42B5-8137-9DF3F51BA10A}">
+      <p15:sldGuideLst xmlns:p15="http://schemas.microsoft.com/office/powerpoint/2012/main"/>
+    </p:ext>
+  </p:extLst>
 </p:presentation>
 </file>
 
@@ -3893,6 +3899,4991 @@
 </p:sld>
 </file>
 
+<file path=ppt/slides/slide2.xml><?xml version="1.0" encoding="utf-8"?>
+<p:sld xmlns:a="http://schemas.openxmlformats.org/drawingml/2006/main" xmlns:r="http://schemas.openxmlformats.org/officeDocument/2006/relationships" xmlns:p="http://schemas.openxmlformats.org/presentationml/2006/main">
+  <p:cSld>
+    <p:spTree>
+      <p:nvGrpSpPr>
+        <p:cNvPr id="1" name=""/>
+        <p:cNvGrpSpPr/>
+        <p:nvPr/>
+      </p:nvGrpSpPr>
+      <p:grpSpPr>
+        <a:xfrm>
+          <a:off x="0" y="0"/>
+          <a:ext cx="0" cy="0"/>
+          <a:chOff x="0" y="0"/>
+          <a:chExt cx="0" cy="0"/>
+        </a:xfrm>
+      </p:grpSpPr>
+      <p:sp>
+        <p:nvSpPr>
+          <p:cNvPr id="3" name="内容占位符 2">
+            <a:extLst>
+              <a:ext uri="{FF2B5EF4-FFF2-40B4-BE49-F238E27FC236}">
+                <a16:creationId xmlns:a16="http://schemas.microsoft.com/office/drawing/2014/main" id="{E7664076-106F-4309-990F-9B8CE9BC1A56}"/>
+              </a:ext>
+            </a:extLst>
+          </p:cNvPr>
+          <p:cNvSpPr>
+            <a:spLocks noGrp="1"/>
+          </p:cNvSpPr>
+          <p:nvPr>
+            <p:ph idx="1"/>
+          </p:nvPr>
+        </p:nvSpPr>
+        <p:spPr>
+          <a:xfrm>
+            <a:off x="5145498" y="1048884"/>
+            <a:ext cx="901107" cy="481268"/>
+          </a:xfrm>
+        </p:spPr>
+        <p:txBody>
+          <a:bodyPr>
+            <a:normAutofit/>
+          </a:bodyPr>
+          <a:lstStyle/>
+          <a:p>
+            <a:pPr marL="0" indent="0">
+              <a:buNone/>
+            </a:pPr>
+            <a:r>
+              <a:rPr lang="zh-CN" altLang="en-US" dirty="0"/>
+              <a:t>学生</a:t>
+            </a:r>
+          </a:p>
+        </p:txBody>
+      </p:sp>
+      <p:sp>
+        <p:nvSpPr>
+          <p:cNvPr id="4" name="内容占位符 2">
+            <a:extLst>
+              <a:ext uri="{FF2B5EF4-FFF2-40B4-BE49-F238E27FC236}">
+                <a16:creationId xmlns:a16="http://schemas.microsoft.com/office/drawing/2014/main" id="{38A84570-8CAB-49D0-AB74-1FA6A2EE1DCB}"/>
+              </a:ext>
+            </a:extLst>
+          </p:cNvPr>
+          <p:cNvSpPr txBox="1">
+            <a:spLocks/>
+          </p:cNvSpPr>
+          <p:nvPr/>
+        </p:nvSpPr>
+        <p:spPr>
+          <a:xfrm>
+            <a:off x="5049803" y="3915562"/>
+            <a:ext cx="1267047" cy="481268"/>
+          </a:xfrm>
+          <a:prstGeom prst="rect">
+            <a:avLst/>
+          </a:prstGeom>
+        </p:spPr>
+        <p:txBody>
+          <a:bodyPr vert="horz" lIns="91440" tIns="45720" rIns="91440" bIns="45720" rtlCol="0">
+            <a:normAutofit/>
+          </a:bodyPr>
+          <a:lstStyle>
+            <a:lvl1pPr marL="228600" indent="-228600" algn="l" defTabSz="914400" rtl="0" eaLnBrk="1" latinLnBrk="0" hangingPunct="1">
+              <a:lnSpc>
+                <a:spcPct val="90000"/>
+              </a:lnSpc>
+              <a:spcBef>
+                <a:spcPts val="1000"/>
+              </a:spcBef>
+              <a:buFont typeface="Arial" panose="020B0604020202020204" pitchFamily="34" charset="0"/>
+              <a:buChar char="•"/>
+              <a:defRPr sz="2800" kern="1200">
+                <a:solidFill>
+                  <a:schemeClr val="tx1"/>
+                </a:solidFill>
+                <a:latin typeface="+mn-lt"/>
+                <a:ea typeface="+mn-ea"/>
+                <a:cs typeface="+mn-cs"/>
+              </a:defRPr>
+            </a:lvl1pPr>
+            <a:lvl2pPr marL="685800" indent="-228600" algn="l" defTabSz="914400" rtl="0" eaLnBrk="1" latinLnBrk="0" hangingPunct="1">
+              <a:lnSpc>
+                <a:spcPct val="90000"/>
+              </a:lnSpc>
+              <a:spcBef>
+                <a:spcPts val="500"/>
+              </a:spcBef>
+              <a:buFont typeface="Arial" panose="020B0604020202020204" pitchFamily="34" charset="0"/>
+              <a:buChar char="•"/>
+              <a:defRPr sz="2400" kern="1200">
+                <a:solidFill>
+                  <a:schemeClr val="tx1"/>
+                </a:solidFill>
+                <a:latin typeface="+mn-lt"/>
+                <a:ea typeface="+mn-ea"/>
+                <a:cs typeface="+mn-cs"/>
+              </a:defRPr>
+            </a:lvl2pPr>
+            <a:lvl3pPr marL="1143000" indent="-228600" algn="l" defTabSz="914400" rtl="0" eaLnBrk="1" latinLnBrk="0" hangingPunct="1">
+              <a:lnSpc>
+                <a:spcPct val="90000"/>
+              </a:lnSpc>
+              <a:spcBef>
+                <a:spcPts val="500"/>
+              </a:spcBef>
+              <a:buFont typeface="Arial" panose="020B0604020202020204" pitchFamily="34" charset="0"/>
+              <a:buChar char="•"/>
+              <a:defRPr sz="2000" kern="1200">
+                <a:solidFill>
+                  <a:schemeClr val="tx1"/>
+                </a:solidFill>
+                <a:latin typeface="+mn-lt"/>
+                <a:ea typeface="+mn-ea"/>
+                <a:cs typeface="+mn-cs"/>
+              </a:defRPr>
+            </a:lvl3pPr>
+            <a:lvl4pPr marL="1600200" indent="-228600" algn="l" defTabSz="914400" rtl="0" eaLnBrk="1" latinLnBrk="0" hangingPunct="1">
+              <a:lnSpc>
+                <a:spcPct val="90000"/>
+              </a:lnSpc>
+              <a:spcBef>
+                <a:spcPts val="500"/>
+              </a:spcBef>
+              <a:buFont typeface="Arial" panose="020B0604020202020204" pitchFamily="34" charset="0"/>
+              <a:buChar char="•"/>
+              <a:defRPr sz="1800" kern="1200">
+                <a:solidFill>
+                  <a:schemeClr val="tx1"/>
+                </a:solidFill>
+                <a:latin typeface="+mn-lt"/>
+                <a:ea typeface="+mn-ea"/>
+                <a:cs typeface="+mn-cs"/>
+              </a:defRPr>
+            </a:lvl4pPr>
+            <a:lvl5pPr marL="2057400" indent="-228600" algn="l" defTabSz="914400" rtl="0" eaLnBrk="1" latinLnBrk="0" hangingPunct="1">
+              <a:lnSpc>
+                <a:spcPct val="90000"/>
+              </a:lnSpc>
+              <a:spcBef>
+                <a:spcPts val="500"/>
+              </a:spcBef>
+              <a:buFont typeface="Arial" panose="020B0604020202020204" pitchFamily="34" charset="0"/>
+              <a:buChar char="•"/>
+              <a:defRPr sz="1800" kern="1200">
+                <a:solidFill>
+                  <a:schemeClr val="tx1"/>
+                </a:solidFill>
+                <a:latin typeface="+mn-lt"/>
+                <a:ea typeface="+mn-ea"/>
+                <a:cs typeface="+mn-cs"/>
+              </a:defRPr>
+            </a:lvl5pPr>
+            <a:lvl6pPr marL="2514600" indent="-228600" algn="l" defTabSz="914400" rtl="0" eaLnBrk="1" latinLnBrk="0" hangingPunct="1">
+              <a:lnSpc>
+                <a:spcPct val="90000"/>
+              </a:lnSpc>
+              <a:spcBef>
+                <a:spcPts val="500"/>
+              </a:spcBef>
+              <a:buFont typeface="Arial" panose="020B0604020202020204" pitchFamily="34" charset="0"/>
+              <a:buChar char="•"/>
+              <a:defRPr sz="1800" kern="1200">
+                <a:solidFill>
+                  <a:schemeClr val="tx1"/>
+                </a:solidFill>
+                <a:latin typeface="+mn-lt"/>
+                <a:ea typeface="+mn-ea"/>
+                <a:cs typeface="+mn-cs"/>
+              </a:defRPr>
+            </a:lvl6pPr>
+            <a:lvl7pPr marL="2971800" indent="-228600" algn="l" defTabSz="914400" rtl="0" eaLnBrk="1" latinLnBrk="0" hangingPunct="1">
+              <a:lnSpc>
+                <a:spcPct val="90000"/>
+              </a:lnSpc>
+              <a:spcBef>
+                <a:spcPts val="500"/>
+              </a:spcBef>
+              <a:buFont typeface="Arial" panose="020B0604020202020204" pitchFamily="34" charset="0"/>
+              <a:buChar char="•"/>
+              <a:defRPr sz="1800" kern="1200">
+                <a:solidFill>
+                  <a:schemeClr val="tx1"/>
+                </a:solidFill>
+                <a:latin typeface="+mn-lt"/>
+                <a:ea typeface="+mn-ea"/>
+                <a:cs typeface="+mn-cs"/>
+              </a:defRPr>
+            </a:lvl7pPr>
+            <a:lvl8pPr marL="3429000" indent="-228600" algn="l" defTabSz="914400" rtl="0" eaLnBrk="1" latinLnBrk="0" hangingPunct="1">
+              <a:lnSpc>
+                <a:spcPct val="90000"/>
+              </a:lnSpc>
+              <a:spcBef>
+                <a:spcPts val="500"/>
+              </a:spcBef>
+              <a:buFont typeface="Arial" panose="020B0604020202020204" pitchFamily="34" charset="0"/>
+              <a:buChar char="•"/>
+              <a:defRPr sz="1800" kern="1200">
+                <a:solidFill>
+                  <a:schemeClr val="tx1"/>
+                </a:solidFill>
+                <a:latin typeface="+mn-lt"/>
+                <a:ea typeface="+mn-ea"/>
+                <a:cs typeface="+mn-cs"/>
+              </a:defRPr>
+            </a:lvl8pPr>
+            <a:lvl9pPr marL="3886200" indent="-228600" algn="l" defTabSz="914400" rtl="0" eaLnBrk="1" latinLnBrk="0" hangingPunct="1">
+              <a:lnSpc>
+                <a:spcPct val="90000"/>
+              </a:lnSpc>
+              <a:spcBef>
+                <a:spcPts val="500"/>
+              </a:spcBef>
+              <a:buFont typeface="Arial" panose="020B0604020202020204" pitchFamily="34" charset="0"/>
+              <a:buChar char="•"/>
+              <a:defRPr sz="1800" kern="1200">
+                <a:solidFill>
+                  <a:schemeClr val="tx1"/>
+                </a:solidFill>
+                <a:latin typeface="+mn-lt"/>
+                <a:ea typeface="+mn-ea"/>
+                <a:cs typeface="+mn-cs"/>
+              </a:defRPr>
+            </a:lvl9pPr>
+          </a:lstStyle>
+          <a:p>
+            <a:pPr marL="0" indent="0">
+              <a:buFont typeface="Arial" panose="020B0604020202020204" pitchFamily="34" charset="0"/>
+              <a:buNone/>
+            </a:pPr>
+            <a:r>
+              <a:rPr lang="zh-CN" altLang="en-US" dirty="0"/>
+              <a:t>管理员</a:t>
+            </a:r>
+          </a:p>
+        </p:txBody>
+      </p:sp>
+      <p:sp>
+        <p:nvSpPr>
+          <p:cNvPr id="5" name="内容占位符 2">
+            <a:extLst>
+              <a:ext uri="{FF2B5EF4-FFF2-40B4-BE49-F238E27FC236}">
+                <a16:creationId xmlns:a16="http://schemas.microsoft.com/office/drawing/2014/main" id="{CE5EBEF3-A39F-4E7D-A3A3-256F651E9DB8}"/>
+              </a:ext>
+            </a:extLst>
+          </p:cNvPr>
+          <p:cNvSpPr txBox="1">
+            <a:spLocks/>
+          </p:cNvSpPr>
+          <p:nvPr/>
+        </p:nvSpPr>
+        <p:spPr>
+          <a:xfrm>
+            <a:off x="5140626" y="2482223"/>
+            <a:ext cx="901106" cy="481268"/>
+          </a:xfrm>
+          <a:prstGeom prst="rect">
+            <a:avLst/>
+          </a:prstGeom>
+        </p:spPr>
+        <p:txBody>
+          <a:bodyPr vert="horz" lIns="91440" tIns="45720" rIns="91440" bIns="45720" rtlCol="0">
+            <a:normAutofit/>
+          </a:bodyPr>
+          <a:lstStyle>
+            <a:lvl1pPr marL="228600" indent="-228600" algn="l" defTabSz="914400" rtl="0" eaLnBrk="1" latinLnBrk="0" hangingPunct="1">
+              <a:lnSpc>
+                <a:spcPct val="90000"/>
+              </a:lnSpc>
+              <a:spcBef>
+                <a:spcPts val="1000"/>
+              </a:spcBef>
+              <a:buFont typeface="Arial" panose="020B0604020202020204" pitchFamily="34" charset="0"/>
+              <a:buChar char="•"/>
+              <a:defRPr sz="2800" kern="1200">
+                <a:solidFill>
+                  <a:schemeClr val="tx1"/>
+                </a:solidFill>
+                <a:latin typeface="+mn-lt"/>
+                <a:ea typeface="+mn-ea"/>
+                <a:cs typeface="+mn-cs"/>
+              </a:defRPr>
+            </a:lvl1pPr>
+            <a:lvl2pPr marL="685800" indent="-228600" algn="l" defTabSz="914400" rtl="0" eaLnBrk="1" latinLnBrk="0" hangingPunct="1">
+              <a:lnSpc>
+                <a:spcPct val="90000"/>
+              </a:lnSpc>
+              <a:spcBef>
+                <a:spcPts val="500"/>
+              </a:spcBef>
+              <a:buFont typeface="Arial" panose="020B0604020202020204" pitchFamily="34" charset="0"/>
+              <a:buChar char="•"/>
+              <a:defRPr sz="2400" kern="1200">
+                <a:solidFill>
+                  <a:schemeClr val="tx1"/>
+                </a:solidFill>
+                <a:latin typeface="+mn-lt"/>
+                <a:ea typeface="+mn-ea"/>
+                <a:cs typeface="+mn-cs"/>
+              </a:defRPr>
+            </a:lvl2pPr>
+            <a:lvl3pPr marL="1143000" indent="-228600" algn="l" defTabSz="914400" rtl="0" eaLnBrk="1" latinLnBrk="0" hangingPunct="1">
+              <a:lnSpc>
+                <a:spcPct val="90000"/>
+              </a:lnSpc>
+              <a:spcBef>
+                <a:spcPts val="500"/>
+              </a:spcBef>
+              <a:buFont typeface="Arial" panose="020B0604020202020204" pitchFamily="34" charset="0"/>
+              <a:buChar char="•"/>
+              <a:defRPr sz="2000" kern="1200">
+                <a:solidFill>
+                  <a:schemeClr val="tx1"/>
+                </a:solidFill>
+                <a:latin typeface="+mn-lt"/>
+                <a:ea typeface="+mn-ea"/>
+                <a:cs typeface="+mn-cs"/>
+              </a:defRPr>
+            </a:lvl3pPr>
+            <a:lvl4pPr marL="1600200" indent="-228600" algn="l" defTabSz="914400" rtl="0" eaLnBrk="1" latinLnBrk="0" hangingPunct="1">
+              <a:lnSpc>
+                <a:spcPct val="90000"/>
+              </a:lnSpc>
+              <a:spcBef>
+                <a:spcPts val="500"/>
+              </a:spcBef>
+              <a:buFont typeface="Arial" panose="020B0604020202020204" pitchFamily="34" charset="0"/>
+              <a:buChar char="•"/>
+              <a:defRPr sz="1800" kern="1200">
+                <a:solidFill>
+                  <a:schemeClr val="tx1"/>
+                </a:solidFill>
+                <a:latin typeface="+mn-lt"/>
+                <a:ea typeface="+mn-ea"/>
+                <a:cs typeface="+mn-cs"/>
+              </a:defRPr>
+            </a:lvl4pPr>
+            <a:lvl5pPr marL="2057400" indent="-228600" algn="l" defTabSz="914400" rtl="0" eaLnBrk="1" latinLnBrk="0" hangingPunct="1">
+              <a:lnSpc>
+                <a:spcPct val="90000"/>
+              </a:lnSpc>
+              <a:spcBef>
+                <a:spcPts val="500"/>
+              </a:spcBef>
+              <a:buFont typeface="Arial" panose="020B0604020202020204" pitchFamily="34" charset="0"/>
+              <a:buChar char="•"/>
+              <a:defRPr sz="1800" kern="1200">
+                <a:solidFill>
+                  <a:schemeClr val="tx1"/>
+                </a:solidFill>
+                <a:latin typeface="+mn-lt"/>
+                <a:ea typeface="+mn-ea"/>
+                <a:cs typeface="+mn-cs"/>
+              </a:defRPr>
+            </a:lvl5pPr>
+            <a:lvl6pPr marL="2514600" indent="-228600" algn="l" defTabSz="914400" rtl="0" eaLnBrk="1" latinLnBrk="0" hangingPunct="1">
+              <a:lnSpc>
+                <a:spcPct val="90000"/>
+              </a:lnSpc>
+              <a:spcBef>
+                <a:spcPts val="500"/>
+              </a:spcBef>
+              <a:buFont typeface="Arial" panose="020B0604020202020204" pitchFamily="34" charset="0"/>
+              <a:buChar char="•"/>
+              <a:defRPr sz="1800" kern="1200">
+                <a:solidFill>
+                  <a:schemeClr val="tx1"/>
+                </a:solidFill>
+                <a:latin typeface="+mn-lt"/>
+                <a:ea typeface="+mn-ea"/>
+                <a:cs typeface="+mn-cs"/>
+              </a:defRPr>
+            </a:lvl6pPr>
+            <a:lvl7pPr marL="2971800" indent="-228600" algn="l" defTabSz="914400" rtl="0" eaLnBrk="1" latinLnBrk="0" hangingPunct="1">
+              <a:lnSpc>
+                <a:spcPct val="90000"/>
+              </a:lnSpc>
+              <a:spcBef>
+                <a:spcPts val="500"/>
+              </a:spcBef>
+              <a:buFont typeface="Arial" panose="020B0604020202020204" pitchFamily="34" charset="0"/>
+              <a:buChar char="•"/>
+              <a:defRPr sz="1800" kern="1200">
+                <a:solidFill>
+                  <a:schemeClr val="tx1"/>
+                </a:solidFill>
+                <a:latin typeface="+mn-lt"/>
+                <a:ea typeface="+mn-ea"/>
+                <a:cs typeface="+mn-cs"/>
+              </a:defRPr>
+            </a:lvl7pPr>
+            <a:lvl8pPr marL="3429000" indent="-228600" algn="l" defTabSz="914400" rtl="0" eaLnBrk="1" latinLnBrk="0" hangingPunct="1">
+              <a:lnSpc>
+                <a:spcPct val="90000"/>
+              </a:lnSpc>
+              <a:spcBef>
+                <a:spcPts val="500"/>
+              </a:spcBef>
+              <a:buFont typeface="Arial" panose="020B0604020202020204" pitchFamily="34" charset="0"/>
+              <a:buChar char="•"/>
+              <a:defRPr sz="1800" kern="1200">
+                <a:solidFill>
+                  <a:schemeClr val="tx1"/>
+                </a:solidFill>
+                <a:latin typeface="+mn-lt"/>
+                <a:ea typeface="+mn-ea"/>
+                <a:cs typeface="+mn-cs"/>
+              </a:defRPr>
+            </a:lvl8pPr>
+            <a:lvl9pPr marL="3886200" indent="-228600" algn="l" defTabSz="914400" rtl="0" eaLnBrk="1" latinLnBrk="0" hangingPunct="1">
+              <a:lnSpc>
+                <a:spcPct val="90000"/>
+              </a:lnSpc>
+              <a:spcBef>
+                <a:spcPts val="500"/>
+              </a:spcBef>
+              <a:buFont typeface="Arial" panose="020B0604020202020204" pitchFamily="34" charset="0"/>
+              <a:buChar char="•"/>
+              <a:defRPr sz="1800" kern="1200">
+                <a:solidFill>
+                  <a:schemeClr val="tx1"/>
+                </a:solidFill>
+                <a:latin typeface="+mn-lt"/>
+                <a:ea typeface="+mn-ea"/>
+                <a:cs typeface="+mn-cs"/>
+              </a:defRPr>
+            </a:lvl9pPr>
+          </a:lstStyle>
+          <a:p>
+            <a:pPr marL="0" indent="0">
+              <a:buFont typeface="Arial" panose="020B0604020202020204" pitchFamily="34" charset="0"/>
+              <a:buNone/>
+            </a:pPr>
+            <a:r>
+              <a:rPr lang="zh-CN" altLang="en-US" dirty="0"/>
+              <a:t>教师</a:t>
+            </a:r>
+          </a:p>
+        </p:txBody>
+      </p:sp>
+      <p:sp>
+        <p:nvSpPr>
+          <p:cNvPr id="6" name="内容占位符 2">
+            <a:extLst>
+              <a:ext uri="{FF2B5EF4-FFF2-40B4-BE49-F238E27FC236}">
+                <a16:creationId xmlns:a16="http://schemas.microsoft.com/office/drawing/2014/main" id="{4CF7D342-F403-43FC-BD53-929DA04B4B62}"/>
+              </a:ext>
+            </a:extLst>
+          </p:cNvPr>
+          <p:cNvSpPr txBox="1">
+            <a:spLocks/>
+          </p:cNvSpPr>
+          <p:nvPr/>
+        </p:nvSpPr>
+        <p:spPr>
+          <a:xfrm>
+            <a:off x="914402" y="104072"/>
+            <a:ext cx="1054395" cy="481269"/>
+          </a:xfrm>
+          <a:prstGeom prst="rect">
+            <a:avLst/>
+          </a:prstGeom>
+        </p:spPr>
+        <p:txBody>
+          <a:bodyPr vert="horz" lIns="91440" tIns="45720" rIns="91440" bIns="45720" rtlCol="0">
+            <a:normAutofit/>
+          </a:bodyPr>
+          <a:lstStyle>
+            <a:lvl1pPr marL="228600" indent="-228600" algn="l" defTabSz="914400" rtl="0" eaLnBrk="1" latinLnBrk="0" hangingPunct="1">
+              <a:lnSpc>
+                <a:spcPct val="90000"/>
+              </a:lnSpc>
+              <a:spcBef>
+                <a:spcPts val="1000"/>
+              </a:spcBef>
+              <a:buFont typeface="Arial" panose="020B0604020202020204" pitchFamily="34" charset="0"/>
+              <a:buChar char="•"/>
+              <a:defRPr sz="2800" kern="1200">
+                <a:solidFill>
+                  <a:schemeClr val="tx1"/>
+                </a:solidFill>
+                <a:latin typeface="+mn-lt"/>
+                <a:ea typeface="+mn-ea"/>
+                <a:cs typeface="+mn-cs"/>
+              </a:defRPr>
+            </a:lvl1pPr>
+            <a:lvl2pPr marL="685800" indent="-228600" algn="l" defTabSz="914400" rtl="0" eaLnBrk="1" latinLnBrk="0" hangingPunct="1">
+              <a:lnSpc>
+                <a:spcPct val="90000"/>
+              </a:lnSpc>
+              <a:spcBef>
+                <a:spcPts val="500"/>
+              </a:spcBef>
+              <a:buFont typeface="Arial" panose="020B0604020202020204" pitchFamily="34" charset="0"/>
+              <a:buChar char="•"/>
+              <a:defRPr sz="2400" kern="1200">
+                <a:solidFill>
+                  <a:schemeClr val="tx1"/>
+                </a:solidFill>
+                <a:latin typeface="+mn-lt"/>
+                <a:ea typeface="+mn-ea"/>
+                <a:cs typeface="+mn-cs"/>
+              </a:defRPr>
+            </a:lvl2pPr>
+            <a:lvl3pPr marL="1143000" indent="-228600" algn="l" defTabSz="914400" rtl="0" eaLnBrk="1" latinLnBrk="0" hangingPunct="1">
+              <a:lnSpc>
+                <a:spcPct val="90000"/>
+              </a:lnSpc>
+              <a:spcBef>
+                <a:spcPts val="500"/>
+              </a:spcBef>
+              <a:buFont typeface="Arial" panose="020B0604020202020204" pitchFamily="34" charset="0"/>
+              <a:buChar char="•"/>
+              <a:defRPr sz="2000" kern="1200">
+                <a:solidFill>
+                  <a:schemeClr val="tx1"/>
+                </a:solidFill>
+                <a:latin typeface="+mn-lt"/>
+                <a:ea typeface="+mn-ea"/>
+                <a:cs typeface="+mn-cs"/>
+              </a:defRPr>
+            </a:lvl3pPr>
+            <a:lvl4pPr marL="1600200" indent="-228600" algn="l" defTabSz="914400" rtl="0" eaLnBrk="1" latinLnBrk="0" hangingPunct="1">
+              <a:lnSpc>
+                <a:spcPct val="90000"/>
+              </a:lnSpc>
+              <a:spcBef>
+                <a:spcPts val="500"/>
+              </a:spcBef>
+              <a:buFont typeface="Arial" panose="020B0604020202020204" pitchFamily="34" charset="0"/>
+              <a:buChar char="•"/>
+              <a:defRPr sz="1800" kern="1200">
+                <a:solidFill>
+                  <a:schemeClr val="tx1"/>
+                </a:solidFill>
+                <a:latin typeface="+mn-lt"/>
+                <a:ea typeface="+mn-ea"/>
+                <a:cs typeface="+mn-cs"/>
+              </a:defRPr>
+            </a:lvl4pPr>
+            <a:lvl5pPr marL="2057400" indent="-228600" algn="l" defTabSz="914400" rtl="0" eaLnBrk="1" latinLnBrk="0" hangingPunct="1">
+              <a:lnSpc>
+                <a:spcPct val="90000"/>
+              </a:lnSpc>
+              <a:spcBef>
+                <a:spcPts val="500"/>
+              </a:spcBef>
+              <a:buFont typeface="Arial" panose="020B0604020202020204" pitchFamily="34" charset="0"/>
+              <a:buChar char="•"/>
+              <a:defRPr sz="1800" kern="1200">
+                <a:solidFill>
+                  <a:schemeClr val="tx1"/>
+                </a:solidFill>
+                <a:latin typeface="+mn-lt"/>
+                <a:ea typeface="+mn-ea"/>
+                <a:cs typeface="+mn-cs"/>
+              </a:defRPr>
+            </a:lvl5pPr>
+            <a:lvl6pPr marL="2514600" indent="-228600" algn="l" defTabSz="914400" rtl="0" eaLnBrk="1" latinLnBrk="0" hangingPunct="1">
+              <a:lnSpc>
+                <a:spcPct val="90000"/>
+              </a:lnSpc>
+              <a:spcBef>
+                <a:spcPts val="500"/>
+              </a:spcBef>
+              <a:buFont typeface="Arial" panose="020B0604020202020204" pitchFamily="34" charset="0"/>
+              <a:buChar char="•"/>
+              <a:defRPr sz="1800" kern="1200">
+                <a:solidFill>
+                  <a:schemeClr val="tx1"/>
+                </a:solidFill>
+                <a:latin typeface="+mn-lt"/>
+                <a:ea typeface="+mn-ea"/>
+                <a:cs typeface="+mn-cs"/>
+              </a:defRPr>
+            </a:lvl6pPr>
+            <a:lvl7pPr marL="2971800" indent="-228600" algn="l" defTabSz="914400" rtl="0" eaLnBrk="1" latinLnBrk="0" hangingPunct="1">
+              <a:lnSpc>
+                <a:spcPct val="90000"/>
+              </a:lnSpc>
+              <a:spcBef>
+                <a:spcPts val="500"/>
+              </a:spcBef>
+              <a:buFont typeface="Arial" panose="020B0604020202020204" pitchFamily="34" charset="0"/>
+              <a:buChar char="•"/>
+              <a:defRPr sz="1800" kern="1200">
+                <a:solidFill>
+                  <a:schemeClr val="tx1"/>
+                </a:solidFill>
+                <a:latin typeface="+mn-lt"/>
+                <a:ea typeface="+mn-ea"/>
+                <a:cs typeface="+mn-cs"/>
+              </a:defRPr>
+            </a:lvl7pPr>
+            <a:lvl8pPr marL="3429000" indent="-228600" algn="l" defTabSz="914400" rtl="0" eaLnBrk="1" latinLnBrk="0" hangingPunct="1">
+              <a:lnSpc>
+                <a:spcPct val="90000"/>
+              </a:lnSpc>
+              <a:spcBef>
+                <a:spcPts val="500"/>
+              </a:spcBef>
+              <a:buFont typeface="Arial" panose="020B0604020202020204" pitchFamily="34" charset="0"/>
+              <a:buChar char="•"/>
+              <a:defRPr sz="1800" kern="1200">
+                <a:solidFill>
+                  <a:schemeClr val="tx1"/>
+                </a:solidFill>
+                <a:latin typeface="+mn-lt"/>
+                <a:ea typeface="+mn-ea"/>
+                <a:cs typeface="+mn-cs"/>
+              </a:defRPr>
+            </a:lvl8pPr>
+            <a:lvl9pPr marL="3886200" indent="-228600" algn="l" defTabSz="914400" rtl="0" eaLnBrk="1" latinLnBrk="0" hangingPunct="1">
+              <a:lnSpc>
+                <a:spcPct val="90000"/>
+              </a:lnSpc>
+              <a:spcBef>
+                <a:spcPts val="500"/>
+              </a:spcBef>
+              <a:buFont typeface="Arial" panose="020B0604020202020204" pitchFamily="34" charset="0"/>
+              <a:buChar char="•"/>
+              <a:defRPr sz="1800" kern="1200">
+                <a:solidFill>
+                  <a:schemeClr val="tx1"/>
+                </a:solidFill>
+                <a:latin typeface="+mn-lt"/>
+                <a:ea typeface="+mn-ea"/>
+                <a:cs typeface="+mn-cs"/>
+              </a:defRPr>
+            </a:lvl9pPr>
+          </a:lstStyle>
+          <a:p>
+            <a:pPr marL="0" indent="0">
+              <a:buFont typeface="Arial" panose="020B0604020202020204" pitchFamily="34" charset="0"/>
+              <a:buNone/>
+            </a:pPr>
+            <a:r>
+              <a:rPr lang="zh-CN" altLang="en-US" dirty="0"/>
+              <a:t>信息</a:t>
+            </a:r>
+          </a:p>
+        </p:txBody>
+      </p:sp>
+      <p:sp>
+        <p:nvSpPr>
+          <p:cNvPr id="7" name="内容占位符 2">
+            <a:extLst>
+              <a:ext uri="{FF2B5EF4-FFF2-40B4-BE49-F238E27FC236}">
+                <a16:creationId xmlns:a16="http://schemas.microsoft.com/office/drawing/2014/main" id="{87515952-047F-4B32-8A5C-6099C2AD8BBE}"/>
+              </a:ext>
+            </a:extLst>
+          </p:cNvPr>
+          <p:cNvSpPr txBox="1">
+            <a:spLocks/>
+          </p:cNvSpPr>
+          <p:nvPr/>
+        </p:nvSpPr>
+        <p:spPr>
+          <a:xfrm>
+            <a:off x="10223203" y="2133969"/>
+            <a:ext cx="1054395" cy="486297"/>
+          </a:xfrm>
+          <a:prstGeom prst="rect">
+            <a:avLst/>
+          </a:prstGeom>
+        </p:spPr>
+        <p:txBody>
+          <a:bodyPr vert="horz" lIns="91440" tIns="45720" rIns="91440" bIns="45720" rtlCol="0">
+            <a:normAutofit/>
+          </a:bodyPr>
+          <a:lstStyle>
+            <a:lvl1pPr marL="228600" indent="-228600" algn="l" defTabSz="914400" rtl="0" eaLnBrk="1" latinLnBrk="0" hangingPunct="1">
+              <a:lnSpc>
+                <a:spcPct val="90000"/>
+              </a:lnSpc>
+              <a:spcBef>
+                <a:spcPts val="1000"/>
+              </a:spcBef>
+              <a:buFont typeface="Arial" panose="020B0604020202020204" pitchFamily="34" charset="0"/>
+              <a:buChar char="•"/>
+              <a:defRPr sz="2800" kern="1200">
+                <a:solidFill>
+                  <a:schemeClr val="tx1"/>
+                </a:solidFill>
+                <a:latin typeface="+mn-lt"/>
+                <a:ea typeface="+mn-ea"/>
+                <a:cs typeface="+mn-cs"/>
+              </a:defRPr>
+            </a:lvl1pPr>
+            <a:lvl2pPr marL="685800" indent="-228600" algn="l" defTabSz="914400" rtl="0" eaLnBrk="1" latinLnBrk="0" hangingPunct="1">
+              <a:lnSpc>
+                <a:spcPct val="90000"/>
+              </a:lnSpc>
+              <a:spcBef>
+                <a:spcPts val="500"/>
+              </a:spcBef>
+              <a:buFont typeface="Arial" panose="020B0604020202020204" pitchFamily="34" charset="0"/>
+              <a:buChar char="•"/>
+              <a:defRPr sz="2400" kern="1200">
+                <a:solidFill>
+                  <a:schemeClr val="tx1"/>
+                </a:solidFill>
+                <a:latin typeface="+mn-lt"/>
+                <a:ea typeface="+mn-ea"/>
+                <a:cs typeface="+mn-cs"/>
+              </a:defRPr>
+            </a:lvl2pPr>
+            <a:lvl3pPr marL="1143000" indent="-228600" algn="l" defTabSz="914400" rtl="0" eaLnBrk="1" latinLnBrk="0" hangingPunct="1">
+              <a:lnSpc>
+                <a:spcPct val="90000"/>
+              </a:lnSpc>
+              <a:spcBef>
+                <a:spcPts val="500"/>
+              </a:spcBef>
+              <a:buFont typeface="Arial" panose="020B0604020202020204" pitchFamily="34" charset="0"/>
+              <a:buChar char="•"/>
+              <a:defRPr sz="2000" kern="1200">
+                <a:solidFill>
+                  <a:schemeClr val="tx1"/>
+                </a:solidFill>
+                <a:latin typeface="+mn-lt"/>
+                <a:ea typeface="+mn-ea"/>
+                <a:cs typeface="+mn-cs"/>
+              </a:defRPr>
+            </a:lvl3pPr>
+            <a:lvl4pPr marL="1600200" indent="-228600" algn="l" defTabSz="914400" rtl="0" eaLnBrk="1" latinLnBrk="0" hangingPunct="1">
+              <a:lnSpc>
+                <a:spcPct val="90000"/>
+              </a:lnSpc>
+              <a:spcBef>
+                <a:spcPts val="500"/>
+              </a:spcBef>
+              <a:buFont typeface="Arial" panose="020B0604020202020204" pitchFamily="34" charset="0"/>
+              <a:buChar char="•"/>
+              <a:defRPr sz="1800" kern="1200">
+                <a:solidFill>
+                  <a:schemeClr val="tx1"/>
+                </a:solidFill>
+                <a:latin typeface="+mn-lt"/>
+                <a:ea typeface="+mn-ea"/>
+                <a:cs typeface="+mn-cs"/>
+              </a:defRPr>
+            </a:lvl4pPr>
+            <a:lvl5pPr marL="2057400" indent="-228600" algn="l" defTabSz="914400" rtl="0" eaLnBrk="1" latinLnBrk="0" hangingPunct="1">
+              <a:lnSpc>
+                <a:spcPct val="90000"/>
+              </a:lnSpc>
+              <a:spcBef>
+                <a:spcPts val="500"/>
+              </a:spcBef>
+              <a:buFont typeface="Arial" panose="020B0604020202020204" pitchFamily="34" charset="0"/>
+              <a:buChar char="•"/>
+              <a:defRPr sz="1800" kern="1200">
+                <a:solidFill>
+                  <a:schemeClr val="tx1"/>
+                </a:solidFill>
+                <a:latin typeface="+mn-lt"/>
+                <a:ea typeface="+mn-ea"/>
+                <a:cs typeface="+mn-cs"/>
+              </a:defRPr>
+            </a:lvl5pPr>
+            <a:lvl6pPr marL="2514600" indent="-228600" algn="l" defTabSz="914400" rtl="0" eaLnBrk="1" latinLnBrk="0" hangingPunct="1">
+              <a:lnSpc>
+                <a:spcPct val="90000"/>
+              </a:lnSpc>
+              <a:spcBef>
+                <a:spcPts val="500"/>
+              </a:spcBef>
+              <a:buFont typeface="Arial" panose="020B0604020202020204" pitchFamily="34" charset="0"/>
+              <a:buChar char="•"/>
+              <a:defRPr sz="1800" kern="1200">
+                <a:solidFill>
+                  <a:schemeClr val="tx1"/>
+                </a:solidFill>
+                <a:latin typeface="+mn-lt"/>
+                <a:ea typeface="+mn-ea"/>
+                <a:cs typeface="+mn-cs"/>
+              </a:defRPr>
+            </a:lvl6pPr>
+            <a:lvl7pPr marL="2971800" indent="-228600" algn="l" defTabSz="914400" rtl="0" eaLnBrk="1" latinLnBrk="0" hangingPunct="1">
+              <a:lnSpc>
+                <a:spcPct val="90000"/>
+              </a:lnSpc>
+              <a:spcBef>
+                <a:spcPts val="500"/>
+              </a:spcBef>
+              <a:buFont typeface="Arial" panose="020B0604020202020204" pitchFamily="34" charset="0"/>
+              <a:buChar char="•"/>
+              <a:defRPr sz="1800" kern="1200">
+                <a:solidFill>
+                  <a:schemeClr val="tx1"/>
+                </a:solidFill>
+                <a:latin typeface="+mn-lt"/>
+                <a:ea typeface="+mn-ea"/>
+                <a:cs typeface="+mn-cs"/>
+              </a:defRPr>
+            </a:lvl7pPr>
+            <a:lvl8pPr marL="3429000" indent="-228600" algn="l" defTabSz="914400" rtl="0" eaLnBrk="1" latinLnBrk="0" hangingPunct="1">
+              <a:lnSpc>
+                <a:spcPct val="90000"/>
+              </a:lnSpc>
+              <a:spcBef>
+                <a:spcPts val="500"/>
+              </a:spcBef>
+              <a:buFont typeface="Arial" panose="020B0604020202020204" pitchFamily="34" charset="0"/>
+              <a:buChar char="•"/>
+              <a:defRPr sz="1800" kern="1200">
+                <a:solidFill>
+                  <a:schemeClr val="tx1"/>
+                </a:solidFill>
+                <a:latin typeface="+mn-lt"/>
+                <a:ea typeface="+mn-ea"/>
+                <a:cs typeface="+mn-cs"/>
+              </a:defRPr>
+            </a:lvl8pPr>
+            <a:lvl9pPr marL="3886200" indent="-228600" algn="l" defTabSz="914400" rtl="0" eaLnBrk="1" latinLnBrk="0" hangingPunct="1">
+              <a:lnSpc>
+                <a:spcPct val="90000"/>
+              </a:lnSpc>
+              <a:spcBef>
+                <a:spcPts val="500"/>
+              </a:spcBef>
+              <a:buFont typeface="Arial" panose="020B0604020202020204" pitchFamily="34" charset="0"/>
+              <a:buChar char="•"/>
+              <a:defRPr sz="1800" kern="1200">
+                <a:solidFill>
+                  <a:schemeClr val="tx1"/>
+                </a:solidFill>
+                <a:latin typeface="+mn-lt"/>
+                <a:ea typeface="+mn-ea"/>
+                <a:cs typeface="+mn-cs"/>
+              </a:defRPr>
+            </a:lvl9pPr>
+          </a:lstStyle>
+          <a:p>
+            <a:pPr marL="0" indent="0">
+              <a:buFont typeface="Arial" panose="020B0604020202020204" pitchFamily="34" charset="0"/>
+              <a:buNone/>
+            </a:pPr>
+            <a:r>
+              <a:rPr lang="zh-CN" altLang="en-US" dirty="0"/>
+              <a:t>查</a:t>
+            </a:r>
+          </a:p>
+        </p:txBody>
+      </p:sp>
+      <p:sp>
+        <p:nvSpPr>
+          <p:cNvPr id="8" name="内容占位符 2">
+            <a:extLst>
+              <a:ext uri="{FF2B5EF4-FFF2-40B4-BE49-F238E27FC236}">
+                <a16:creationId xmlns:a16="http://schemas.microsoft.com/office/drawing/2014/main" id="{9D5D1E78-77F3-4D2D-B093-CC9F75C7865A}"/>
+              </a:ext>
+            </a:extLst>
+          </p:cNvPr>
+          <p:cNvSpPr txBox="1">
+            <a:spLocks/>
+          </p:cNvSpPr>
+          <p:nvPr/>
+        </p:nvSpPr>
+        <p:spPr>
+          <a:xfrm>
+            <a:off x="10223203" y="3250760"/>
+            <a:ext cx="1054395" cy="481268"/>
+          </a:xfrm>
+          <a:prstGeom prst="rect">
+            <a:avLst/>
+          </a:prstGeom>
+        </p:spPr>
+        <p:txBody>
+          <a:bodyPr vert="horz" lIns="91440" tIns="45720" rIns="91440" bIns="45720" rtlCol="0">
+            <a:normAutofit/>
+          </a:bodyPr>
+          <a:lstStyle>
+            <a:lvl1pPr marL="228600" indent="-228600" algn="l" defTabSz="914400" rtl="0" eaLnBrk="1" latinLnBrk="0" hangingPunct="1">
+              <a:lnSpc>
+                <a:spcPct val="90000"/>
+              </a:lnSpc>
+              <a:spcBef>
+                <a:spcPts val="1000"/>
+              </a:spcBef>
+              <a:buFont typeface="Arial" panose="020B0604020202020204" pitchFamily="34" charset="0"/>
+              <a:buChar char="•"/>
+              <a:defRPr sz="2800" kern="1200">
+                <a:solidFill>
+                  <a:schemeClr val="tx1"/>
+                </a:solidFill>
+                <a:latin typeface="+mn-lt"/>
+                <a:ea typeface="+mn-ea"/>
+                <a:cs typeface="+mn-cs"/>
+              </a:defRPr>
+            </a:lvl1pPr>
+            <a:lvl2pPr marL="685800" indent="-228600" algn="l" defTabSz="914400" rtl="0" eaLnBrk="1" latinLnBrk="0" hangingPunct="1">
+              <a:lnSpc>
+                <a:spcPct val="90000"/>
+              </a:lnSpc>
+              <a:spcBef>
+                <a:spcPts val="500"/>
+              </a:spcBef>
+              <a:buFont typeface="Arial" panose="020B0604020202020204" pitchFamily="34" charset="0"/>
+              <a:buChar char="•"/>
+              <a:defRPr sz="2400" kern="1200">
+                <a:solidFill>
+                  <a:schemeClr val="tx1"/>
+                </a:solidFill>
+                <a:latin typeface="+mn-lt"/>
+                <a:ea typeface="+mn-ea"/>
+                <a:cs typeface="+mn-cs"/>
+              </a:defRPr>
+            </a:lvl2pPr>
+            <a:lvl3pPr marL="1143000" indent="-228600" algn="l" defTabSz="914400" rtl="0" eaLnBrk="1" latinLnBrk="0" hangingPunct="1">
+              <a:lnSpc>
+                <a:spcPct val="90000"/>
+              </a:lnSpc>
+              <a:spcBef>
+                <a:spcPts val="500"/>
+              </a:spcBef>
+              <a:buFont typeface="Arial" panose="020B0604020202020204" pitchFamily="34" charset="0"/>
+              <a:buChar char="•"/>
+              <a:defRPr sz="2000" kern="1200">
+                <a:solidFill>
+                  <a:schemeClr val="tx1"/>
+                </a:solidFill>
+                <a:latin typeface="+mn-lt"/>
+                <a:ea typeface="+mn-ea"/>
+                <a:cs typeface="+mn-cs"/>
+              </a:defRPr>
+            </a:lvl3pPr>
+            <a:lvl4pPr marL="1600200" indent="-228600" algn="l" defTabSz="914400" rtl="0" eaLnBrk="1" latinLnBrk="0" hangingPunct="1">
+              <a:lnSpc>
+                <a:spcPct val="90000"/>
+              </a:lnSpc>
+              <a:spcBef>
+                <a:spcPts val="500"/>
+              </a:spcBef>
+              <a:buFont typeface="Arial" panose="020B0604020202020204" pitchFamily="34" charset="0"/>
+              <a:buChar char="•"/>
+              <a:defRPr sz="1800" kern="1200">
+                <a:solidFill>
+                  <a:schemeClr val="tx1"/>
+                </a:solidFill>
+                <a:latin typeface="+mn-lt"/>
+                <a:ea typeface="+mn-ea"/>
+                <a:cs typeface="+mn-cs"/>
+              </a:defRPr>
+            </a:lvl4pPr>
+            <a:lvl5pPr marL="2057400" indent="-228600" algn="l" defTabSz="914400" rtl="0" eaLnBrk="1" latinLnBrk="0" hangingPunct="1">
+              <a:lnSpc>
+                <a:spcPct val="90000"/>
+              </a:lnSpc>
+              <a:spcBef>
+                <a:spcPts val="500"/>
+              </a:spcBef>
+              <a:buFont typeface="Arial" panose="020B0604020202020204" pitchFamily="34" charset="0"/>
+              <a:buChar char="•"/>
+              <a:defRPr sz="1800" kern="1200">
+                <a:solidFill>
+                  <a:schemeClr val="tx1"/>
+                </a:solidFill>
+                <a:latin typeface="+mn-lt"/>
+                <a:ea typeface="+mn-ea"/>
+                <a:cs typeface="+mn-cs"/>
+              </a:defRPr>
+            </a:lvl5pPr>
+            <a:lvl6pPr marL="2514600" indent="-228600" algn="l" defTabSz="914400" rtl="0" eaLnBrk="1" latinLnBrk="0" hangingPunct="1">
+              <a:lnSpc>
+                <a:spcPct val="90000"/>
+              </a:lnSpc>
+              <a:spcBef>
+                <a:spcPts val="500"/>
+              </a:spcBef>
+              <a:buFont typeface="Arial" panose="020B0604020202020204" pitchFamily="34" charset="0"/>
+              <a:buChar char="•"/>
+              <a:defRPr sz="1800" kern="1200">
+                <a:solidFill>
+                  <a:schemeClr val="tx1"/>
+                </a:solidFill>
+                <a:latin typeface="+mn-lt"/>
+                <a:ea typeface="+mn-ea"/>
+                <a:cs typeface="+mn-cs"/>
+              </a:defRPr>
+            </a:lvl6pPr>
+            <a:lvl7pPr marL="2971800" indent="-228600" algn="l" defTabSz="914400" rtl="0" eaLnBrk="1" latinLnBrk="0" hangingPunct="1">
+              <a:lnSpc>
+                <a:spcPct val="90000"/>
+              </a:lnSpc>
+              <a:spcBef>
+                <a:spcPts val="500"/>
+              </a:spcBef>
+              <a:buFont typeface="Arial" panose="020B0604020202020204" pitchFamily="34" charset="0"/>
+              <a:buChar char="•"/>
+              <a:defRPr sz="1800" kern="1200">
+                <a:solidFill>
+                  <a:schemeClr val="tx1"/>
+                </a:solidFill>
+                <a:latin typeface="+mn-lt"/>
+                <a:ea typeface="+mn-ea"/>
+                <a:cs typeface="+mn-cs"/>
+              </a:defRPr>
+            </a:lvl7pPr>
+            <a:lvl8pPr marL="3429000" indent="-228600" algn="l" defTabSz="914400" rtl="0" eaLnBrk="1" latinLnBrk="0" hangingPunct="1">
+              <a:lnSpc>
+                <a:spcPct val="90000"/>
+              </a:lnSpc>
+              <a:spcBef>
+                <a:spcPts val="500"/>
+              </a:spcBef>
+              <a:buFont typeface="Arial" panose="020B0604020202020204" pitchFamily="34" charset="0"/>
+              <a:buChar char="•"/>
+              <a:defRPr sz="1800" kern="1200">
+                <a:solidFill>
+                  <a:schemeClr val="tx1"/>
+                </a:solidFill>
+                <a:latin typeface="+mn-lt"/>
+                <a:ea typeface="+mn-ea"/>
+                <a:cs typeface="+mn-cs"/>
+              </a:defRPr>
+            </a:lvl8pPr>
+            <a:lvl9pPr marL="3886200" indent="-228600" algn="l" defTabSz="914400" rtl="0" eaLnBrk="1" latinLnBrk="0" hangingPunct="1">
+              <a:lnSpc>
+                <a:spcPct val="90000"/>
+              </a:lnSpc>
+              <a:spcBef>
+                <a:spcPts val="500"/>
+              </a:spcBef>
+              <a:buFont typeface="Arial" panose="020B0604020202020204" pitchFamily="34" charset="0"/>
+              <a:buChar char="•"/>
+              <a:defRPr sz="1800" kern="1200">
+                <a:solidFill>
+                  <a:schemeClr val="tx1"/>
+                </a:solidFill>
+                <a:latin typeface="+mn-lt"/>
+                <a:ea typeface="+mn-ea"/>
+                <a:cs typeface="+mn-cs"/>
+              </a:defRPr>
+            </a:lvl9pPr>
+          </a:lstStyle>
+          <a:p>
+            <a:pPr marL="0" indent="0">
+              <a:buFont typeface="Arial" panose="020B0604020202020204" pitchFamily="34" charset="0"/>
+              <a:buNone/>
+            </a:pPr>
+            <a:r>
+              <a:rPr lang="zh-CN" altLang="en-US" dirty="0"/>
+              <a:t>插</a:t>
+            </a:r>
+          </a:p>
+        </p:txBody>
+      </p:sp>
+      <p:sp>
+        <p:nvSpPr>
+          <p:cNvPr id="9" name="内容占位符 2">
+            <a:extLst>
+              <a:ext uri="{FF2B5EF4-FFF2-40B4-BE49-F238E27FC236}">
+                <a16:creationId xmlns:a16="http://schemas.microsoft.com/office/drawing/2014/main" id="{381FBAA8-30E9-44F6-BB32-3D0FD5DDF5B6}"/>
+              </a:ext>
+            </a:extLst>
+          </p:cNvPr>
+          <p:cNvSpPr txBox="1">
+            <a:spLocks/>
+          </p:cNvSpPr>
+          <p:nvPr/>
+        </p:nvSpPr>
+        <p:spPr>
+          <a:xfrm>
+            <a:off x="10223202" y="4367551"/>
+            <a:ext cx="1054395" cy="481268"/>
+          </a:xfrm>
+          <a:prstGeom prst="rect">
+            <a:avLst/>
+          </a:prstGeom>
+        </p:spPr>
+        <p:txBody>
+          <a:bodyPr vert="horz" lIns="91440" tIns="45720" rIns="91440" bIns="45720" rtlCol="0">
+            <a:normAutofit/>
+          </a:bodyPr>
+          <a:lstStyle>
+            <a:lvl1pPr marL="228600" indent="-228600" algn="l" defTabSz="914400" rtl="0" eaLnBrk="1" latinLnBrk="0" hangingPunct="1">
+              <a:lnSpc>
+                <a:spcPct val="90000"/>
+              </a:lnSpc>
+              <a:spcBef>
+                <a:spcPts val="1000"/>
+              </a:spcBef>
+              <a:buFont typeface="Arial" panose="020B0604020202020204" pitchFamily="34" charset="0"/>
+              <a:buChar char="•"/>
+              <a:defRPr sz="2800" kern="1200">
+                <a:solidFill>
+                  <a:schemeClr val="tx1"/>
+                </a:solidFill>
+                <a:latin typeface="+mn-lt"/>
+                <a:ea typeface="+mn-ea"/>
+                <a:cs typeface="+mn-cs"/>
+              </a:defRPr>
+            </a:lvl1pPr>
+            <a:lvl2pPr marL="685800" indent="-228600" algn="l" defTabSz="914400" rtl="0" eaLnBrk="1" latinLnBrk="0" hangingPunct="1">
+              <a:lnSpc>
+                <a:spcPct val="90000"/>
+              </a:lnSpc>
+              <a:spcBef>
+                <a:spcPts val="500"/>
+              </a:spcBef>
+              <a:buFont typeface="Arial" panose="020B0604020202020204" pitchFamily="34" charset="0"/>
+              <a:buChar char="•"/>
+              <a:defRPr sz="2400" kern="1200">
+                <a:solidFill>
+                  <a:schemeClr val="tx1"/>
+                </a:solidFill>
+                <a:latin typeface="+mn-lt"/>
+                <a:ea typeface="+mn-ea"/>
+                <a:cs typeface="+mn-cs"/>
+              </a:defRPr>
+            </a:lvl2pPr>
+            <a:lvl3pPr marL="1143000" indent="-228600" algn="l" defTabSz="914400" rtl="0" eaLnBrk="1" latinLnBrk="0" hangingPunct="1">
+              <a:lnSpc>
+                <a:spcPct val="90000"/>
+              </a:lnSpc>
+              <a:spcBef>
+                <a:spcPts val="500"/>
+              </a:spcBef>
+              <a:buFont typeface="Arial" panose="020B0604020202020204" pitchFamily="34" charset="0"/>
+              <a:buChar char="•"/>
+              <a:defRPr sz="2000" kern="1200">
+                <a:solidFill>
+                  <a:schemeClr val="tx1"/>
+                </a:solidFill>
+                <a:latin typeface="+mn-lt"/>
+                <a:ea typeface="+mn-ea"/>
+                <a:cs typeface="+mn-cs"/>
+              </a:defRPr>
+            </a:lvl3pPr>
+            <a:lvl4pPr marL="1600200" indent="-228600" algn="l" defTabSz="914400" rtl="0" eaLnBrk="1" latinLnBrk="0" hangingPunct="1">
+              <a:lnSpc>
+                <a:spcPct val="90000"/>
+              </a:lnSpc>
+              <a:spcBef>
+                <a:spcPts val="500"/>
+              </a:spcBef>
+              <a:buFont typeface="Arial" panose="020B0604020202020204" pitchFamily="34" charset="0"/>
+              <a:buChar char="•"/>
+              <a:defRPr sz="1800" kern="1200">
+                <a:solidFill>
+                  <a:schemeClr val="tx1"/>
+                </a:solidFill>
+                <a:latin typeface="+mn-lt"/>
+                <a:ea typeface="+mn-ea"/>
+                <a:cs typeface="+mn-cs"/>
+              </a:defRPr>
+            </a:lvl4pPr>
+            <a:lvl5pPr marL="2057400" indent="-228600" algn="l" defTabSz="914400" rtl="0" eaLnBrk="1" latinLnBrk="0" hangingPunct="1">
+              <a:lnSpc>
+                <a:spcPct val="90000"/>
+              </a:lnSpc>
+              <a:spcBef>
+                <a:spcPts val="500"/>
+              </a:spcBef>
+              <a:buFont typeface="Arial" panose="020B0604020202020204" pitchFamily="34" charset="0"/>
+              <a:buChar char="•"/>
+              <a:defRPr sz="1800" kern="1200">
+                <a:solidFill>
+                  <a:schemeClr val="tx1"/>
+                </a:solidFill>
+                <a:latin typeface="+mn-lt"/>
+                <a:ea typeface="+mn-ea"/>
+                <a:cs typeface="+mn-cs"/>
+              </a:defRPr>
+            </a:lvl5pPr>
+            <a:lvl6pPr marL="2514600" indent="-228600" algn="l" defTabSz="914400" rtl="0" eaLnBrk="1" latinLnBrk="0" hangingPunct="1">
+              <a:lnSpc>
+                <a:spcPct val="90000"/>
+              </a:lnSpc>
+              <a:spcBef>
+                <a:spcPts val="500"/>
+              </a:spcBef>
+              <a:buFont typeface="Arial" panose="020B0604020202020204" pitchFamily="34" charset="0"/>
+              <a:buChar char="•"/>
+              <a:defRPr sz="1800" kern="1200">
+                <a:solidFill>
+                  <a:schemeClr val="tx1"/>
+                </a:solidFill>
+                <a:latin typeface="+mn-lt"/>
+                <a:ea typeface="+mn-ea"/>
+                <a:cs typeface="+mn-cs"/>
+              </a:defRPr>
+            </a:lvl6pPr>
+            <a:lvl7pPr marL="2971800" indent="-228600" algn="l" defTabSz="914400" rtl="0" eaLnBrk="1" latinLnBrk="0" hangingPunct="1">
+              <a:lnSpc>
+                <a:spcPct val="90000"/>
+              </a:lnSpc>
+              <a:spcBef>
+                <a:spcPts val="500"/>
+              </a:spcBef>
+              <a:buFont typeface="Arial" panose="020B0604020202020204" pitchFamily="34" charset="0"/>
+              <a:buChar char="•"/>
+              <a:defRPr sz="1800" kern="1200">
+                <a:solidFill>
+                  <a:schemeClr val="tx1"/>
+                </a:solidFill>
+                <a:latin typeface="+mn-lt"/>
+                <a:ea typeface="+mn-ea"/>
+                <a:cs typeface="+mn-cs"/>
+              </a:defRPr>
+            </a:lvl7pPr>
+            <a:lvl8pPr marL="3429000" indent="-228600" algn="l" defTabSz="914400" rtl="0" eaLnBrk="1" latinLnBrk="0" hangingPunct="1">
+              <a:lnSpc>
+                <a:spcPct val="90000"/>
+              </a:lnSpc>
+              <a:spcBef>
+                <a:spcPts val="500"/>
+              </a:spcBef>
+              <a:buFont typeface="Arial" panose="020B0604020202020204" pitchFamily="34" charset="0"/>
+              <a:buChar char="•"/>
+              <a:defRPr sz="1800" kern="1200">
+                <a:solidFill>
+                  <a:schemeClr val="tx1"/>
+                </a:solidFill>
+                <a:latin typeface="+mn-lt"/>
+                <a:ea typeface="+mn-ea"/>
+                <a:cs typeface="+mn-cs"/>
+              </a:defRPr>
+            </a:lvl8pPr>
+            <a:lvl9pPr marL="3886200" indent="-228600" algn="l" defTabSz="914400" rtl="0" eaLnBrk="1" latinLnBrk="0" hangingPunct="1">
+              <a:lnSpc>
+                <a:spcPct val="90000"/>
+              </a:lnSpc>
+              <a:spcBef>
+                <a:spcPts val="500"/>
+              </a:spcBef>
+              <a:buFont typeface="Arial" panose="020B0604020202020204" pitchFamily="34" charset="0"/>
+              <a:buChar char="•"/>
+              <a:defRPr sz="1800" kern="1200">
+                <a:solidFill>
+                  <a:schemeClr val="tx1"/>
+                </a:solidFill>
+                <a:latin typeface="+mn-lt"/>
+                <a:ea typeface="+mn-ea"/>
+                <a:cs typeface="+mn-cs"/>
+              </a:defRPr>
+            </a:lvl9pPr>
+          </a:lstStyle>
+          <a:p>
+            <a:pPr marL="0" indent="0">
+              <a:buFont typeface="Arial" panose="020B0604020202020204" pitchFamily="34" charset="0"/>
+              <a:buNone/>
+            </a:pPr>
+            <a:r>
+              <a:rPr lang="zh-CN" altLang="en-US" dirty="0"/>
+              <a:t>删</a:t>
+            </a:r>
+          </a:p>
+        </p:txBody>
+      </p:sp>
+      <p:sp>
+        <p:nvSpPr>
+          <p:cNvPr id="10" name="内容占位符 2">
+            <a:extLst>
+              <a:ext uri="{FF2B5EF4-FFF2-40B4-BE49-F238E27FC236}">
+                <a16:creationId xmlns:a16="http://schemas.microsoft.com/office/drawing/2014/main" id="{F205CA97-DE11-4F4F-8C55-833717EBE1E6}"/>
+              </a:ext>
+            </a:extLst>
+          </p:cNvPr>
+          <p:cNvSpPr txBox="1">
+            <a:spLocks/>
+          </p:cNvSpPr>
+          <p:nvPr/>
+        </p:nvSpPr>
+        <p:spPr>
+          <a:xfrm>
+            <a:off x="10223202" y="5484342"/>
+            <a:ext cx="1054395" cy="481268"/>
+          </a:xfrm>
+          <a:prstGeom prst="rect">
+            <a:avLst/>
+          </a:prstGeom>
+        </p:spPr>
+        <p:txBody>
+          <a:bodyPr vert="horz" lIns="91440" tIns="45720" rIns="91440" bIns="45720" rtlCol="0">
+            <a:normAutofit/>
+          </a:bodyPr>
+          <a:lstStyle>
+            <a:lvl1pPr marL="228600" indent="-228600" algn="l" defTabSz="914400" rtl="0" eaLnBrk="1" latinLnBrk="0" hangingPunct="1">
+              <a:lnSpc>
+                <a:spcPct val="90000"/>
+              </a:lnSpc>
+              <a:spcBef>
+                <a:spcPts val="1000"/>
+              </a:spcBef>
+              <a:buFont typeface="Arial" panose="020B0604020202020204" pitchFamily="34" charset="0"/>
+              <a:buChar char="•"/>
+              <a:defRPr sz="2800" kern="1200">
+                <a:solidFill>
+                  <a:schemeClr val="tx1"/>
+                </a:solidFill>
+                <a:latin typeface="+mn-lt"/>
+                <a:ea typeface="+mn-ea"/>
+                <a:cs typeface="+mn-cs"/>
+              </a:defRPr>
+            </a:lvl1pPr>
+            <a:lvl2pPr marL="685800" indent="-228600" algn="l" defTabSz="914400" rtl="0" eaLnBrk="1" latinLnBrk="0" hangingPunct="1">
+              <a:lnSpc>
+                <a:spcPct val="90000"/>
+              </a:lnSpc>
+              <a:spcBef>
+                <a:spcPts val="500"/>
+              </a:spcBef>
+              <a:buFont typeface="Arial" panose="020B0604020202020204" pitchFamily="34" charset="0"/>
+              <a:buChar char="•"/>
+              <a:defRPr sz="2400" kern="1200">
+                <a:solidFill>
+                  <a:schemeClr val="tx1"/>
+                </a:solidFill>
+                <a:latin typeface="+mn-lt"/>
+                <a:ea typeface="+mn-ea"/>
+                <a:cs typeface="+mn-cs"/>
+              </a:defRPr>
+            </a:lvl2pPr>
+            <a:lvl3pPr marL="1143000" indent="-228600" algn="l" defTabSz="914400" rtl="0" eaLnBrk="1" latinLnBrk="0" hangingPunct="1">
+              <a:lnSpc>
+                <a:spcPct val="90000"/>
+              </a:lnSpc>
+              <a:spcBef>
+                <a:spcPts val="500"/>
+              </a:spcBef>
+              <a:buFont typeface="Arial" panose="020B0604020202020204" pitchFamily="34" charset="0"/>
+              <a:buChar char="•"/>
+              <a:defRPr sz="2000" kern="1200">
+                <a:solidFill>
+                  <a:schemeClr val="tx1"/>
+                </a:solidFill>
+                <a:latin typeface="+mn-lt"/>
+                <a:ea typeface="+mn-ea"/>
+                <a:cs typeface="+mn-cs"/>
+              </a:defRPr>
+            </a:lvl3pPr>
+            <a:lvl4pPr marL="1600200" indent="-228600" algn="l" defTabSz="914400" rtl="0" eaLnBrk="1" latinLnBrk="0" hangingPunct="1">
+              <a:lnSpc>
+                <a:spcPct val="90000"/>
+              </a:lnSpc>
+              <a:spcBef>
+                <a:spcPts val="500"/>
+              </a:spcBef>
+              <a:buFont typeface="Arial" panose="020B0604020202020204" pitchFamily="34" charset="0"/>
+              <a:buChar char="•"/>
+              <a:defRPr sz="1800" kern="1200">
+                <a:solidFill>
+                  <a:schemeClr val="tx1"/>
+                </a:solidFill>
+                <a:latin typeface="+mn-lt"/>
+                <a:ea typeface="+mn-ea"/>
+                <a:cs typeface="+mn-cs"/>
+              </a:defRPr>
+            </a:lvl4pPr>
+            <a:lvl5pPr marL="2057400" indent="-228600" algn="l" defTabSz="914400" rtl="0" eaLnBrk="1" latinLnBrk="0" hangingPunct="1">
+              <a:lnSpc>
+                <a:spcPct val="90000"/>
+              </a:lnSpc>
+              <a:spcBef>
+                <a:spcPts val="500"/>
+              </a:spcBef>
+              <a:buFont typeface="Arial" panose="020B0604020202020204" pitchFamily="34" charset="0"/>
+              <a:buChar char="•"/>
+              <a:defRPr sz="1800" kern="1200">
+                <a:solidFill>
+                  <a:schemeClr val="tx1"/>
+                </a:solidFill>
+                <a:latin typeface="+mn-lt"/>
+                <a:ea typeface="+mn-ea"/>
+                <a:cs typeface="+mn-cs"/>
+              </a:defRPr>
+            </a:lvl5pPr>
+            <a:lvl6pPr marL="2514600" indent="-228600" algn="l" defTabSz="914400" rtl="0" eaLnBrk="1" latinLnBrk="0" hangingPunct="1">
+              <a:lnSpc>
+                <a:spcPct val="90000"/>
+              </a:lnSpc>
+              <a:spcBef>
+                <a:spcPts val="500"/>
+              </a:spcBef>
+              <a:buFont typeface="Arial" panose="020B0604020202020204" pitchFamily="34" charset="0"/>
+              <a:buChar char="•"/>
+              <a:defRPr sz="1800" kern="1200">
+                <a:solidFill>
+                  <a:schemeClr val="tx1"/>
+                </a:solidFill>
+                <a:latin typeface="+mn-lt"/>
+                <a:ea typeface="+mn-ea"/>
+                <a:cs typeface="+mn-cs"/>
+              </a:defRPr>
+            </a:lvl6pPr>
+            <a:lvl7pPr marL="2971800" indent="-228600" algn="l" defTabSz="914400" rtl="0" eaLnBrk="1" latinLnBrk="0" hangingPunct="1">
+              <a:lnSpc>
+                <a:spcPct val="90000"/>
+              </a:lnSpc>
+              <a:spcBef>
+                <a:spcPts val="500"/>
+              </a:spcBef>
+              <a:buFont typeface="Arial" panose="020B0604020202020204" pitchFamily="34" charset="0"/>
+              <a:buChar char="•"/>
+              <a:defRPr sz="1800" kern="1200">
+                <a:solidFill>
+                  <a:schemeClr val="tx1"/>
+                </a:solidFill>
+                <a:latin typeface="+mn-lt"/>
+                <a:ea typeface="+mn-ea"/>
+                <a:cs typeface="+mn-cs"/>
+              </a:defRPr>
+            </a:lvl7pPr>
+            <a:lvl8pPr marL="3429000" indent="-228600" algn="l" defTabSz="914400" rtl="0" eaLnBrk="1" latinLnBrk="0" hangingPunct="1">
+              <a:lnSpc>
+                <a:spcPct val="90000"/>
+              </a:lnSpc>
+              <a:spcBef>
+                <a:spcPts val="500"/>
+              </a:spcBef>
+              <a:buFont typeface="Arial" panose="020B0604020202020204" pitchFamily="34" charset="0"/>
+              <a:buChar char="•"/>
+              <a:defRPr sz="1800" kern="1200">
+                <a:solidFill>
+                  <a:schemeClr val="tx1"/>
+                </a:solidFill>
+                <a:latin typeface="+mn-lt"/>
+                <a:ea typeface="+mn-ea"/>
+                <a:cs typeface="+mn-cs"/>
+              </a:defRPr>
+            </a:lvl8pPr>
+            <a:lvl9pPr marL="3886200" indent="-228600" algn="l" defTabSz="914400" rtl="0" eaLnBrk="1" latinLnBrk="0" hangingPunct="1">
+              <a:lnSpc>
+                <a:spcPct val="90000"/>
+              </a:lnSpc>
+              <a:spcBef>
+                <a:spcPts val="500"/>
+              </a:spcBef>
+              <a:buFont typeface="Arial" panose="020B0604020202020204" pitchFamily="34" charset="0"/>
+              <a:buChar char="•"/>
+              <a:defRPr sz="1800" kern="1200">
+                <a:solidFill>
+                  <a:schemeClr val="tx1"/>
+                </a:solidFill>
+                <a:latin typeface="+mn-lt"/>
+                <a:ea typeface="+mn-ea"/>
+                <a:cs typeface="+mn-cs"/>
+              </a:defRPr>
+            </a:lvl9pPr>
+          </a:lstStyle>
+          <a:p>
+            <a:pPr marL="0" indent="0">
+              <a:buFont typeface="Arial" panose="020B0604020202020204" pitchFamily="34" charset="0"/>
+              <a:buNone/>
+            </a:pPr>
+            <a:r>
+              <a:rPr lang="zh-CN" altLang="en-US" dirty="0"/>
+              <a:t>改</a:t>
+            </a:r>
+          </a:p>
+        </p:txBody>
+      </p:sp>
+      <p:sp>
+        <p:nvSpPr>
+          <p:cNvPr id="11" name="内容占位符 2">
+            <a:extLst>
+              <a:ext uri="{FF2B5EF4-FFF2-40B4-BE49-F238E27FC236}">
+                <a16:creationId xmlns:a16="http://schemas.microsoft.com/office/drawing/2014/main" id="{E17D47E8-525E-4C45-95F8-679BB0A3C726}"/>
+              </a:ext>
+            </a:extLst>
+          </p:cNvPr>
+          <p:cNvSpPr txBox="1">
+            <a:spLocks/>
+          </p:cNvSpPr>
+          <p:nvPr/>
+        </p:nvSpPr>
+        <p:spPr>
+          <a:xfrm>
+            <a:off x="10223202" y="1017178"/>
+            <a:ext cx="1054395" cy="481268"/>
+          </a:xfrm>
+          <a:prstGeom prst="rect">
+            <a:avLst/>
+          </a:prstGeom>
+        </p:spPr>
+        <p:txBody>
+          <a:bodyPr vert="horz" lIns="91440" tIns="45720" rIns="91440" bIns="45720" rtlCol="0">
+            <a:normAutofit/>
+          </a:bodyPr>
+          <a:lstStyle>
+            <a:lvl1pPr marL="228600" indent="-228600" algn="l" defTabSz="914400" rtl="0" eaLnBrk="1" latinLnBrk="0" hangingPunct="1">
+              <a:lnSpc>
+                <a:spcPct val="90000"/>
+              </a:lnSpc>
+              <a:spcBef>
+                <a:spcPts val="1000"/>
+              </a:spcBef>
+              <a:buFont typeface="Arial" panose="020B0604020202020204" pitchFamily="34" charset="0"/>
+              <a:buChar char="•"/>
+              <a:defRPr sz="2800" kern="1200">
+                <a:solidFill>
+                  <a:schemeClr val="tx1"/>
+                </a:solidFill>
+                <a:latin typeface="+mn-lt"/>
+                <a:ea typeface="+mn-ea"/>
+                <a:cs typeface="+mn-cs"/>
+              </a:defRPr>
+            </a:lvl1pPr>
+            <a:lvl2pPr marL="685800" indent="-228600" algn="l" defTabSz="914400" rtl="0" eaLnBrk="1" latinLnBrk="0" hangingPunct="1">
+              <a:lnSpc>
+                <a:spcPct val="90000"/>
+              </a:lnSpc>
+              <a:spcBef>
+                <a:spcPts val="500"/>
+              </a:spcBef>
+              <a:buFont typeface="Arial" panose="020B0604020202020204" pitchFamily="34" charset="0"/>
+              <a:buChar char="•"/>
+              <a:defRPr sz="2400" kern="1200">
+                <a:solidFill>
+                  <a:schemeClr val="tx1"/>
+                </a:solidFill>
+                <a:latin typeface="+mn-lt"/>
+                <a:ea typeface="+mn-ea"/>
+                <a:cs typeface="+mn-cs"/>
+              </a:defRPr>
+            </a:lvl2pPr>
+            <a:lvl3pPr marL="1143000" indent="-228600" algn="l" defTabSz="914400" rtl="0" eaLnBrk="1" latinLnBrk="0" hangingPunct="1">
+              <a:lnSpc>
+                <a:spcPct val="90000"/>
+              </a:lnSpc>
+              <a:spcBef>
+                <a:spcPts val="500"/>
+              </a:spcBef>
+              <a:buFont typeface="Arial" panose="020B0604020202020204" pitchFamily="34" charset="0"/>
+              <a:buChar char="•"/>
+              <a:defRPr sz="2000" kern="1200">
+                <a:solidFill>
+                  <a:schemeClr val="tx1"/>
+                </a:solidFill>
+                <a:latin typeface="+mn-lt"/>
+                <a:ea typeface="+mn-ea"/>
+                <a:cs typeface="+mn-cs"/>
+              </a:defRPr>
+            </a:lvl3pPr>
+            <a:lvl4pPr marL="1600200" indent="-228600" algn="l" defTabSz="914400" rtl="0" eaLnBrk="1" latinLnBrk="0" hangingPunct="1">
+              <a:lnSpc>
+                <a:spcPct val="90000"/>
+              </a:lnSpc>
+              <a:spcBef>
+                <a:spcPts val="500"/>
+              </a:spcBef>
+              <a:buFont typeface="Arial" panose="020B0604020202020204" pitchFamily="34" charset="0"/>
+              <a:buChar char="•"/>
+              <a:defRPr sz="1800" kern="1200">
+                <a:solidFill>
+                  <a:schemeClr val="tx1"/>
+                </a:solidFill>
+                <a:latin typeface="+mn-lt"/>
+                <a:ea typeface="+mn-ea"/>
+                <a:cs typeface="+mn-cs"/>
+              </a:defRPr>
+            </a:lvl4pPr>
+            <a:lvl5pPr marL="2057400" indent="-228600" algn="l" defTabSz="914400" rtl="0" eaLnBrk="1" latinLnBrk="0" hangingPunct="1">
+              <a:lnSpc>
+                <a:spcPct val="90000"/>
+              </a:lnSpc>
+              <a:spcBef>
+                <a:spcPts val="500"/>
+              </a:spcBef>
+              <a:buFont typeface="Arial" panose="020B0604020202020204" pitchFamily="34" charset="0"/>
+              <a:buChar char="•"/>
+              <a:defRPr sz="1800" kern="1200">
+                <a:solidFill>
+                  <a:schemeClr val="tx1"/>
+                </a:solidFill>
+                <a:latin typeface="+mn-lt"/>
+                <a:ea typeface="+mn-ea"/>
+                <a:cs typeface="+mn-cs"/>
+              </a:defRPr>
+            </a:lvl5pPr>
+            <a:lvl6pPr marL="2514600" indent="-228600" algn="l" defTabSz="914400" rtl="0" eaLnBrk="1" latinLnBrk="0" hangingPunct="1">
+              <a:lnSpc>
+                <a:spcPct val="90000"/>
+              </a:lnSpc>
+              <a:spcBef>
+                <a:spcPts val="500"/>
+              </a:spcBef>
+              <a:buFont typeface="Arial" panose="020B0604020202020204" pitchFamily="34" charset="0"/>
+              <a:buChar char="•"/>
+              <a:defRPr sz="1800" kern="1200">
+                <a:solidFill>
+                  <a:schemeClr val="tx1"/>
+                </a:solidFill>
+                <a:latin typeface="+mn-lt"/>
+                <a:ea typeface="+mn-ea"/>
+                <a:cs typeface="+mn-cs"/>
+              </a:defRPr>
+            </a:lvl6pPr>
+            <a:lvl7pPr marL="2971800" indent="-228600" algn="l" defTabSz="914400" rtl="0" eaLnBrk="1" latinLnBrk="0" hangingPunct="1">
+              <a:lnSpc>
+                <a:spcPct val="90000"/>
+              </a:lnSpc>
+              <a:spcBef>
+                <a:spcPts val="500"/>
+              </a:spcBef>
+              <a:buFont typeface="Arial" panose="020B0604020202020204" pitchFamily="34" charset="0"/>
+              <a:buChar char="•"/>
+              <a:defRPr sz="1800" kern="1200">
+                <a:solidFill>
+                  <a:schemeClr val="tx1"/>
+                </a:solidFill>
+                <a:latin typeface="+mn-lt"/>
+                <a:ea typeface="+mn-ea"/>
+                <a:cs typeface="+mn-cs"/>
+              </a:defRPr>
+            </a:lvl7pPr>
+            <a:lvl8pPr marL="3429000" indent="-228600" algn="l" defTabSz="914400" rtl="0" eaLnBrk="1" latinLnBrk="0" hangingPunct="1">
+              <a:lnSpc>
+                <a:spcPct val="90000"/>
+              </a:lnSpc>
+              <a:spcBef>
+                <a:spcPts val="500"/>
+              </a:spcBef>
+              <a:buFont typeface="Arial" panose="020B0604020202020204" pitchFamily="34" charset="0"/>
+              <a:buChar char="•"/>
+              <a:defRPr sz="1800" kern="1200">
+                <a:solidFill>
+                  <a:schemeClr val="tx1"/>
+                </a:solidFill>
+                <a:latin typeface="+mn-lt"/>
+                <a:ea typeface="+mn-ea"/>
+                <a:cs typeface="+mn-cs"/>
+              </a:defRPr>
+            </a:lvl8pPr>
+            <a:lvl9pPr marL="3886200" indent="-228600" algn="l" defTabSz="914400" rtl="0" eaLnBrk="1" latinLnBrk="0" hangingPunct="1">
+              <a:lnSpc>
+                <a:spcPct val="90000"/>
+              </a:lnSpc>
+              <a:spcBef>
+                <a:spcPts val="500"/>
+              </a:spcBef>
+              <a:buFont typeface="Arial" panose="020B0604020202020204" pitchFamily="34" charset="0"/>
+              <a:buChar char="•"/>
+              <a:defRPr sz="1800" kern="1200">
+                <a:solidFill>
+                  <a:schemeClr val="tx1"/>
+                </a:solidFill>
+                <a:latin typeface="+mn-lt"/>
+                <a:ea typeface="+mn-ea"/>
+                <a:cs typeface="+mn-cs"/>
+              </a:defRPr>
+            </a:lvl9pPr>
+          </a:lstStyle>
+          <a:p>
+            <a:pPr marL="0" indent="0">
+              <a:buFont typeface="Arial" panose="020B0604020202020204" pitchFamily="34" charset="0"/>
+              <a:buNone/>
+            </a:pPr>
+            <a:r>
+              <a:rPr lang="zh-CN" altLang="en-US" dirty="0"/>
+              <a:t>访问</a:t>
+            </a:r>
+          </a:p>
+        </p:txBody>
+      </p:sp>
+      <p:sp>
+        <p:nvSpPr>
+          <p:cNvPr id="12" name="内容占位符 2">
+            <a:extLst>
+              <a:ext uri="{FF2B5EF4-FFF2-40B4-BE49-F238E27FC236}">
+                <a16:creationId xmlns:a16="http://schemas.microsoft.com/office/drawing/2014/main" id="{C46E6AB5-AA4D-42A6-AFD9-B761C9A5BB96}"/>
+              </a:ext>
+            </a:extLst>
+          </p:cNvPr>
+          <p:cNvSpPr txBox="1">
+            <a:spLocks/>
+          </p:cNvSpPr>
+          <p:nvPr/>
+        </p:nvSpPr>
+        <p:spPr>
+          <a:xfrm>
+            <a:off x="7852147" y="3250760"/>
+            <a:ext cx="901106" cy="481268"/>
+          </a:xfrm>
+          <a:prstGeom prst="rect">
+            <a:avLst/>
+          </a:prstGeom>
+        </p:spPr>
+        <p:txBody>
+          <a:bodyPr vert="horz" lIns="91440" tIns="45720" rIns="91440" bIns="45720" rtlCol="0">
+            <a:normAutofit/>
+          </a:bodyPr>
+          <a:lstStyle>
+            <a:lvl1pPr marL="228600" indent="-228600" algn="l" defTabSz="914400" rtl="0" eaLnBrk="1" latinLnBrk="0" hangingPunct="1">
+              <a:lnSpc>
+                <a:spcPct val="90000"/>
+              </a:lnSpc>
+              <a:spcBef>
+                <a:spcPts val="1000"/>
+              </a:spcBef>
+              <a:buFont typeface="Arial" panose="020B0604020202020204" pitchFamily="34" charset="0"/>
+              <a:buChar char="•"/>
+              <a:defRPr sz="2800" kern="1200">
+                <a:solidFill>
+                  <a:schemeClr val="tx1"/>
+                </a:solidFill>
+                <a:latin typeface="+mn-lt"/>
+                <a:ea typeface="+mn-ea"/>
+                <a:cs typeface="+mn-cs"/>
+              </a:defRPr>
+            </a:lvl1pPr>
+            <a:lvl2pPr marL="685800" indent="-228600" algn="l" defTabSz="914400" rtl="0" eaLnBrk="1" latinLnBrk="0" hangingPunct="1">
+              <a:lnSpc>
+                <a:spcPct val="90000"/>
+              </a:lnSpc>
+              <a:spcBef>
+                <a:spcPts val="500"/>
+              </a:spcBef>
+              <a:buFont typeface="Arial" panose="020B0604020202020204" pitchFamily="34" charset="0"/>
+              <a:buChar char="•"/>
+              <a:defRPr sz="2400" kern="1200">
+                <a:solidFill>
+                  <a:schemeClr val="tx1"/>
+                </a:solidFill>
+                <a:latin typeface="+mn-lt"/>
+                <a:ea typeface="+mn-ea"/>
+                <a:cs typeface="+mn-cs"/>
+              </a:defRPr>
+            </a:lvl2pPr>
+            <a:lvl3pPr marL="1143000" indent="-228600" algn="l" defTabSz="914400" rtl="0" eaLnBrk="1" latinLnBrk="0" hangingPunct="1">
+              <a:lnSpc>
+                <a:spcPct val="90000"/>
+              </a:lnSpc>
+              <a:spcBef>
+                <a:spcPts val="500"/>
+              </a:spcBef>
+              <a:buFont typeface="Arial" panose="020B0604020202020204" pitchFamily="34" charset="0"/>
+              <a:buChar char="•"/>
+              <a:defRPr sz="2000" kern="1200">
+                <a:solidFill>
+                  <a:schemeClr val="tx1"/>
+                </a:solidFill>
+                <a:latin typeface="+mn-lt"/>
+                <a:ea typeface="+mn-ea"/>
+                <a:cs typeface="+mn-cs"/>
+              </a:defRPr>
+            </a:lvl3pPr>
+            <a:lvl4pPr marL="1600200" indent="-228600" algn="l" defTabSz="914400" rtl="0" eaLnBrk="1" latinLnBrk="0" hangingPunct="1">
+              <a:lnSpc>
+                <a:spcPct val="90000"/>
+              </a:lnSpc>
+              <a:spcBef>
+                <a:spcPts val="500"/>
+              </a:spcBef>
+              <a:buFont typeface="Arial" panose="020B0604020202020204" pitchFamily="34" charset="0"/>
+              <a:buChar char="•"/>
+              <a:defRPr sz="1800" kern="1200">
+                <a:solidFill>
+                  <a:schemeClr val="tx1"/>
+                </a:solidFill>
+                <a:latin typeface="+mn-lt"/>
+                <a:ea typeface="+mn-ea"/>
+                <a:cs typeface="+mn-cs"/>
+              </a:defRPr>
+            </a:lvl4pPr>
+            <a:lvl5pPr marL="2057400" indent="-228600" algn="l" defTabSz="914400" rtl="0" eaLnBrk="1" latinLnBrk="0" hangingPunct="1">
+              <a:lnSpc>
+                <a:spcPct val="90000"/>
+              </a:lnSpc>
+              <a:spcBef>
+                <a:spcPts val="500"/>
+              </a:spcBef>
+              <a:buFont typeface="Arial" panose="020B0604020202020204" pitchFamily="34" charset="0"/>
+              <a:buChar char="•"/>
+              <a:defRPr sz="1800" kern="1200">
+                <a:solidFill>
+                  <a:schemeClr val="tx1"/>
+                </a:solidFill>
+                <a:latin typeface="+mn-lt"/>
+                <a:ea typeface="+mn-ea"/>
+                <a:cs typeface="+mn-cs"/>
+              </a:defRPr>
+            </a:lvl5pPr>
+            <a:lvl6pPr marL="2514600" indent="-228600" algn="l" defTabSz="914400" rtl="0" eaLnBrk="1" latinLnBrk="0" hangingPunct="1">
+              <a:lnSpc>
+                <a:spcPct val="90000"/>
+              </a:lnSpc>
+              <a:spcBef>
+                <a:spcPts val="500"/>
+              </a:spcBef>
+              <a:buFont typeface="Arial" panose="020B0604020202020204" pitchFamily="34" charset="0"/>
+              <a:buChar char="•"/>
+              <a:defRPr sz="1800" kern="1200">
+                <a:solidFill>
+                  <a:schemeClr val="tx1"/>
+                </a:solidFill>
+                <a:latin typeface="+mn-lt"/>
+                <a:ea typeface="+mn-ea"/>
+                <a:cs typeface="+mn-cs"/>
+              </a:defRPr>
+            </a:lvl6pPr>
+            <a:lvl7pPr marL="2971800" indent="-228600" algn="l" defTabSz="914400" rtl="0" eaLnBrk="1" latinLnBrk="0" hangingPunct="1">
+              <a:lnSpc>
+                <a:spcPct val="90000"/>
+              </a:lnSpc>
+              <a:spcBef>
+                <a:spcPts val="500"/>
+              </a:spcBef>
+              <a:buFont typeface="Arial" panose="020B0604020202020204" pitchFamily="34" charset="0"/>
+              <a:buChar char="•"/>
+              <a:defRPr sz="1800" kern="1200">
+                <a:solidFill>
+                  <a:schemeClr val="tx1"/>
+                </a:solidFill>
+                <a:latin typeface="+mn-lt"/>
+                <a:ea typeface="+mn-ea"/>
+                <a:cs typeface="+mn-cs"/>
+              </a:defRPr>
+            </a:lvl7pPr>
+            <a:lvl8pPr marL="3429000" indent="-228600" algn="l" defTabSz="914400" rtl="0" eaLnBrk="1" latinLnBrk="0" hangingPunct="1">
+              <a:lnSpc>
+                <a:spcPct val="90000"/>
+              </a:lnSpc>
+              <a:spcBef>
+                <a:spcPts val="500"/>
+              </a:spcBef>
+              <a:buFont typeface="Arial" panose="020B0604020202020204" pitchFamily="34" charset="0"/>
+              <a:buChar char="•"/>
+              <a:defRPr sz="1800" kern="1200">
+                <a:solidFill>
+                  <a:schemeClr val="tx1"/>
+                </a:solidFill>
+                <a:latin typeface="+mn-lt"/>
+                <a:ea typeface="+mn-ea"/>
+                <a:cs typeface="+mn-cs"/>
+              </a:defRPr>
+            </a:lvl8pPr>
+            <a:lvl9pPr marL="3886200" indent="-228600" algn="l" defTabSz="914400" rtl="0" eaLnBrk="1" latinLnBrk="0" hangingPunct="1">
+              <a:lnSpc>
+                <a:spcPct val="90000"/>
+              </a:lnSpc>
+              <a:spcBef>
+                <a:spcPts val="500"/>
+              </a:spcBef>
+              <a:buFont typeface="Arial" panose="020B0604020202020204" pitchFamily="34" charset="0"/>
+              <a:buChar char="•"/>
+              <a:defRPr sz="1800" kern="1200">
+                <a:solidFill>
+                  <a:schemeClr val="tx1"/>
+                </a:solidFill>
+                <a:latin typeface="+mn-lt"/>
+                <a:ea typeface="+mn-ea"/>
+                <a:cs typeface="+mn-cs"/>
+              </a:defRPr>
+            </a:lvl9pPr>
+          </a:lstStyle>
+          <a:p>
+            <a:pPr marL="0" indent="0">
+              <a:buFont typeface="Arial" panose="020B0604020202020204" pitchFamily="34" charset="0"/>
+              <a:buNone/>
+            </a:pPr>
+            <a:r>
+              <a:rPr lang="zh-CN" altLang="en-US" dirty="0"/>
+              <a:t>操作</a:t>
+            </a:r>
+          </a:p>
+        </p:txBody>
+      </p:sp>
+      <p:cxnSp>
+        <p:nvCxnSpPr>
+          <p:cNvPr id="14" name="直接箭头连接符 13">
+            <a:extLst>
+              <a:ext uri="{FF2B5EF4-FFF2-40B4-BE49-F238E27FC236}">
+                <a16:creationId xmlns:a16="http://schemas.microsoft.com/office/drawing/2014/main" id="{CE727ECB-4C8A-48B6-9B75-D2F63C698357}"/>
+              </a:ext>
+            </a:extLst>
+          </p:cNvPr>
+          <p:cNvCxnSpPr>
+            <a:cxnSpLocks/>
+            <a:stCxn id="12" idx="3"/>
+            <a:endCxn id="11" idx="1"/>
+          </p:cNvCxnSpPr>
+          <p:nvPr/>
+        </p:nvCxnSpPr>
+        <p:spPr>
+          <a:xfrm flipV="1">
+            <a:off x="8753253" y="1257812"/>
+            <a:ext cx="1469949" cy="2233582"/>
+          </a:xfrm>
+          <a:prstGeom prst="straightConnector1">
+            <a:avLst/>
+          </a:prstGeom>
+          <a:ln>
+            <a:tailEnd type="triangle"/>
+          </a:ln>
+        </p:spPr>
+        <p:style>
+          <a:lnRef idx="1">
+            <a:schemeClr val="accent1"/>
+          </a:lnRef>
+          <a:fillRef idx="0">
+            <a:schemeClr val="accent1"/>
+          </a:fillRef>
+          <a:effectRef idx="0">
+            <a:schemeClr val="accent1"/>
+          </a:effectRef>
+          <a:fontRef idx="minor">
+            <a:schemeClr val="tx1"/>
+          </a:fontRef>
+        </p:style>
+      </p:cxnSp>
+      <p:cxnSp>
+        <p:nvCxnSpPr>
+          <p:cNvPr id="19" name="直接箭头连接符 18">
+            <a:extLst>
+              <a:ext uri="{FF2B5EF4-FFF2-40B4-BE49-F238E27FC236}">
+                <a16:creationId xmlns:a16="http://schemas.microsoft.com/office/drawing/2014/main" id="{FA656FE4-0513-4590-8A13-423E5B81F309}"/>
+              </a:ext>
+            </a:extLst>
+          </p:cNvPr>
+          <p:cNvCxnSpPr>
+            <a:cxnSpLocks/>
+            <a:stCxn id="12" idx="3"/>
+            <a:endCxn id="7" idx="1"/>
+          </p:cNvCxnSpPr>
+          <p:nvPr/>
+        </p:nvCxnSpPr>
+        <p:spPr>
+          <a:xfrm flipV="1">
+            <a:off x="8753253" y="2377118"/>
+            <a:ext cx="1469950" cy="1114276"/>
+          </a:xfrm>
+          <a:prstGeom prst="straightConnector1">
+            <a:avLst/>
+          </a:prstGeom>
+          <a:ln>
+            <a:tailEnd type="triangle"/>
+          </a:ln>
+        </p:spPr>
+        <p:style>
+          <a:lnRef idx="1">
+            <a:schemeClr val="accent1"/>
+          </a:lnRef>
+          <a:fillRef idx="0">
+            <a:schemeClr val="accent1"/>
+          </a:fillRef>
+          <a:effectRef idx="0">
+            <a:schemeClr val="accent1"/>
+          </a:effectRef>
+          <a:fontRef idx="minor">
+            <a:schemeClr val="tx1"/>
+          </a:fontRef>
+        </p:style>
+      </p:cxnSp>
+      <p:cxnSp>
+        <p:nvCxnSpPr>
+          <p:cNvPr id="24" name="直接箭头连接符 23">
+            <a:extLst>
+              <a:ext uri="{FF2B5EF4-FFF2-40B4-BE49-F238E27FC236}">
+                <a16:creationId xmlns:a16="http://schemas.microsoft.com/office/drawing/2014/main" id="{B0B67348-8541-49E7-80E3-C406FFC1EA6F}"/>
+              </a:ext>
+            </a:extLst>
+          </p:cNvPr>
+          <p:cNvCxnSpPr>
+            <a:cxnSpLocks/>
+            <a:stCxn id="12" idx="3"/>
+            <a:endCxn id="8" idx="1"/>
+          </p:cNvCxnSpPr>
+          <p:nvPr/>
+        </p:nvCxnSpPr>
+        <p:spPr>
+          <a:xfrm>
+            <a:off x="8753253" y="3491394"/>
+            <a:ext cx="1469950" cy="0"/>
+          </a:xfrm>
+          <a:prstGeom prst="straightConnector1">
+            <a:avLst/>
+          </a:prstGeom>
+          <a:ln>
+            <a:tailEnd type="triangle"/>
+          </a:ln>
+        </p:spPr>
+        <p:style>
+          <a:lnRef idx="1">
+            <a:schemeClr val="accent1"/>
+          </a:lnRef>
+          <a:fillRef idx="0">
+            <a:schemeClr val="accent1"/>
+          </a:fillRef>
+          <a:effectRef idx="0">
+            <a:schemeClr val="accent1"/>
+          </a:effectRef>
+          <a:fontRef idx="minor">
+            <a:schemeClr val="tx1"/>
+          </a:fontRef>
+        </p:style>
+      </p:cxnSp>
+      <p:cxnSp>
+        <p:nvCxnSpPr>
+          <p:cNvPr id="26" name="直接箭头连接符 25">
+            <a:extLst>
+              <a:ext uri="{FF2B5EF4-FFF2-40B4-BE49-F238E27FC236}">
+                <a16:creationId xmlns:a16="http://schemas.microsoft.com/office/drawing/2014/main" id="{72400242-BA1C-4C95-809D-962FC992D08A}"/>
+              </a:ext>
+            </a:extLst>
+          </p:cNvPr>
+          <p:cNvCxnSpPr>
+            <a:cxnSpLocks/>
+            <a:stCxn id="12" idx="3"/>
+            <a:endCxn id="9" idx="1"/>
+          </p:cNvCxnSpPr>
+          <p:nvPr/>
+        </p:nvCxnSpPr>
+        <p:spPr>
+          <a:xfrm>
+            <a:off x="8753253" y="3491394"/>
+            <a:ext cx="1469949" cy="1116791"/>
+          </a:xfrm>
+          <a:prstGeom prst="straightConnector1">
+            <a:avLst/>
+          </a:prstGeom>
+          <a:ln>
+            <a:tailEnd type="triangle"/>
+          </a:ln>
+        </p:spPr>
+        <p:style>
+          <a:lnRef idx="1">
+            <a:schemeClr val="accent1"/>
+          </a:lnRef>
+          <a:fillRef idx="0">
+            <a:schemeClr val="accent1"/>
+          </a:fillRef>
+          <a:effectRef idx="0">
+            <a:schemeClr val="accent1"/>
+          </a:effectRef>
+          <a:fontRef idx="minor">
+            <a:schemeClr val="tx1"/>
+          </a:fontRef>
+        </p:style>
+      </p:cxnSp>
+      <p:cxnSp>
+        <p:nvCxnSpPr>
+          <p:cNvPr id="28" name="直接箭头连接符 27">
+            <a:extLst>
+              <a:ext uri="{FF2B5EF4-FFF2-40B4-BE49-F238E27FC236}">
+                <a16:creationId xmlns:a16="http://schemas.microsoft.com/office/drawing/2014/main" id="{60958949-7C23-4744-9081-3FDB90C3AAD1}"/>
+              </a:ext>
+            </a:extLst>
+          </p:cNvPr>
+          <p:cNvCxnSpPr>
+            <a:cxnSpLocks/>
+            <a:stCxn id="12" idx="3"/>
+            <a:endCxn id="10" idx="1"/>
+          </p:cNvCxnSpPr>
+          <p:nvPr/>
+        </p:nvCxnSpPr>
+        <p:spPr>
+          <a:xfrm>
+            <a:off x="8753253" y="3491394"/>
+            <a:ext cx="1469949" cy="2233582"/>
+          </a:xfrm>
+          <a:prstGeom prst="straightConnector1">
+            <a:avLst/>
+          </a:prstGeom>
+          <a:ln>
+            <a:tailEnd type="triangle"/>
+          </a:ln>
+        </p:spPr>
+        <p:style>
+          <a:lnRef idx="1">
+            <a:schemeClr val="accent1"/>
+          </a:lnRef>
+          <a:fillRef idx="0">
+            <a:schemeClr val="accent1"/>
+          </a:fillRef>
+          <a:effectRef idx="0">
+            <a:schemeClr val="accent1"/>
+          </a:effectRef>
+          <a:fontRef idx="minor">
+            <a:schemeClr val="tx1"/>
+          </a:fontRef>
+        </p:style>
+      </p:cxnSp>
+      <p:cxnSp>
+        <p:nvCxnSpPr>
+          <p:cNvPr id="30" name="直接箭头连接符 29">
+            <a:extLst>
+              <a:ext uri="{FF2B5EF4-FFF2-40B4-BE49-F238E27FC236}">
+                <a16:creationId xmlns:a16="http://schemas.microsoft.com/office/drawing/2014/main" id="{869640B5-6BBF-422F-A11E-3B46A3D77E28}"/>
+              </a:ext>
+            </a:extLst>
+          </p:cNvPr>
+          <p:cNvCxnSpPr>
+            <a:cxnSpLocks/>
+            <a:stCxn id="5" idx="3"/>
+            <a:endCxn id="12" idx="1"/>
+          </p:cNvCxnSpPr>
+          <p:nvPr/>
+        </p:nvCxnSpPr>
+        <p:spPr>
+          <a:xfrm>
+            <a:off x="6041732" y="2722857"/>
+            <a:ext cx="1810415" cy="768537"/>
+          </a:xfrm>
+          <a:prstGeom prst="straightConnector1">
+            <a:avLst/>
+          </a:prstGeom>
+          <a:ln>
+            <a:tailEnd type="triangle"/>
+          </a:ln>
+        </p:spPr>
+        <p:style>
+          <a:lnRef idx="1">
+            <a:schemeClr val="accent1"/>
+          </a:lnRef>
+          <a:fillRef idx="0">
+            <a:schemeClr val="accent1"/>
+          </a:fillRef>
+          <a:effectRef idx="0">
+            <a:schemeClr val="accent1"/>
+          </a:effectRef>
+          <a:fontRef idx="minor">
+            <a:schemeClr val="tx1"/>
+          </a:fontRef>
+        </p:style>
+      </p:cxnSp>
+      <p:cxnSp>
+        <p:nvCxnSpPr>
+          <p:cNvPr id="32" name="直接箭头连接符 31">
+            <a:extLst>
+              <a:ext uri="{FF2B5EF4-FFF2-40B4-BE49-F238E27FC236}">
+                <a16:creationId xmlns:a16="http://schemas.microsoft.com/office/drawing/2014/main" id="{0A06064F-C2F3-48C3-AE5C-5942E89E2BD9}"/>
+              </a:ext>
+            </a:extLst>
+          </p:cNvPr>
+          <p:cNvCxnSpPr>
+            <a:cxnSpLocks/>
+            <a:stCxn id="3" idx="3"/>
+            <a:endCxn id="12" idx="1"/>
+          </p:cNvCxnSpPr>
+          <p:nvPr/>
+        </p:nvCxnSpPr>
+        <p:spPr>
+          <a:xfrm>
+            <a:off x="6046605" y="1289518"/>
+            <a:ext cx="1805542" cy="2201876"/>
+          </a:xfrm>
+          <a:prstGeom prst="straightConnector1">
+            <a:avLst/>
+          </a:prstGeom>
+          <a:ln>
+            <a:tailEnd type="triangle"/>
+          </a:ln>
+        </p:spPr>
+        <p:style>
+          <a:lnRef idx="1">
+            <a:schemeClr val="accent1"/>
+          </a:lnRef>
+          <a:fillRef idx="0">
+            <a:schemeClr val="accent1"/>
+          </a:fillRef>
+          <a:effectRef idx="0">
+            <a:schemeClr val="accent1"/>
+          </a:effectRef>
+          <a:fontRef idx="minor">
+            <a:schemeClr val="tx1"/>
+          </a:fontRef>
+        </p:style>
+      </p:cxnSp>
+      <p:cxnSp>
+        <p:nvCxnSpPr>
+          <p:cNvPr id="34" name="直接箭头连接符 33">
+            <a:extLst>
+              <a:ext uri="{FF2B5EF4-FFF2-40B4-BE49-F238E27FC236}">
+                <a16:creationId xmlns:a16="http://schemas.microsoft.com/office/drawing/2014/main" id="{47F151D9-FAAB-43B8-A05A-3D47C5B0FCD5}"/>
+              </a:ext>
+            </a:extLst>
+          </p:cNvPr>
+          <p:cNvCxnSpPr>
+            <a:cxnSpLocks/>
+            <a:stCxn id="4" idx="3"/>
+            <a:endCxn id="12" idx="1"/>
+          </p:cNvCxnSpPr>
+          <p:nvPr/>
+        </p:nvCxnSpPr>
+        <p:spPr>
+          <a:xfrm flipV="1">
+            <a:off x="6316850" y="3491394"/>
+            <a:ext cx="1535297" cy="664802"/>
+          </a:xfrm>
+          <a:prstGeom prst="straightConnector1">
+            <a:avLst/>
+          </a:prstGeom>
+          <a:ln>
+            <a:tailEnd type="triangle"/>
+          </a:ln>
+        </p:spPr>
+        <p:style>
+          <a:lnRef idx="1">
+            <a:schemeClr val="accent1"/>
+          </a:lnRef>
+          <a:fillRef idx="0">
+            <a:schemeClr val="accent1"/>
+          </a:fillRef>
+          <a:effectRef idx="0">
+            <a:schemeClr val="accent1"/>
+          </a:effectRef>
+          <a:fontRef idx="minor">
+            <a:schemeClr val="tx1"/>
+          </a:fontRef>
+        </p:style>
+      </p:cxnSp>
+      <p:sp>
+        <p:nvSpPr>
+          <p:cNvPr id="35" name="内容占位符 2">
+            <a:extLst>
+              <a:ext uri="{FF2B5EF4-FFF2-40B4-BE49-F238E27FC236}">
+                <a16:creationId xmlns:a16="http://schemas.microsoft.com/office/drawing/2014/main" id="{398E117A-8E88-441B-B1AE-63B1CFD13EA3}"/>
+              </a:ext>
+            </a:extLst>
+          </p:cNvPr>
+          <p:cNvSpPr txBox="1">
+            <a:spLocks/>
+          </p:cNvSpPr>
+          <p:nvPr/>
+        </p:nvSpPr>
+        <p:spPr>
+          <a:xfrm>
+            <a:off x="914402" y="854884"/>
+            <a:ext cx="1789373" cy="481269"/>
+          </a:xfrm>
+          <a:prstGeom prst="rect">
+            <a:avLst/>
+          </a:prstGeom>
+        </p:spPr>
+        <p:txBody>
+          <a:bodyPr vert="horz" lIns="91440" tIns="45720" rIns="91440" bIns="45720" rtlCol="0">
+            <a:normAutofit/>
+          </a:bodyPr>
+          <a:lstStyle>
+            <a:lvl1pPr marL="228600" indent="-228600" algn="l" defTabSz="914400" rtl="0" eaLnBrk="1" latinLnBrk="0" hangingPunct="1">
+              <a:lnSpc>
+                <a:spcPct val="90000"/>
+              </a:lnSpc>
+              <a:spcBef>
+                <a:spcPts val="1000"/>
+              </a:spcBef>
+              <a:buFont typeface="Arial" panose="020B0604020202020204" pitchFamily="34" charset="0"/>
+              <a:buChar char="•"/>
+              <a:defRPr sz="2800" kern="1200">
+                <a:solidFill>
+                  <a:schemeClr val="tx1"/>
+                </a:solidFill>
+                <a:latin typeface="+mn-lt"/>
+                <a:ea typeface="+mn-ea"/>
+                <a:cs typeface="+mn-cs"/>
+              </a:defRPr>
+            </a:lvl1pPr>
+            <a:lvl2pPr marL="685800" indent="-228600" algn="l" defTabSz="914400" rtl="0" eaLnBrk="1" latinLnBrk="0" hangingPunct="1">
+              <a:lnSpc>
+                <a:spcPct val="90000"/>
+              </a:lnSpc>
+              <a:spcBef>
+                <a:spcPts val="500"/>
+              </a:spcBef>
+              <a:buFont typeface="Arial" panose="020B0604020202020204" pitchFamily="34" charset="0"/>
+              <a:buChar char="•"/>
+              <a:defRPr sz="2400" kern="1200">
+                <a:solidFill>
+                  <a:schemeClr val="tx1"/>
+                </a:solidFill>
+                <a:latin typeface="+mn-lt"/>
+                <a:ea typeface="+mn-ea"/>
+                <a:cs typeface="+mn-cs"/>
+              </a:defRPr>
+            </a:lvl2pPr>
+            <a:lvl3pPr marL="1143000" indent="-228600" algn="l" defTabSz="914400" rtl="0" eaLnBrk="1" latinLnBrk="0" hangingPunct="1">
+              <a:lnSpc>
+                <a:spcPct val="90000"/>
+              </a:lnSpc>
+              <a:spcBef>
+                <a:spcPts val="500"/>
+              </a:spcBef>
+              <a:buFont typeface="Arial" panose="020B0604020202020204" pitchFamily="34" charset="0"/>
+              <a:buChar char="•"/>
+              <a:defRPr sz="2000" kern="1200">
+                <a:solidFill>
+                  <a:schemeClr val="tx1"/>
+                </a:solidFill>
+                <a:latin typeface="+mn-lt"/>
+                <a:ea typeface="+mn-ea"/>
+                <a:cs typeface="+mn-cs"/>
+              </a:defRPr>
+            </a:lvl3pPr>
+            <a:lvl4pPr marL="1600200" indent="-228600" algn="l" defTabSz="914400" rtl="0" eaLnBrk="1" latinLnBrk="0" hangingPunct="1">
+              <a:lnSpc>
+                <a:spcPct val="90000"/>
+              </a:lnSpc>
+              <a:spcBef>
+                <a:spcPts val="500"/>
+              </a:spcBef>
+              <a:buFont typeface="Arial" panose="020B0604020202020204" pitchFamily="34" charset="0"/>
+              <a:buChar char="•"/>
+              <a:defRPr sz="1800" kern="1200">
+                <a:solidFill>
+                  <a:schemeClr val="tx1"/>
+                </a:solidFill>
+                <a:latin typeface="+mn-lt"/>
+                <a:ea typeface="+mn-ea"/>
+                <a:cs typeface="+mn-cs"/>
+              </a:defRPr>
+            </a:lvl4pPr>
+            <a:lvl5pPr marL="2057400" indent="-228600" algn="l" defTabSz="914400" rtl="0" eaLnBrk="1" latinLnBrk="0" hangingPunct="1">
+              <a:lnSpc>
+                <a:spcPct val="90000"/>
+              </a:lnSpc>
+              <a:spcBef>
+                <a:spcPts val="500"/>
+              </a:spcBef>
+              <a:buFont typeface="Arial" panose="020B0604020202020204" pitchFamily="34" charset="0"/>
+              <a:buChar char="•"/>
+              <a:defRPr sz="1800" kern="1200">
+                <a:solidFill>
+                  <a:schemeClr val="tx1"/>
+                </a:solidFill>
+                <a:latin typeface="+mn-lt"/>
+                <a:ea typeface="+mn-ea"/>
+                <a:cs typeface="+mn-cs"/>
+              </a:defRPr>
+            </a:lvl5pPr>
+            <a:lvl6pPr marL="2514600" indent="-228600" algn="l" defTabSz="914400" rtl="0" eaLnBrk="1" latinLnBrk="0" hangingPunct="1">
+              <a:lnSpc>
+                <a:spcPct val="90000"/>
+              </a:lnSpc>
+              <a:spcBef>
+                <a:spcPts val="500"/>
+              </a:spcBef>
+              <a:buFont typeface="Arial" panose="020B0604020202020204" pitchFamily="34" charset="0"/>
+              <a:buChar char="•"/>
+              <a:defRPr sz="1800" kern="1200">
+                <a:solidFill>
+                  <a:schemeClr val="tx1"/>
+                </a:solidFill>
+                <a:latin typeface="+mn-lt"/>
+                <a:ea typeface="+mn-ea"/>
+                <a:cs typeface="+mn-cs"/>
+              </a:defRPr>
+            </a:lvl6pPr>
+            <a:lvl7pPr marL="2971800" indent="-228600" algn="l" defTabSz="914400" rtl="0" eaLnBrk="1" latinLnBrk="0" hangingPunct="1">
+              <a:lnSpc>
+                <a:spcPct val="90000"/>
+              </a:lnSpc>
+              <a:spcBef>
+                <a:spcPts val="500"/>
+              </a:spcBef>
+              <a:buFont typeface="Arial" panose="020B0604020202020204" pitchFamily="34" charset="0"/>
+              <a:buChar char="•"/>
+              <a:defRPr sz="1800" kern="1200">
+                <a:solidFill>
+                  <a:schemeClr val="tx1"/>
+                </a:solidFill>
+                <a:latin typeface="+mn-lt"/>
+                <a:ea typeface="+mn-ea"/>
+                <a:cs typeface="+mn-cs"/>
+              </a:defRPr>
+            </a:lvl7pPr>
+            <a:lvl8pPr marL="3429000" indent="-228600" algn="l" defTabSz="914400" rtl="0" eaLnBrk="1" latinLnBrk="0" hangingPunct="1">
+              <a:lnSpc>
+                <a:spcPct val="90000"/>
+              </a:lnSpc>
+              <a:spcBef>
+                <a:spcPts val="500"/>
+              </a:spcBef>
+              <a:buFont typeface="Arial" panose="020B0604020202020204" pitchFamily="34" charset="0"/>
+              <a:buChar char="•"/>
+              <a:defRPr sz="1800" kern="1200">
+                <a:solidFill>
+                  <a:schemeClr val="tx1"/>
+                </a:solidFill>
+                <a:latin typeface="+mn-lt"/>
+                <a:ea typeface="+mn-ea"/>
+                <a:cs typeface="+mn-cs"/>
+              </a:defRPr>
+            </a:lvl8pPr>
+            <a:lvl9pPr marL="3886200" indent="-228600" algn="l" defTabSz="914400" rtl="0" eaLnBrk="1" latinLnBrk="0" hangingPunct="1">
+              <a:lnSpc>
+                <a:spcPct val="90000"/>
+              </a:lnSpc>
+              <a:spcBef>
+                <a:spcPts val="500"/>
+              </a:spcBef>
+              <a:buFont typeface="Arial" panose="020B0604020202020204" pitchFamily="34" charset="0"/>
+              <a:buChar char="•"/>
+              <a:defRPr sz="1800" kern="1200">
+                <a:solidFill>
+                  <a:schemeClr val="tx1"/>
+                </a:solidFill>
+                <a:latin typeface="+mn-lt"/>
+                <a:ea typeface="+mn-ea"/>
+                <a:cs typeface="+mn-cs"/>
+              </a:defRPr>
+            </a:lvl9pPr>
+          </a:lstStyle>
+          <a:p>
+            <a:pPr marL="0" indent="0">
+              <a:buFont typeface="Arial" panose="020B0604020202020204" pitchFamily="34" charset="0"/>
+              <a:buNone/>
+            </a:pPr>
+            <a:r>
+              <a:rPr lang="zh-CN" altLang="en-US" dirty="0"/>
+              <a:t>专业选课</a:t>
+            </a:r>
+          </a:p>
+        </p:txBody>
+      </p:sp>
+      <p:sp>
+        <p:nvSpPr>
+          <p:cNvPr id="36" name="内容占位符 2">
+            <a:extLst>
+              <a:ext uri="{FF2B5EF4-FFF2-40B4-BE49-F238E27FC236}">
+                <a16:creationId xmlns:a16="http://schemas.microsoft.com/office/drawing/2014/main" id="{793E8EDD-54A3-4581-801B-FFDC5B7A6AC1}"/>
+              </a:ext>
+            </a:extLst>
+          </p:cNvPr>
+          <p:cNvSpPr txBox="1">
+            <a:spLocks/>
+          </p:cNvSpPr>
+          <p:nvPr/>
+        </p:nvSpPr>
+        <p:spPr>
+          <a:xfrm>
+            <a:off x="941868" y="1609239"/>
+            <a:ext cx="1761907" cy="481269"/>
+          </a:xfrm>
+          <a:prstGeom prst="rect">
+            <a:avLst/>
+          </a:prstGeom>
+        </p:spPr>
+        <p:txBody>
+          <a:bodyPr vert="horz" lIns="91440" tIns="45720" rIns="91440" bIns="45720" rtlCol="0">
+            <a:normAutofit/>
+          </a:bodyPr>
+          <a:lstStyle>
+            <a:lvl1pPr marL="228600" indent="-228600" algn="l" defTabSz="914400" rtl="0" eaLnBrk="1" latinLnBrk="0" hangingPunct="1">
+              <a:lnSpc>
+                <a:spcPct val="90000"/>
+              </a:lnSpc>
+              <a:spcBef>
+                <a:spcPts val="1000"/>
+              </a:spcBef>
+              <a:buFont typeface="Arial" panose="020B0604020202020204" pitchFamily="34" charset="0"/>
+              <a:buChar char="•"/>
+              <a:defRPr sz="2800" kern="1200">
+                <a:solidFill>
+                  <a:schemeClr val="tx1"/>
+                </a:solidFill>
+                <a:latin typeface="+mn-lt"/>
+                <a:ea typeface="+mn-ea"/>
+                <a:cs typeface="+mn-cs"/>
+              </a:defRPr>
+            </a:lvl1pPr>
+            <a:lvl2pPr marL="685800" indent="-228600" algn="l" defTabSz="914400" rtl="0" eaLnBrk="1" latinLnBrk="0" hangingPunct="1">
+              <a:lnSpc>
+                <a:spcPct val="90000"/>
+              </a:lnSpc>
+              <a:spcBef>
+                <a:spcPts val="500"/>
+              </a:spcBef>
+              <a:buFont typeface="Arial" panose="020B0604020202020204" pitchFamily="34" charset="0"/>
+              <a:buChar char="•"/>
+              <a:defRPr sz="2400" kern="1200">
+                <a:solidFill>
+                  <a:schemeClr val="tx1"/>
+                </a:solidFill>
+                <a:latin typeface="+mn-lt"/>
+                <a:ea typeface="+mn-ea"/>
+                <a:cs typeface="+mn-cs"/>
+              </a:defRPr>
+            </a:lvl2pPr>
+            <a:lvl3pPr marL="1143000" indent="-228600" algn="l" defTabSz="914400" rtl="0" eaLnBrk="1" latinLnBrk="0" hangingPunct="1">
+              <a:lnSpc>
+                <a:spcPct val="90000"/>
+              </a:lnSpc>
+              <a:spcBef>
+                <a:spcPts val="500"/>
+              </a:spcBef>
+              <a:buFont typeface="Arial" panose="020B0604020202020204" pitchFamily="34" charset="0"/>
+              <a:buChar char="•"/>
+              <a:defRPr sz="2000" kern="1200">
+                <a:solidFill>
+                  <a:schemeClr val="tx1"/>
+                </a:solidFill>
+                <a:latin typeface="+mn-lt"/>
+                <a:ea typeface="+mn-ea"/>
+                <a:cs typeface="+mn-cs"/>
+              </a:defRPr>
+            </a:lvl3pPr>
+            <a:lvl4pPr marL="1600200" indent="-228600" algn="l" defTabSz="914400" rtl="0" eaLnBrk="1" latinLnBrk="0" hangingPunct="1">
+              <a:lnSpc>
+                <a:spcPct val="90000"/>
+              </a:lnSpc>
+              <a:spcBef>
+                <a:spcPts val="500"/>
+              </a:spcBef>
+              <a:buFont typeface="Arial" panose="020B0604020202020204" pitchFamily="34" charset="0"/>
+              <a:buChar char="•"/>
+              <a:defRPr sz="1800" kern="1200">
+                <a:solidFill>
+                  <a:schemeClr val="tx1"/>
+                </a:solidFill>
+                <a:latin typeface="+mn-lt"/>
+                <a:ea typeface="+mn-ea"/>
+                <a:cs typeface="+mn-cs"/>
+              </a:defRPr>
+            </a:lvl4pPr>
+            <a:lvl5pPr marL="2057400" indent="-228600" algn="l" defTabSz="914400" rtl="0" eaLnBrk="1" latinLnBrk="0" hangingPunct="1">
+              <a:lnSpc>
+                <a:spcPct val="90000"/>
+              </a:lnSpc>
+              <a:spcBef>
+                <a:spcPts val="500"/>
+              </a:spcBef>
+              <a:buFont typeface="Arial" panose="020B0604020202020204" pitchFamily="34" charset="0"/>
+              <a:buChar char="•"/>
+              <a:defRPr sz="1800" kern="1200">
+                <a:solidFill>
+                  <a:schemeClr val="tx1"/>
+                </a:solidFill>
+                <a:latin typeface="+mn-lt"/>
+                <a:ea typeface="+mn-ea"/>
+                <a:cs typeface="+mn-cs"/>
+              </a:defRPr>
+            </a:lvl5pPr>
+            <a:lvl6pPr marL="2514600" indent="-228600" algn="l" defTabSz="914400" rtl="0" eaLnBrk="1" latinLnBrk="0" hangingPunct="1">
+              <a:lnSpc>
+                <a:spcPct val="90000"/>
+              </a:lnSpc>
+              <a:spcBef>
+                <a:spcPts val="500"/>
+              </a:spcBef>
+              <a:buFont typeface="Arial" panose="020B0604020202020204" pitchFamily="34" charset="0"/>
+              <a:buChar char="•"/>
+              <a:defRPr sz="1800" kern="1200">
+                <a:solidFill>
+                  <a:schemeClr val="tx1"/>
+                </a:solidFill>
+                <a:latin typeface="+mn-lt"/>
+                <a:ea typeface="+mn-ea"/>
+                <a:cs typeface="+mn-cs"/>
+              </a:defRPr>
+            </a:lvl6pPr>
+            <a:lvl7pPr marL="2971800" indent="-228600" algn="l" defTabSz="914400" rtl="0" eaLnBrk="1" latinLnBrk="0" hangingPunct="1">
+              <a:lnSpc>
+                <a:spcPct val="90000"/>
+              </a:lnSpc>
+              <a:spcBef>
+                <a:spcPts val="500"/>
+              </a:spcBef>
+              <a:buFont typeface="Arial" panose="020B0604020202020204" pitchFamily="34" charset="0"/>
+              <a:buChar char="•"/>
+              <a:defRPr sz="1800" kern="1200">
+                <a:solidFill>
+                  <a:schemeClr val="tx1"/>
+                </a:solidFill>
+                <a:latin typeface="+mn-lt"/>
+                <a:ea typeface="+mn-ea"/>
+                <a:cs typeface="+mn-cs"/>
+              </a:defRPr>
+            </a:lvl7pPr>
+            <a:lvl8pPr marL="3429000" indent="-228600" algn="l" defTabSz="914400" rtl="0" eaLnBrk="1" latinLnBrk="0" hangingPunct="1">
+              <a:lnSpc>
+                <a:spcPct val="90000"/>
+              </a:lnSpc>
+              <a:spcBef>
+                <a:spcPts val="500"/>
+              </a:spcBef>
+              <a:buFont typeface="Arial" panose="020B0604020202020204" pitchFamily="34" charset="0"/>
+              <a:buChar char="•"/>
+              <a:defRPr sz="1800" kern="1200">
+                <a:solidFill>
+                  <a:schemeClr val="tx1"/>
+                </a:solidFill>
+                <a:latin typeface="+mn-lt"/>
+                <a:ea typeface="+mn-ea"/>
+                <a:cs typeface="+mn-cs"/>
+              </a:defRPr>
+            </a:lvl8pPr>
+            <a:lvl9pPr marL="3886200" indent="-228600" algn="l" defTabSz="914400" rtl="0" eaLnBrk="1" latinLnBrk="0" hangingPunct="1">
+              <a:lnSpc>
+                <a:spcPct val="90000"/>
+              </a:lnSpc>
+              <a:spcBef>
+                <a:spcPts val="500"/>
+              </a:spcBef>
+              <a:buFont typeface="Arial" panose="020B0604020202020204" pitchFamily="34" charset="0"/>
+              <a:buChar char="•"/>
+              <a:defRPr sz="1800" kern="1200">
+                <a:solidFill>
+                  <a:schemeClr val="tx1"/>
+                </a:solidFill>
+                <a:latin typeface="+mn-lt"/>
+                <a:ea typeface="+mn-ea"/>
+                <a:cs typeface="+mn-cs"/>
+              </a:defRPr>
+            </a:lvl9pPr>
+          </a:lstStyle>
+          <a:p>
+            <a:pPr marL="0" indent="0">
+              <a:buFont typeface="Arial" panose="020B0604020202020204" pitchFamily="34" charset="0"/>
+              <a:buNone/>
+            </a:pPr>
+            <a:r>
+              <a:rPr lang="zh-CN" altLang="en-US" dirty="0"/>
+              <a:t>学生信息</a:t>
+            </a:r>
+          </a:p>
+        </p:txBody>
+      </p:sp>
+      <p:sp>
+        <p:nvSpPr>
+          <p:cNvPr id="37" name="内容占位符 2">
+            <a:extLst>
+              <a:ext uri="{FF2B5EF4-FFF2-40B4-BE49-F238E27FC236}">
+                <a16:creationId xmlns:a16="http://schemas.microsoft.com/office/drawing/2014/main" id="{1E7403FA-5146-4626-834C-AC809CADC680}"/>
+              </a:ext>
+            </a:extLst>
+          </p:cNvPr>
+          <p:cNvSpPr txBox="1">
+            <a:spLocks/>
+          </p:cNvSpPr>
+          <p:nvPr/>
+        </p:nvSpPr>
+        <p:spPr>
+          <a:xfrm>
+            <a:off x="941867" y="2360051"/>
+            <a:ext cx="1789373" cy="481269"/>
+          </a:xfrm>
+          <a:prstGeom prst="rect">
+            <a:avLst/>
+          </a:prstGeom>
+        </p:spPr>
+        <p:txBody>
+          <a:bodyPr vert="horz" lIns="91440" tIns="45720" rIns="91440" bIns="45720" rtlCol="0">
+            <a:normAutofit/>
+          </a:bodyPr>
+          <a:lstStyle>
+            <a:lvl1pPr marL="228600" indent="-228600" algn="l" defTabSz="914400" rtl="0" eaLnBrk="1" latinLnBrk="0" hangingPunct="1">
+              <a:lnSpc>
+                <a:spcPct val="90000"/>
+              </a:lnSpc>
+              <a:spcBef>
+                <a:spcPts val="1000"/>
+              </a:spcBef>
+              <a:buFont typeface="Arial" panose="020B0604020202020204" pitchFamily="34" charset="0"/>
+              <a:buChar char="•"/>
+              <a:defRPr sz="2800" kern="1200">
+                <a:solidFill>
+                  <a:schemeClr val="tx1"/>
+                </a:solidFill>
+                <a:latin typeface="+mn-lt"/>
+                <a:ea typeface="+mn-ea"/>
+                <a:cs typeface="+mn-cs"/>
+              </a:defRPr>
+            </a:lvl1pPr>
+            <a:lvl2pPr marL="685800" indent="-228600" algn="l" defTabSz="914400" rtl="0" eaLnBrk="1" latinLnBrk="0" hangingPunct="1">
+              <a:lnSpc>
+                <a:spcPct val="90000"/>
+              </a:lnSpc>
+              <a:spcBef>
+                <a:spcPts val="500"/>
+              </a:spcBef>
+              <a:buFont typeface="Arial" panose="020B0604020202020204" pitchFamily="34" charset="0"/>
+              <a:buChar char="•"/>
+              <a:defRPr sz="2400" kern="1200">
+                <a:solidFill>
+                  <a:schemeClr val="tx1"/>
+                </a:solidFill>
+                <a:latin typeface="+mn-lt"/>
+                <a:ea typeface="+mn-ea"/>
+                <a:cs typeface="+mn-cs"/>
+              </a:defRPr>
+            </a:lvl2pPr>
+            <a:lvl3pPr marL="1143000" indent="-228600" algn="l" defTabSz="914400" rtl="0" eaLnBrk="1" latinLnBrk="0" hangingPunct="1">
+              <a:lnSpc>
+                <a:spcPct val="90000"/>
+              </a:lnSpc>
+              <a:spcBef>
+                <a:spcPts val="500"/>
+              </a:spcBef>
+              <a:buFont typeface="Arial" panose="020B0604020202020204" pitchFamily="34" charset="0"/>
+              <a:buChar char="•"/>
+              <a:defRPr sz="2000" kern="1200">
+                <a:solidFill>
+                  <a:schemeClr val="tx1"/>
+                </a:solidFill>
+                <a:latin typeface="+mn-lt"/>
+                <a:ea typeface="+mn-ea"/>
+                <a:cs typeface="+mn-cs"/>
+              </a:defRPr>
+            </a:lvl3pPr>
+            <a:lvl4pPr marL="1600200" indent="-228600" algn="l" defTabSz="914400" rtl="0" eaLnBrk="1" latinLnBrk="0" hangingPunct="1">
+              <a:lnSpc>
+                <a:spcPct val="90000"/>
+              </a:lnSpc>
+              <a:spcBef>
+                <a:spcPts val="500"/>
+              </a:spcBef>
+              <a:buFont typeface="Arial" panose="020B0604020202020204" pitchFamily="34" charset="0"/>
+              <a:buChar char="•"/>
+              <a:defRPr sz="1800" kern="1200">
+                <a:solidFill>
+                  <a:schemeClr val="tx1"/>
+                </a:solidFill>
+                <a:latin typeface="+mn-lt"/>
+                <a:ea typeface="+mn-ea"/>
+                <a:cs typeface="+mn-cs"/>
+              </a:defRPr>
+            </a:lvl4pPr>
+            <a:lvl5pPr marL="2057400" indent="-228600" algn="l" defTabSz="914400" rtl="0" eaLnBrk="1" latinLnBrk="0" hangingPunct="1">
+              <a:lnSpc>
+                <a:spcPct val="90000"/>
+              </a:lnSpc>
+              <a:spcBef>
+                <a:spcPts val="500"/>
+              </a:spcBef>
+              <a:buFont typeface="Arial" panose="020B0604020202020204" pitchFamily="34" charset="0"/>
+              <a:buChar char="•"/>
+              <a:defRPr sz="1800" kern="1200">
+                <a:solidFill>
+                  <a:schemeClr val="tx1"/>
+                </a:solidFill>
+                <a:latin typeface="+mn-lt"/>
+                <a:ea typeface="+mn-ea"/>
+                <a:cs typeface="+mn-cs"/>
+              </a:defRPr>
+            </a:lvl5pPr>
+            <a:lvl6pPr marL="2514600" indent="-228600" algn="l" defTabSz="914400" rtl="0" eaLnBrk="1" latinLnBrk="0" hangingPunct="1">
+              <a:lnSpc>
+                <a:spcPct val="90000"/>
+              </a:lnSpc>
+              <a:spcBef>
+                <a:spcPts val="500"/>
+              </a:spcBef>
+              <a:buFont typeface="Arial" panose="020B0604020202020204" pitchFamily="34" charset="0"/>
+              <a:buChar char="•"/>
+              <a:defRPr sz="1800" kern="1200">
+                <a:solidFill>
+                  <a:schemeClr val="tx1"/>
+                </a:solidFill>
+                <a:latin typeface="+mn-lt"/>
+                <a:ea typeface="+mn-ea"/>
+                <a:cs typeface="+mn-cs"/>
+              </a:defRPr>
+            </a:lvl6pPr>
+            <a:lvl7pPr marL="2971800" indent="-228600" algn="l" defTabSz="914400" rtl="0" eaLnBrk="1" latinLnBrk="0" hangingPunct="1">
+              <a:lnSpc>
+                <a:spcPct val="90000"/>
+              </a:lnSpc>
+              <a:spcBef>
+                <a:spcPts val="500"/>
+              </a:spcBef>
+              <a:buFont typeface="Arial" panose="020B0604020202020204" pitchFamily="34" charset="0"/>
+              <a:buChar char="•"/>
+              <a:defRPr sz="1800" kern="1200">
+                <a:solidFill>
+                  <a:schemeClr val="tx1"/>
+                </a:solidFill>
+                <a:latin typeface="+mn-lt"/>
+                <a:ea typeface="+mn-ea"/>
+                <a:cs typeface="+mn-cs"/>
+              </a:defRPr>
+            </a:lvl7pPr>
+            <a:lvl8pPr marL="3429000" indent="-228600" algn="l" defTabSz="914400" rtl="0" eaLnBrk="1" latinLnBrk="0" hangingPunct="1">
+              <a:lnSpc>
+                <a:spcPct val="90000"/>
+              </a:lnSpc>
+              <a:spcBef>
+                <a:spcPts val="500"/>
+              </a:spcBef>
+              <a:buFont typeface="Arial" panose="020B0604020202020204" pitchFamily="34" charset="0"/>
+              <a:buChar char="•"/>
+              <a:defRPr sz="1800" kern="1200">
+                <a:solidFill>
+                  <a:schemeClr val="tx1"/>
+                </a:solidFill>
+                <a:latin typeface="+mn-lt"/>
+                <a:ea typeface="+mn-ea"/>
+                <a:cs typeface="+mn-cs"/>
+              </a:defRPr>
+            </a:lvl8pPr>
+            <a:lvl9pPr marL="3886200" indent="-228600" algn="l" defTabSz="914400" rtl="0" eaLnBrk="1" latinLnBrk="0" hangingPunct="1">
+              <a:lnSpc>
+                <a:spcPct val="90000"/>
+              </a:lnSpc>
+              <a:spcBef>
+                <a:spcPts val="500"/>
+              </a:spcBef>
+              <a:buFont typeface="Arial" panose="020B0604020202020204" pitchFamily="34" charset="0"/>
+              <a:buChar char="•"/>
+              <a:defRPr sz="1800" kern="1200">
+                <a:solidFill>
+                  <a:schemeClr val="tx1"/>
+                </a:solidFill>
+                <a:latin typeface="+mn-lt"/>
+                <a:ea typeface="+mn-ea"/>
+                <a:cs typeface="+mn-cs"/>
+              </a:defRPr>
+            </a:lvl9pPr>
+          </a:lstStyle>
+          <a:p>
+            <a:pPr marL="0" indent="0">
+              <a:buFont typeface="Arial" panose="020B0604020202020204" pitchFamily="34" charset="0"/>
+              <a:buNone/>
+            </a:pPr>
+            <a:r>
+              <a:rPr lang="zh-CN" altLang="en-US" dirty="0"/>
+              <a:t>奖惩信息</a:t>
+            </a:r>
+          </a:p>
+        </p:txBody>
+      </p:sp>
+      <p:sp>
+        <p:nvSpPr>
+          <p:cNvPr id="38" name="内容占位符 2">
+            <a:extLst>
+              <a:ext uri="{FF2B5EF4-FFF2-40B4-BE49-F238E27FC236}">
+                <a16:creationId xmlns:a16="http://schemas.microsoft.com/office/drawing/2014/main" id="{62C5D54A-18EC-41E7-841B-36577B288F21}"/>
+              </a:ext>
+            </a:extLst>
+          </p:cNvPr>
+          <p:cNvSpPr txBox="1">
+            <a:spLocks/>
+          </p:cNvSpPr>
+          <p:nvPr/>
+        </p:nvSpPr>
+        <p:spPr>
+          <a:xfrm>
+            <a:off x="914401" y="3107320"/>
+            <a:ext cx="1761908" cy="481269"/>
+          </a:xfrm>
+          <a:prstGeom prst="rect">
+            <a:avLst/>
+          </a:prstGeom>
+        </p:spPr>
+        <p:txBody>
+          <a:bodyPr vert="horz" lIns="91440" tIns="45720" rIns="91440" bIns="45720" rtlCol="0">
+            <a:normAutofit/>
+          </a:bodyPr>
+          <a:lstStyle>
+            <a:lvl1pPr marL="228600" indent="-228600" algn="l" defTabSz="914400" rtl="0" eaLnBrk="1" latinLnBrk="0" hangingPunct="1">
+              <a:lnSpc>
+                <a:spcPct val="90000"/>
+              </a:lnSpc>
+              <a:spcBef>
+                <a:spcPts val="1000"/>
+              </a:spcBef>
+              <a:buFont typeface="Arial" panose="020B0604020202020204" pitchFamily="34" charset="0"/>
+              <a:buChar char="•"/>
+              <a:defRPr sz="2800" kern="1200">
+                <a:solidFill>
+                  <a:schemeClr val="tx1"/>
+                </a:solidFill>
+                <a:latin typeface="+mn-lt"/>
+                <a:ea typeface="+mn-ea"/>
+                <a:cs typeface="+mn-cs"/>
+              </a:defRPr>
+            </a:lvl1pPr>
+            <a:lvl2pPr marL="685800" indent="-228600" algn="l" defTabSz="914400" rtl="0" eaLnBrk="1" latinLnBrk="0" hangingPunct="1">
+              <a:lnSpc>
+                <a:spcPct val="90000"/>
+              </a:lnSpc>
+              <a:spcBef>
+                <a:spcPts val="500"/>
+              </a:spcBef>
+              <a:buFont typeface="Arial" panose="020B0604020202020204" pitchFamily="34" charset="0"/>
+              <a:buChar char="•"/>
+              <a:defRPr sz="2400" kern="1200">
+                <a:solidFill>
+                  <a:schemeClr val="tx1"/>
+                </a:solidFill>
+                <a:latin typeface="+mn-lt"/>
+                <a:ea typeface="+mn-ea"/>
+                <a:cs typeface="+mn-cs"/>
+              </a:defRPr>
+            </a:lvl2pPr>
+            <a:lvl3pPr marL="1143000" indent="-228600" algn="l" defTabSz="914400" rtl="0" eaLnBrk="1" latinLnBrk="0" hangingPunct="1">
+              <a:lnSpc>
+                <a:spcPct val="90000"/>
+              </a:lnSpc>
+              <a:spcBef>
+                <a:spcPts val="500"/>
+              </a:spcBef>
+              <a:buFont typeface="Arial" panose="020B0604020202020204" pitchFamily="34" charset="0"/>
+              <a:buChar char="•"/>
+              <a:defRPr sz="2000" kern="1200">
+                <a:solidFill>
+                  <a:schemeClr val="tx1"/>
+                </a:solidFill>
+                <a:latin typeface="+mn-lt"/>
+                <a:ea typeface="+mn-ea"/>
+                <a:cs typeface="+mn-cs"/>
+              </a:defRPr>
+            </a:lvl3pPr>
+            <a:lvl4pPr marL="1600200" indent="-228600" algn="l" defTabSz="914400" rtl="0" eaLnBrk="1" latinLnBrk="0" hangingPunct="1">
+              <a:lnSpc>
+                <a:spcPct val="90000"/>
+              </a:lnSpc>
+              <a:spcBef>
+                <a:spcPts val="500"/>
+              </a:spcBef>
+              <a:buFont typeface="Arial" panose="020B0604020202020204" pitchFamily="34" charset="0"/>
+              <a:buChar char="•"/>
+              <a:defRPr sz="1800" kern="1200">
+                <a:solidFill>
+                  <a:schemeClr val="tx1"/>
+                </a:solidFill>
+                <a:latin typeface="+mn-lt"/>
+                <a:ea typeface="+mn-ea"/>
+                <a:cs typeface="+mn-cs"/>
+              </a:defRPr>
+            </a:lvl4pPr>
+            <a:lvl5pPr marL="2057400" indent="-228600" algn="l" defTabSz="914400" rtl="0" eaLnBrk="1" latinLnBrk="0" hangingPunct="1">
+              <a:lnSpc>
+                <a:spcPct val="90000"/>
+              </a:lnSpc>
+              <a:spcBef>
+                <a:spcPts val="500"/>
+              </a:spcBef>
+              <a:buFont typeface="Arial" panose="020B0604020202020204" pitchFamily="34" charset="0"/>
+              <a:buChar char="•"/>
+              <a:defRPr sz="1800" kern="1200">
+                <a:solidFill>
+                  <a:schemeClr val="tx1"/>
+                </a:solidFill>
+                <a:latin typeface="+mn-lt"/>
+                <a:ea typeface="+mn-ea"/>
+                <a:cs typeface="+mn-cs"/>
+              </a:defRPr>
+            </a:lvl5pPr>
+            <a:lvl6pPr marL="2514600" indent="-228600" algn="l" defTabSz="914400" rtl="0" eaLnBrk="1" latinLnBrk="0" hangingPunct="1">
+              <a:lnSpc>
+                <a:spcPct val="90000"/>
+              </a:lnSpc>
+              <a:spcBef>
+                <a:spcPts val="500"/>
+              </a:spcBef>
+              <a:buFont typeface="Arial" panose="020B0604020202020204" pitchFamily="34" charset="0"/>
+              <a:buChar char="•"/>
+              <a:defRPr sz="1800" kern="1200">
+                <a:solidFill>
+                  <a:schemeClr val="tx1"/>
+                </a:solidFill>
+                <a:latin typeface="+mn-lt"/>
+                <a:ea typeface="+mn-ea"/>
+                <a:cs typeface="+mn-cs"/>
+              </a:defRPr>
+            </a:lvl6pPr>
+            <a:lvl7pPr marL="2971800" indent="-228600" algn="l" defTabSz="914400" rtl="0" eaLnBrk="1" latinLnBrk="0" hangingPunct="1">
+              <a:lnSpc>
+                <a:spcPct val="90000"/>
+              </a:lnSpc>
+              <a:spcBef>
+                <a:spcPts val="500"/>
+              </a:spcBef>
+              <a:buFont typeface="Arial" panose="020B0604020202020204" pitchFamily="34" charset="0"/>
+              <a:buChar char="•"/>
+              <a:defRPr sz="1800" kern="1200">
+                <a:solidFill>
+                  <a:schemeClr val="tx1"/>
+                </a:solidFill>
+                <a:latin typeface="+mn-lt"/>
+                <a:ea typeface="+mn-ea"/>
+                <a:cs typeface="+mn-cs"/>
+              </a:defRPr>
+            </a:lvl7pPr>
+            <a:lvl8pPr marL="3429000" indent="-228600" algn="l" defTabSz="914400" rtl="0" eaLnBrk="1" latinLnBrk="0" hangingPunct="1">
+              <a:lnSpc>
+                <a:spcPct val="90000"/>
+              </a:lnSpc>
+              <a:spcBef>
+                <a:spcPts val="500"/>
+              </a:spcBef>
+              <a:buFont typeface="Arial" panose="020B0604020202020204" pitchFamily="34" charset="0"/>
+              <a:buChar char="•"/>
+              <a:defRPr sz="1800" kern="1200">
+                <a:solidFill>
+                  <a:schemeClr val="tx1"/>
+                </a:solidFill>
+                <a:latin typeface="+mn-lt"/>
+                <a:ea typeface="+mn-ea"/>
+                <a:cs typeface="+mn-cs"/>
+              </a:defRPr>
+            </a:lvl8pPr>
+            <a:lvl9pPr marL="3886200" indent="-228600" algn="l" defTabSz="914400" rtl="0" eaLnBrk="1" latinLnBrk="0" hangingPunct="1">
+              <a:lnSpc>
+                <a:spcPct val="90000"/>
+              </a:lnSpc>
+              <a:spcBef>
+                <a:spcPts val="500"/>
+              </a:spcBef>
+              <a:buFont typeface="Arial" panose="020B0604020202020204" pitchFamily="34" charset="0"/>
+              <a:buChar char="•"/>
+              <a:defRPr sz="1800" kern="1200">
+                <a:solidFill>
+                  <a:schemeClr val="tx1"/>
+                </a:solidFill>
+                <a:latin typeface="+mn-lt"/>
+                <a:ea typeface="+mn-ea"/>
+                <a:cs typeface="+mn-cs"/>
+              </a:defRPr>
+            </a:lvl9pPr>
+          </a:lstStyle>
+          <a:p>
+            <a:pPr marL="0" indent="0">
+              <a:buFont typeface="Arial" panose="020B0604020202020204" pitchFamily="34" charset="0"/>
+              <a:buNone/>
+            </a:pPr>
+            <a:r>
+              <a:rPr lang="zh-CN" altLang="en-US" dirty="0"/>
+              <a:t>课程班级</a:t>
+            </a:r>
+          </a:p>
+        </p:txBody>
+      </p:sp>
+      <p:sp>
+        <p:nvSpPr>
+          <p:cNvPr id="39" name="内容占位符 2">
+            <a:extLst>
+              <a:ext uri="{FF2B5EF4-FFF2-40B4-BE49-F238E27FC236}">
+                <a16:creationId xmlns:a16="http://schemas.microsoft.com/office/drawing/2014/main" id="{02F81FD5-18E6-49CB-BB73-9D338C59EAB7}"/>
+              </a:ext>
+            </a:extLst>
+          </p:cNvPr>
+          <p:cNvSpPr txBox="1">
+            <a:spLocks/>
+          </p:cNvSpPr>
+          <p:nvPr/>
+        </p:nvSpPr>
+        <p:spPr>
+          <a:xfrm>
+            <a:off x="900668" y="3861675"/>
+            <a:ext cx="1789373" cy="481269"/>
+          </a:xfrm>
+          <a:prstGeom prst="rect">
+            <a:avLst/>
+          </a:prstGeom>
+        </p:spPr>
+        <p:txBody>
+          <a:bodyPr vert="horz" lIns="91440" tIns="45720" rIns="91440" bIns="45720" rtlCol="0">
+            <a:normAutofit/>
+          </a:bodyPr>
+          <a:lstStyle>
+            <a:lvl1pPr marL="228600" indent="-228600" algn="l" defTabSz="914400" rtl="0" eaLnBrk="1" latinLnBrk="0" hangingPunct="1">
+              <a:lnSpc>
+                <a:spcPct val="90000"/>
+              </a:lnSpc>
+              <a:spcBef>
+                <a:spcPts val="1000"/>
+              </a:spcBef>
+              <a:buFont typeface="Arial" panose="020B0604020202020204" pitchFamily="34" charset="0"/>
+              <a:buChar char="•"/>
+              <a:defRPr sz="2800" kern="1200">
+                <a:solidFill>
+                  <a:schemeClr val="tx1"/>
+                </a:solidFill>
+                <a:latin typeface="+mn-lt"/>
+                <a:ea typeface="+mn-ea"/>
+                <a:cs typeface="+mn-cs"/>
+              </a:defRPr>
+            </a:lvl1pPr>
+            <a:lvl2pPr marL="685800" indent="-228600" algn="l" defTabSz="914400" rtl="0" eaLnBrk="1" latinLnBrk="0" hangingPunct="1">
+              <a:lnSpc>
+                <a:spcPct val="90000"/>
+              </a:lnSpc>
+              <a:spcBef>
+                <a:spcPts val="500"/>
+              </a:spcBef>
+              <a:buFont typeface="Arial" panose="020B0604020202020204" pitchFamily="34" charset="0"/>
+              <a:buChar char="•"/>
+              <a:defRPr sz="2400" kern="1200">
+                <a:solidFill>
+                  <a:schemeClr val="tx1"/>
+                </a:solidFill>
+                <a:latin typeface="+mn-lt"/>
+                <a:ea typeface="+mn-ea"/>
+                <a:cs typeface="+mn-cs"/>
+              </a:defRPr>
+            </a:lvl2pPr>
+            <a:lvl3pPr marL="1143000" indent="-228600" algn="l" defTabSz="914400" rtl="0" eaLnBrk="1" latinLnBrk="0" hangingPunct="1">
+              <a:lnSpc>
+                <a:spcPct val="90000"/>
+              </a:lnSpc>
+              <a:spcBef>
+                <a:spcPts val="500"/>
+              </a:spcBef>
+              <a:buFont typeface="Arial" panose="020B0604020202020204" pitchFamily="34" charset="0"/>
+              <a:buChar char="•"/>
+              <a:defRPr sz="2000" kern="1200">
+                <a:solidFill>
+                  <a:schemeClr val="tx1"/>
+                </a:solidFill>
+                <a:latin typeface="+mn-lt"/>
+                <a:ea typeface="+mn-ea"/>
+                <a:cs typeface="+mn-cs"/>
+              </a:defRPr>
+            </a:lvl3pPr>
+            <a:lvl4pPr marL="1600200" indent="-228600" algn="l" defTabSz="914400" rtl="0" eaLnBrk="1" latinLnBrk="0" hangingPunct="1">
+              <a:lnSpc>
+                <a:spcPct val="90000"/>
+              </a:lnSpc>
+              <a:spcBef>
+                <a:spcPts val="500"/>
+              </a:spcBef>
+              <a:buFont typeface="Arial" panose="020B0604020202020204" pitchFamily="34" charset="0"/>
+              <a:buChar char="•"/>
+              <a:defRPr sz="1800" kern="1200">
+                <a:solidFill>
+                  <a:schemeClr val="tx1"/>
+                </a:solidFill>
+                <a:latin typeface="+mn-lt"/>
+                <a:ea typeface="+mn-ea"/>
+                <a:cs typeface="+mn-cs"/>
+              </a:defRPr>
+            </a:lvl4pPr>
+            <a:lvl5pPr marL="2057400" indent="-228600" algn="l" defTabSz="914400" rtl="0" eaLnBrk="1" latinLnBrk="0" hangingPunct="1">
+              <a:lnSpc>
+                <a:spcPct val="90000"/>
+              </a:lnSpc>
+              <a:spcBef>
+                <a:spcPts val="500"/>
+              </a:spcBef>
+              <a:buFont typeface="Arial" panose="020B0604020202020204" pitchFamily="34" charset="0"/>
+              <a:buChar char="•"/>
+              <a:defRPr sz="1800" kern="1200">
+                <a:solidFill>
+                  <a:schemeClr val="tx1"/>
+                </a:solidFill>
+                <a:latin typeface="+mn-lt"/>
+                <a:ea typeface="+mn-ea"/>
+                <a:cs typeface="+mn-cs"/>
+              </a:defRPr>
+            </a:lvl5pPr>
+            <a:lvl6pPr marL="2514600" indent="-228600" algn="l" defTabSz="914400" rtl="0" eaLnBrk="1" latinLnBrk="0" hangingPunct="1">
+              <a:lnSpc>
+                <a:spcPct val="90000"/>
+              </a:lnSpc>
+              <a:spcBef>
+                <a:spcPts val="500"/>
+              </a:spcBef>
+              <a:buFont typeface="Arial" panose="020B0604020202020204" pitchFamily="34" charset="0"/>
+              <a:buChar char="•"/>
+              <a:defRPr sz="1800" kern="1200">
+                <a:solidFill>
+                  <a:schemeClr val="tx1"/>
+                </a:solidFill>
+                <a:latin typeface="+mn-lt"/>
+                <a:ea typeface="+mn-ea"/>
+                <a:cs typeface="+mn-cs"/>
+              </a:defRPr>
+            </a:lvl6pPr>
+            <a:lvl7pPr marL="2971800" indent="-228600" algn="l" defTabSz="914400" rtl="0" eaLnBrk="1" latinLnBrk="0" hangingPunct="1">
+              <a:lnSpc>
+                <a:spcPct val="90000"/>
+              </a:lnSpc>
+              <a:spcBef>
+                <a:spcPts val="500"/>
+              </a:spcBef>
+              <a:buFont typeface="Arial" panose="020B0604020202020204" pitchFamily="34" charset="0"/>
+              <a:buChar char="•"/>
+              <a:defRPr sz="1800" kern="1200">
+                <a:solidFill>
+                  <a:schemeClr val="tx1"/>
+                </a:solidFill>
+                <a:latin typeface="+mn-lt"/>
+                <a:ea typeface="+mn-ea"/>
+                <a:cs typeface="+mn-cs"/>
+              </a:defRPr>
+            </a:lvl7pPr>
+            <a:lvl8pPr marL="3429000" indent="-228600" algn="l" defTabSz="914400" rtl="0" eaLnBrk="1" latinLnBrk="0" hangingPunct="1">
+              <a:lnSpc>
+                <a:spcPct val="90000"/>
+              </a:lnSpc>
+              <a:spcBef>
+                <a:spcPts val="500"/>
+              </a:spcBef>
+              <a:buFont typeface="Arial" panose="020B0604020202020204" pitchFamily="34" charset="0"/>
+              <a:buChar char="•"/>
+              <a:defRPr sz="1800" kern="1200">
+                <a:solidFill>
+                  <a:schemeClr val="tx1"/>
+                </a:solidFill>
+                <a:latin typeface="+mn-lt"/>
+                <a:ea typeface="+mn-ea"/>
+                <a:cs typeface="+mn-cs"/>
+              </a:defRPr>
+            </a:lvl8pPr>
+            <a:lvl9pPr marL="3886200" indent="-228600" algn="l" defTabSz="914400" rtl="0" eaLnBrk="1" latinLnBrk="0" hangingPunct="1">
+              <a:lnSpc>
+                <a:spcPct val="90000"/>
+              </a:lnSpc>
+              <a:spcBef>
+                <a:spcPts val="500"/>
+              </a:spcBef>
+              <a:buFont typeface="Arial" panose="020B0604020202020204" pitchFamily="34" charset="0"/>
+              <a:buChar char="•"/>
+              <a:defRPr sz="1800" kern="1200">
+                <a:solidFill>
+                  <a:schemeClr val="tx1"/>
+                </a:solidFill>
+                <a:latin typeface="+mn-lt"/>
+                <a:ea typeface="+mn-ea"/>
+                <a:cs typeface="+mn-cs"/>
+              </a:defRPr>
+            </a:lvl9pPr>
+          </a:lstStyle>
+          <a:p>
+            <a:pPr marL="0" indent="0">
+              <a:buFont typeface="Arial" panose="020B0604020202020204" pitchFamily="34" charset="0"/>
+              <a:buNone/>
+            </a:pPr>
+            <a:r>
+              <a:rPr lang="zh-CN" altLang="en-US" dirty="0"/>
+              <a:t>班级成绩</a:t>
+            </a:r>
+          </a:p>
+        </p:txBody>
+      </p:sp>
+      <p:cxnSp>
+        <p:nvCxnSpPr>
+          <p:cNvPr id="41" name="直接箭头连接符 40">
+            <a:extLst>
+              <a:ext uri="{FF2B5EF4-FFF2-40B4-BE49-F238E27FC236}">
+                <a16:creationId xmlns:a16="http://schemas.microsoft.com/office/drawing/2014/main" id="{0D3CA557-D91A-4911-9CEF-7C34B4BB2742}"/>
+              </a:ext>
+            </a:extLst>
+          </p:cNvPr>
+          <p:cNvCxnSpPr>
+            <a:cxnSpLocks/>
+            <a:stCxn id="6" idx="3"/>
+            <a:endCxn id="3" idx="1"/>
+          </p:cNvCxnSpPr>
+          <p:nvPr/>
+        </p:nvCxnSpPr>
+        <p:spPr>
+          <a:xfrm>
+            <a:off x="1968797" y="344707"/>
+            <a:ext cx="3176701" cy="944811"/>
+          </a:xfrm>
+          <a:prstGeom prst="straightConnector1">
+            <a:avLst/>
+          </a:prstGeom>
+          <a:ln>
+            <a:tailEnd type="triangle"/>
+          </a:ln>
+        </p:spPr>
+        <p:style>
+          <a:lnRef idx="1">
+            <a:schemeClr val="accent1"/>
+          </a:lnRef>
+          <a:fillRef idx="0">
+            <a:schemeClr val="accent1"/>
+          </a:fillRef>
+          <a:effectRef idx="0">
+            <a:schemeClr val="accent1"/>
+          </a:effectRef>
+          <a:fontRef idx="minor">
+            <a:schemeClr val="tx1"/>
+          </a:fontRef>
+        </p:style>
+      </p:cxnSp>
+      <p:cxnSp>
+        <p:nvCxnSpPr>
+          <p:cNvPr id="45" name="直接箭头连接符 44">
+            <a:extLst>
+              <a:ext uri="{FF2B5EF4-FFF2-40B4-BE49-F238E27FC236}">
+                <a16:creationId xmlns:a16="http://schemas.microsoft.com/office/drawing/2014/main" id="{CF54DA38-32AB-49C4-9B78-E5A094E4955C}"/>
+              </a:ext>
+            </a:extLst>
+          </p:cNvPr>
+          <p:cNvCxnSpPr>
+            <a:cxnSpLocks/>
+            <a:stCxn id="35" idx="3"/>
+            <a:endCxn id="3" idx="1"/>
+          </p:cNvCxnSpPr>
+          <p:nvPr/>
+        </p:nvCxnSpPr>
+        <p:spPr>
+          <a:xfrm>
+            <a:off x="2703775" y="1095519"/>
+            <a:ext cx="2441723" cy="193999"/>
+          </a:xfrm>
+          <a:prstGeom prst="straightConnector1">
+            <a:avLst/>
+          </a:prstGeom>
+          <a:ln>
+            <a:tailEnd type="triangle"/>
+          </a:ln>
+        </p:spPr>
+        <p:style>
+          <a:lnRef idx="1">
+            <a:schemeClr val="accent1"/>
+          </a:lnRef>
+          <a:fillRef idx="0">
+            <a:schemeClr val="accent1"/>
+          </a:fillRef>
+          <a:effectRef idx="0">
+            <a:schemeClr val="accent1"/>
+          </a:effectRef>
+          <a:fontRef idx="minor">
+            <a:schemeClr val="tx1"/>
+          </a:fontRef>
+        </p:style>
+      </p:cxnSp>
+      <p:cxnSp>
+        <p:nvCxnSpPr>
+          <p:cNvPr id="48" name="直接箭头连接符 47">
+            <a:extLst>
+              <a:ext uri="{FF2B5EF4-FFF2-40B4-BE49-F238E27FC236}">
+                <a16:creationId xmlns:a16="http://schemas.microsoft.com/office/drawing/2014/main" id="{FE220B1A-4037-4A4A-A08A-7D1A17800E6A}"/>
+              </a:ext>
+            </a:extLst>
+          </p:cNvPr>
+          <p:cNvCxnSpPr>
+            <a:stCxn id="36" idx="3"/>
+            <a:endCxn id="5" idx="1"/>
+          </p:cNvCxnSpPr>
+          <p:nvPr/>
+        </p:nvCxnSpPr>
+        <p:spPr>
+          <a:xfrm>
+            <a:off x="2703775" y="1849874"/>
+            <a:ext cx="2436851" cy="872983"/>
+          </a:xfrm>
+          <a:prstGeom prst="straightConnector1">
+            <a:avLst/>
+          </a:prstGeom>
+          <a:ln>
+            <a:tailEnd type="triangle"/>
+          </a:ln>
+        </p:spPr>
+        <p:style>
+          <a:lnRef idx="1">
+            <a:schemeClr val="accent1"/>
+          </a:lnRef>
+          <a:fillRef idx="0">
+            <a:schemeClr val="accent1"/>
+          </a:fillRef>
+          <a:effectRef idx="0">
+            <a:schemeClr val="accent1"/>
+          </a:effectRef>
+          <a:fontRef idx="minor">
+            <a:schemeClr val="tx1"/>
+          </a:fontRef>
+        </p:style>
+      </p:cxnSp>
+      <p:cxnSp>
+        <p:nvCxnSpPr>
+          <p:cNvPr id="50" name="直接箭头连接符 49">
+            <a:extLst>
+              <a:ext uri="{FF2B5EF4-FFF2-40B4-BE49-F238E27FC236}">
+                <a16:creationId xmlns:a16="http://schemas.microsoft.com/office/drawing/2014/main" id="{A0C37EDE-204D-4DBD-9124-5888F88558D4}"/>
+              </a:ext>
+            </a:extLst>
+          </p:cNvPr>
+          <p:cNvCxnSpPr>
+            <a:cxnSpLocks/>
+            <a:stCxn id="37" idx="3"/>
+            <a:endCxn id="5" idx="1"/>
+          </p:cNvCxnSpPr>
+          <p:nvPr/>
+        </p:nvCxnSpPr>
+        <p:spPr>
+          <a:xfrm>
+            <a:off x="2731240" y="2600686"/>
+            <a:ext cx="2409386" cy="122171"/>
+          </a:xfrm>
+          <a:prstGeom prst="straightConnector1">
+            <a:avLst/>
+          </a:prstGeom>
+          <a:ln>
+            <a:tailEnd type="triangle"/>
+          </a:ln>
+        </p:spPr>
+        <p:style>
+          <a:lnRef idx="1">
+            <a:schemeClr val="accent1"/>
+          </a:lnRef>
+          <a:fillRef idx="0">
+            <a:schemeClr val="accent1"/>
+          </a:fillRef>
+          <a:effectRef idx="0">
+            <a:schemeClr val="accent1"/>
+          </a:effectRef>
+          <a:fontRef idx="minor">
+            <a:schemeClr val="tx1"/>
+          </a:fontRef>
+        </p:style>
+      </p:cxnSp>
+      <p:cxnSp>
+        <p:nvCxnSpPr>
+          <p:cNvPr id="53" name="直接箭头连接符 52">
+            <a:extLst>
+              <a:ext uri="{FF2B5EF4-FFF2-40B4-BE49-F238E27FC236}">
+                <a16:creationId xmlns:a16="http://schemas.microsoft.com/office/drawing/2014/main" id="{5D2042B8-4318-4B34-B375-9A65735F602F}"/>
+              </a:ext>
+            </a:extLst>
+          </p:cNvPr>
+          <p:cNvCxnSpPr>
+            <a:stCxn id="38" idx="3"/>
+            <a:endCxn id="5" idx="1"/>
+          </p:cNvCxnSpPr>
+          <p:nvPr/>
+        </p:nvCxnSpPr>
+        <p:spPr>
+          <a:xfrm flipV="1">
+            <a:off x="2676309" y="2722857"/>
+            <a:ext cx="2464317" cy="625098"/>
+          </a:xfrm>
+          <a:prstGeom prst="straightConnector1">
+            <a:avLst/>
+          </a:prstGeom>
+          <a:ln>
+            <a:tailEnd type="triangle"/>
+          </a:ln>
+        </p:spPr>
+        <p:style>
+          <a:lnRef idx="1">
+            <a:schemeClr val="accent1"/>
+          </a:lnRef>
+          <a:fillRef idx="0">
+            <a:schemeClr val="accent1"/>
+          </a:fillRef>
+          <a:effectRef idx="0">
+            <a:schemeClr val="accent1"/>
+          </a:effectRef>
+          <a:fontRef idx="minor">
+            <a:schemeClr val="tx1"/>
+          </a:fontRef>
+        </p:style>
+      </p:cxnSp>
+      <p:cxnSp>
+        <p:nvCxnSpPr>
+          <p:cNvPr id="55" name="直接箭头连接符 54">
+            <a:extLst>
+              <a:ext uri="{FF2B5EF4-FFF2-40B4-BE49-F238E27FC236}">
+                <a16:creationId xmlns:a16="http://schemas.microsoft.com/office/drawing/2014/main" id="{6407A2CA-6CEB-4CEF-AE60-3648293D3354}"/>
+              </a:ext>
+            </a:extLst>
+          </p:cNvPr>
+          <p:cNvCxnSpPr>
+            <a:stCxn id="39" idx="3"/>
+            <a:endCxn id="5" idx="1"/>
+          </p:cNvCxnSpPr>
+          <p:nvPr/>
+        </p:nvCxnSpPr>
+        <p:spPr>
+          <a:xfrm flipV="1">
+            <a:off x="2690041" y="2722857"/>
+            <a:ext cx="2450585" cy="1379453"/>
+          </a:xfrm>
+          <a:prstGeom prst="straightConnector1">
+            <a:avLst/>
+          </a:prstGeom>
+          <a:ln>
+            <a:tailEnd type="triangle"/>
+          </a:ln>
+        </p:spPr>
+        <p:style>
+          <a:lnRef idx="1">
+            <a:schemeClr val="accent1"/>
+          </a:lnRef>
+          <a:fillRef idx="0">
+            <a:schemeClr val="accent1"/>
+          </a:fillRef>
+          <a:effectRef idx="0">
+            <a:schemeClr val="accent1"/>
+          </a:effectRef>
+          <a:fontRef idx="minor">
+            <a:schemeClr val="tx1"/>
+          </a:fontRef>
+        </p:style>
+      </p:cxnSp>
+      <p:sp>
+        <p:nvSpPr>
+          <p:cNvPr id="72" name="内容占位符 2">
+            <a:extLst>
+              <a:ext uri="{FF2B5EF4-FFF2-40B4-BE49-F238E27FC236}">
+                <a16:creationId xmlns:a16="http://schemas.microsoft.com/office/drawing/2014/main" id="{B145475A-EBD6-43ED-A952-FF311ECBF9D7}"/>
+              </a:ext>
+            </a:extLst>
+          </p:cNvPr>
+          <p:cNvSpPr txBox="1">
+            <a:spLocks/>
+          </p:cNvSpPr>
+          <p:nvPr/>
+        </p:nvSpPr>
+        <p:spPr>
+          <a:xfrm>
+            <a:off x="900668" y="4563617"/>
+            <a:ext cx="1789373" cy="481269"/>
+          </a:xfrm>
+          <a:prstGeom prst="rect">
+            <a:avLst/>
+          </a:prstGeom>
+        </p:spPr>
+        <p:txBody>
+          <a:bodyPr vert="horz" lIns="91440" tIns="45720" rIns="91440" bIns="45720" rtlCol="0">
+            <a:normAutofit/>
+          </a:bodyPr>
+          <a:lstStyle>
+            <a:lvl1pPr marL="228600" indent="-228600" algn="l" defTabSz="914400" rtl="0" eaLnBrk="1" latinLnBrk="0" hangingPunct="1">
+              <a:lnSpc>
+                <a:spcPct val="90000"/>
+              </a:lnSpc>
+              <a:spcBef>
+                <a:spcPts val="1000"/>
+              </a:spcBef>
+              <a:buFont typeface="Arial" panose="020B0604020202020204" pitchFamily="34" charset="0"/>
+              <a:buChar char="•"/>
+              <a:defRPr sz="2800" kern="1200">
+                <a:solidFill>
+                  <a:schemeClr val="tx1"/>
+                </a:solidFill>
+                <a:latin typeface="+mn-lt"/>
+                <a:ea typeface="+mn-ea"/>
+                <a:cs typeface="+mn-cs"/>
+              </a:defRPr>
+            </a:lvl1pPr>
+            <a:lvl2pPr marL="685800" indent="-228600" algn="l" defTabSz="914400" rtl="0" eaLnBrk="1" latinLnBrk="0" hangingPunct="1">
+              <a:lnSpc>
+                <a:spcPct val="90000"/>
+              </a:lnSpc>
+              <a:spcBef>
+                <a:spcPts val="500"/>
+              </a:spcBef>
+              <a:buFont typeface="Arial" panose="020B0604020202020204" pitchFamily="34" charset="0"/>
+              <a:buChar char="•"/>
+              <a:defRPr sz="2400" kern="1200">
+                <a:solidFill>
+                  <a:schemeClr val="tx1"/>
+                </a:solidFill>
+                <a:latin typeface="+mn-lt"/>
+                <a:ea typeface="+mn-ea"/>
+                <a:cs typeface="+mn-cs"/>
+              </a:defRPr>
+            </a:lvl2pPr>
+            <a:lvl3pPr marL="1143000" indent="-228600" algn="l" defTabSz="914400" rtl="0" eaLnBrk="1" latinLnBrk="0" hangingPunct="1">
+              <a:lnSpc>
+                <a:spcPct val="90000"/>
+              </a:lnSpc>
+              <a:spcBef>
+                <a:spcPts val="500"/>
+              </a:spcBef>
+              <a:buFont typeface="Arial" panose="020B0604020202020204" pitchFamily="34" charset="0"/>
+              <a:buChar char="•"/>
+              <a:defRPr sz="2000" kern="1200">
+                <a:solidFill>
+                  <a:schemeClr val="tx1"/>
+                </a:solidFill>
+                <a:latin typeface="+mn-lt"/>
+                <a:ea typeface="+mn-ea"/>
+                <a:cs typeface="+mn-cs"/>
+              </a:defRPr>
+            </a:lvl3pPr>
+            <a:lvl4pPr marL="1600200" indent="-228600" algn="l" defTabSz="914400" rtl="0" eaLnBrk="1" latinLnBrk="0" hangingPunct="1">
+              <a:lnSpc>
+                <a:spcPct val="90000"/>
+              </a:lnSpc>
+              <a:spcBef>
+                <a:spcPts val="500"/>
+              </a:spcBef>
+              <a:buFont typeface="Arial" panose="020B0604020202020204" pitchFamily="34" charset="0"/>
+              <a:buChar char="•"/>
+              <a:defRPr sz="1800" kern="1200">
+                <a:solidFill>
+                  <a:schemeClr val="tx1"/>
+                </a:solidFill>
+                <a:latin typeface="+mn-lt"/>
+                <a:ea typeface="+mn-ea"/>
+                <a:cs typeface="+mn-cs"/>
+              </a:defRPr>
+            </a:lvl4pPr>
+            <a:lvl5pPr marL="2057400" indent="-228600" algn="l" defTabSz="914400" rtl="0" eaLnBrk="1" latinLnBrk="0" hangingPunct="1">
+              <a:lnSpc>
+                <a:spcPct val="90000"/>
+              </a:lnSpc>
+              <a:spcBef>
+                <a:spcPts val="500"/>
+              </a:spcBef>
+              <a:buFont typeface="Arial" panose="020B0604020202020204" pitchFamily="34" charset="0"/>
+              <a:buChar char="•"/>
+              <a:defRPr sz="1800" kern="1200">
+                <a:solidFill>
+                  <a:schemeClr val="tx1"/>
+                </a:solidFill>
+                <a:latin typeface="+mn-lt"/>
+                <a:ea typeface="+mn-ea"/>
+                <a:cs typeface="+mn-cs"/>
+              </a:defRPr>
+            </a:lvl5pPr>
+            <a:lvl6pPr marL="2514600" indent="-228600" algn="l" defTabSz="914400" rtl="0" eaLnBrk="1" latinLnBrk="0" hangingPunct="1">
+              <a:lnSpc>
+                <a:spcPct val="90000"/>
+              </a:lnSpc>
+              <a:spcBef>
+                <a:spcPts val="500"/>
+              </a:spcBef>
+              <a:buFont typeface="Arial" panose="020B0604020202020204" pitchFamily="34" charset="0"/>
+              <a:buChar char="•"/>
+              <a:defRPr sz="1800" kern="1200">
+                <a:solidFill>
+                  <a:schemeClr val="tx1"/>
+                </a:solidFill>
+                <a:latin typeface="+mn-lt"/>
+                <a:ea typeface="+mn-ea"/>
+                <a:cs typeface="+mn-cs"/>
+              </a:defRPr>
+            </a:lvl6pPr>
+            <a:lvl7pPr marL="2971800" indent="-228600" algn="l" defTabSz="914400" rtl="0" eaLnBrk="1" latinLnBrk="0" hangingPunct="1">
+              <a:lnSpc>
+                <a:spcPct val="90000"/>
+              </a:lnSpc>
+              <a:spcBef>
+                <a:spcPts val="500"/>
+              </a:spcBef>
+              <a:buFont typeface="Arial" panose="020B0604020202020204" pitchFamily="34" charset="0"/>
+              <a:buChar char="•"/>
+              <a:defRPr sz="1800" kern="1200">
+                <a:solidFill>
+                  <a:schemeClr val="tx1"/>
+                </a:solidFill>
+                <a:latin typeface="+mn-lt"/>
+                <a:ea typeface="+mn-ea"/>
+                <a:cs typeface="+mn-cs"/>
+              </a:defRPr>
+            </a:lvl7pPr>
+            <a:lvl8pPr marL="3429000" indent="-228600" algn="l" defTabSz="914400" rtl="0" eaLnBrk="1" latinLnBrk="0" hangingPunct="1">
+              <a:lnSpc>
+                <a:spcPct val="90000"/>
+              </a:lnSpc>
+              <a:spcBef>
+                <a:spcPts val="500"/>
+              </a:spcBef>
+              <a:buFont typeface="Arial" panose="020B0604020202020204" pitchFamily="34" charset="0"/>
+              <a:buChar char="•"/>
+              <a:defRPr sz="1800" kern="1200">
+                <a:solidFill>
+                  <a:schemeClr val="tx1"/>
+                </a:solidFill>
+                <a:latin typeface="+mn-lt"/>
+                <a:ea typeface="+mn-ea"/>
+                <a:cs typeface="+mn-cs"/>
+              </a:defRPr>
+            </a:lvl8pPr>
+            <a:lvl9pPr marL="3886200" indent="-228600" algn="l" defTabSz="914400" rtl="0" eaLnBrk="1" latinLnBrk="0" hangingPunct="1">
+              <a:lnSpc>
+                <a:spcPct val="90000"/>
+              </a:lnSpc>
+              <a:spcBef>
+                <a:spcPts val="500"/>
+              </a:spcBef>
+              <a:buFont typeface="Arial" panose="020B0604020202020204" pitchFamily="34" charset="0"/>
+              <a:buChar char="•"/>
+              <a:defRPr sz="1800" kern="1200">
+                <a:solidFill>
+                  <a:schemeClr val="tx1"/>
+                </a:solidFill>
+                <a:latin typeface="+mn-lt"/>
+                <a:ea typeface="+mn-ea"/>
+                <a:cs typeface="+mn-cs"/>
+              </a:defRPr>
+            </a:lvl9pPr>
+          </a:lstStyle>
+          <a:p>
+            <a:pPr marL="0" indent="0">
+              <a:buFont typeface="Arial" panose="020B0604020202020204" pitchFamily="34" charset="0"/>
+              <a:buNone/>
+            </a:pPr>
+            <a:r>
+              <a:rPr lang="zh-CN" altLang="en-US" dirty="0"/>
+              <a:t>学院管理</a:t>
+            </a:r>
+          </a:p>
+        </p:txBody>
+      </p:sp>
+      <p:cxnSp>
+        <p:nvCxnSpPr>
+          <p:cNvPr id="73" name="直接箭头连接符 72">
+            <a:extLst>
+              <a:ext uri="{FF2B5EF4-FFF2-40B4-BE49-F238E27FC236}">
+                <a16:creationId xmlns:a16="http://schemas.microsoft.com/office/drawing/2014/main" id="{DD267DE1-D194-4ADC-9DA8-8C13A48DFF2D}"/>
+              </a:ext>
+            </a:extLst>
+          </p:cNvPr>
+          <p:cNvCxnSpPr>
+            <a:cxnSpLocks/>
+            <a:stCxn id="72" idx="3"/>
+            <a:endCxn id="4" idx="1"/>
+          </p:cNvCxnSpPr>
+          <p:nvPr/>
+        </p:nvCxnSpPr>
+        <p:spPr>
+          <a:xfrm flipV="1">
+            <a:off x="2690041" y="4156196"/>
+            <a:ext cx="2359762" cy="648056"/>
+          </a:xfrm>
+          <a:prstGeom prst="straightConnector1">
+            <a:avLst/>
+          </a:prstGeom>
+          <a:ln>
+            <a:tailEnd type="triangle"/>
+          </a:ln>
+        </p:spPr>
+        <p:style>
+          <a:lnRef idx="1">
+            <a:schemeClr val="accent1"/>
+          </a:lnRef>
+          <a:fillRef idx="0">
+            <a:schemeClr val="accent1"/>
+          </a:fillRef>
+          <a:effectRef idx="0">
+            <a:schemeClr val="accent1"/>
+          </a:effectRef>
+          <a:fontRef idx="minor">
+            <a:schemeClr val="tx1"/>
+          </a:fontRef>
+        </p:style>
+      </p:cxnSp>
+      <p:sp>
+        <p:nvSpPr>
+          <p:cNvPr id="78" name="内容占位符 2">
+            <a:extLst>
+              <a:ext uri="{FF2B5EF4-FFF2-40B4-BE49-F238E27FC236}">
+                <a16:creationId xmlns:a16="http://schemas.microsoft.com/office/drawing/2014/main" id="{2D6A88A8-2C09-4053-BB3E-E8B0F52EF1AD}"/>
+              </a:ext>
+            </a:extLst>
+          </p:cNvPr>
+          <p:cNvSpPr txBox="1">
+            <a:spLocks/>
+          </p:cNvSpPr>
+          <p:nvPr/>
+        </p:nvSpPr>
+        <p:spPr>
+          <a:xfrm>
+            <a:off x="914402" y="5243707"/>
+            <a:ext cx="1789373" cy="481269"/>
+          </a:xfrm>
+          <a:prstGeom prst="rect">
+            <a:avLst/>
+          </a:prstGeom>
+        </p:spPr>
+        <p:txBody>
+          <a:bodyPr vert="horz" lIns="91440" tIns="45720" rIns="91440" bIns="45720" rtlCol="0">
+            <a:normAutofit/>
+          </a:bodyPr>
+          <a:lstStyle>
+            <a:lvl1pPr marL="228600" indent="-228600" algn="l" defTabSz="914400" rtl="0" eaLnBrk="1" latinLnBrk="0" hangingPunct="1">
+              <a:lnSpc>
+                <a:spcPct val="90000"/>
+              </a:lnSpc>
+              <a:spcBef>
+                <a:spcPts val="1000"/>
+              </a:spcBef>
+              <a:buFont typeface="Arial" panose="020B0604020202020204" pitchFamily="34" charset="0"/>
+              <a:buChar char="•"/>
+              <a:defRPr sz="2800" kern="1200">
+                <a:solidFill>
+                  <a:schemeClr val="tx1"/>
+                </a:solidFill>
+                <a:latin typeface="+mn-lt"/>
+                <a:ea typeface="+mn-ea"/>
+                <a:cs typeface="+mn-cs"/>
+              </a:defRPr>
+            </a:lvl1pPr>
+            <a:lvl2pPr marL="685800" indent="-228600" algn="l" defTabSz="914400" rtl="0" eaLnBrk="1" latinLnBrk="0" hangingPunct="1">
+              <a:lnSpc>
+                <a:spcPct val="90000"/>
+              </a:lnSpc>
+              <a:spcBef>
+                <a:spcPts val="500"/>
+              </a:spcBef>
+              <a:buFont typeface="Arial" panose="020B0604020202020204" pitchFamily="34" charset="0"/>
+              <a:buChar char="•"/>
+              <a:defRPr sz="2400" kern="1200">
+                <a:solidFill>
+                  <a:schemeClr val="tx1"/>
+                </a:solidFill>
+                <a:latin typeface="+mn-lt"/>
+                <a:ea typeface="+mn-ea"/>
+                <a:cs typeface="+mn-cs"/>
+              </a:defRPr>
+            </a:lvl2pPr>
+            <a:lvl3pPr marL="1143000" indent="-228600" algn="l" defTabSz="914400" rtl="0" eaLnBrk="1" latinLnBrk="0" hangingPunct="1">
+              <a:lnSpc>
+                <a:spcPct val="90000"/>
+              </a:lnSpc>
+              <a:spcBef>
+                <a:spcPts val="500"/>
+              </a:spcBef>
+              <a:buFont typeface="Arial" panose="020B0604020202020204" pitchFamily="34" charset="0"/>
+              <a:buChar char="•"/>
+              <a:defRPr sz="2000" kern="1200">
+                <a:solidFill>
+                  <a:schemeClr val="tx1"/>
+                </a:solidFill>
+                <a:latin typeface="+mn-lt"/>
+                <a:ea typeface="+mn-ea"/>
+                <a:cs typeface="+mn-cs"/>
+              </a:defRPr>
+            </a:lvl3pPr>
+            <a:lvl4pPr marL="1600200" indent="-228600" algn="l" defTabSz="914400" rtl="0" eaLnBrk="1" latinLnBrk="0" hangingPunct="1">
+              <a:lnSpc>
+                <a:spcPct val="90000"/>
+              </a:lnSpc>
+              <a:spcBef>
+                <a:spcPts val="500"/>
+              </a:spcBef>
+              <a:buFont typeface="Arial" panose="020B0604020202020204" pitchFamily="34" charset="0"/>
+              <a:buChar char="•"/>
+              <a:defRPr sz="1800" kern="1200">
+                <a:solidFill>
+                  <a:schemeClr val="tx1"/>
+                </a:solidFill>
+                <a:latin typeface="+mn-lt"/>
+                <a:ea typeface="+mn-ea"/>
+                <a:cs typeface="+mn-cs"/>
+              </a:defRPr>
+            </a:lvl4pPr>
+            <a:lvl5pPr marL="2057400" indent="-228600" algn="l" defTabSz="914400" rtl="0" eaLnBrk="1" latinLnBrk="0" hangingPunct="1">
+              <a:lnSpc>
+                <a:spcPct val="90000"/>
+              </a:lnSpc>
+              <a:spcBef>
+                <a:spcPts val="500"/>
+              </a:spcBef>
+              <a:buFont typeface="Arial" panose="020B0604020202020204" pitchFamily="34" charset="0"/>
+              <a:buChar char="•"/>
+              <a:defRPr sz="1800" kern="1200">
+                <a:solidFill>
+                  <a:schemeClr val="tx1"/>
+                </a:solidFill>
+                <a:latin typeface="+mn-lt"/>
+                <a:ea typeface="+mn-ea"/>
+                <a:cs typeface="+mn-cs"/>
+              </a:defRPr>
+            </a:lvl5pPr>
+            <a:lvl6pPr marL="2514600" indent="-228600" algn="l" defTabSz="914400" rtl="0" eaLnBrk="1" latinLnBrk="0" hangingPunct="1">
+              <a:lnSpc>
+                <a:spcPct val="90000"/>
+              </a:lnSpc>
+              <a:spcBef>
+                <a:spcPts val="500"/>
+              </a:spcBef>
+              <a:buFont typeface="Arial" panose="020B0604020202020204" pitchFamily="34" charset="0"/>
+              <a:buChar char="•"/>
+              <a:defRPr sz="1800" kern="1200">
+                <a:solidFill>
+                  <a:schemeClr val="tx1"/>
+                </a:solidFill>
+                <a:latin typeface="+mn-lt"/>
+                <a:ea typeface="+mn-ea"/>
+                <a:cs typeface="+mn-cs"/>
+              </a:defRPr>
+            </a:lvl6pPr>
+            <a:lvl7pPr marL="2971800" indent="-228600" algn="l" defTabSz="914400" rtl="0" eaLnBrk="1" latinLnBrk="0" hangingPunct="1">
+              <a:lnSpc>
+                <a:spcPct val="90000"/>
+              </a:lnSpc>
+              <a:spcBef>
+                <a:spcPts val="500"/>
+              </a:spcBef>
+              <a:buFont typeface="Arial" panose="020B0604020202020204" pitchFamily="34" charset="0"/>
+              <a:buChar char="•"/>
+              <a:defRPr sz="1800" kern="1200">
+                <a:solidFill>
+                  <a:schemeClr val="tx1"/>
+                </a:solidFill>
+                <a:latin typeface="+mn-lt"/>
+                <a:ea typeface="+mn-ea"/>
+                <a:cs typeface="+mn-cs"/>
+              </a:defRPr>
+            </a:lvl7pPr>
+            <a:lvl8pPr marL="3429000" indent="-228600" algn="l" defTabSz="914400" rtl="0" eaLnBrk="1" latinLnBrk="0" hangingPunct="1">
+              <a:lnSpc>
+                <a:spcPct val="90000"/>
+              </a:lnSpc>
+              <a:spcBef>
+                <a:spcPts val="500"/>
+              </a:spcBef>
+              <a:buFont typeface="Arial" panose="020B0604020202020204" pitchFamily="34" charset="0"/>
+              <a:buChar char="•"/>
+              <a:defRPr sz="1800" kern="1200">
+                <a:solidFill>
+                  <a:schemeClr val="tx1"/>
+                </a:solidFill>
+                <a:latin typeface="+mn-lt"/>
+                <a:ea typeface="+mn-ea"/>
+                <a:cs typeface="+mn-cs"/>
+              </a:defRPr>
+            </a:lvl8pPr>
+            <a:lvl9pPr marL="3886200" indent="-228600" algn="l" defTabSz="914400" rtl="0" eaLnBrk="1" latinLnBrk="0" hangingPunct="1">
+              <a:lnSpc>
+                <a:spcPct val="90000"/>
+              </a:lnSpc>
+              <a:spcBef>
+                <a:spcPts val="500"/>
+              </a:spcBef>
+              <a:buFont typeface="Arial" panose="020B0604020202020204" pitchFamily="34" charset="0"/>
+              <a:buChar char="•"/>
+              <a:defRPr sz="1800" kern="1200">
+                <a:solidFill>
+                  <a:schemeClr val="tx1"/>
+                </a:solidFill>
+                <a:latin typeface="+mn-lt"/>
+                <a:ea typeface="+mn-ea"/>
+                <a:cs typeface="+mn-cs"/>
+              </a:defRPr>
+            </a:lvl9pPr>
+          </a:lstStyle>
+          <a:p>
+            <a:pPr marL="0" indent="0">
+              <a:buFont typeface="Arial" panose="020B0604020202020204" pitchFamily="34" charset="0"/>
+              <a:buNone/>
+            </a:pPr>
+            <a:r>
+              <a:rPr lang="zh-CN" altLang="en-US" dirty="0"/>
+              <a:t>专业管理</a:t>
+            </a:r>
+          </a:p>
+        </p:txBody>
+      </p:sp>
+      <p:sp>
+        <p:nvSpPr>
+          <p:cNvPr id="80" name="内容占位符 2">
+            <a:extLst>
+              <a:ext uri="{FF2B5EF4-FFF2-40B4-BE49-F238E27FC236}">
+                <a16:creationId xmlns:a16="http://schemas.microsoft.com/office/drawing/2014/main" id="{DB7FF9A9-9790-43D9-BC0D-26757D3BEDFD}"/>
+              </a:ext>
+            </a:extLst>
+          </p:cNvPr>
+          <p:cNvSpPr txBox="1">
+            <a:spLocks/>
+          </p:cNvSpPr>
+          <p:nvPr/>
+        </p:nvSpPr>
+        <p:spPr>
+          <a:xfrm>
+            <a:off x="941867" y="5965610"/>
+            <a:ext cx="1659349" cy="481269"/>
+          </a:xfrm>
+          <a:prstGeom prst="rect">
+            <a:avLst/>
+          </a:prstGeom>
+        </p:spPr>
+        <p:txBody>
+          <a:bodyPr vert="horz" lIns="91440" tIns="45720" rIns="91440" bIns="45720" rtlCol="0">
+            <a:normAutofit/>
+          </a:bodyPr>
+          <a:lstStyle>
+            <a:lvl1pPr marL="228600" indent="-228600" algn="l" defTabSz="914400" rtl="0" eaLnBrk="1" latinLnBrk="0" hangingPunct="1">
+              <a:lnSpc>
+                <a:spcPct val="90000"/>
+              </a:lnSpc>
+              <a:spcBef>
+                <a:spcPts val="1000"/>
+              </a:spcBef>
+              <a:buFont typeface="Arial" panose="020B0604020202020204" pitchFamily="34" charset="0"/>
+              <a:buChar char="•"/>
+              <a:defRPr sz="2800" kern="1200">
+                <a:solidFill>
+                  <a:schemeClr val="tx1"/>
+                </a:solidFill>
+                <a:latin typeface="+mn-lt"/>
+                <a:ea typeface="+mn-ea"/>
+                <a:cs typeface="+mn-cs"/>
+              </a:defRPr>
+            </a:lvl1pPr>
+            <a:lvl2pPr marL="685800" indent="-228600" algn="l" defTabSz="914400" rtl="0" eaLnBrk="1" latinLnBrk="0" hangingPunct="1">
+              <a:lnSpc>
+                <a:spcPct val="90000"/>
+              </a:lnSpc>
+              <a:spcBef>
+                <a:spcPts val="500"/>
+              </a:spcBef>
+              <a:buFont typeface="Arial" panose="020B0604020202020204" pitchFamily="34" charset="0"/>
+              <a:buChar char="•"/>
+              <a:defRPr sz="2400" kern="1200">
+                <a:solidFill>
+                  <a:schemeClr val="tx1"/>
+                </a:solidFill>
+                <a:latin typeface="+mn-lt"/>
+                <a:ea typeface="+mn-ea"/>
+                <a:cs typeface="+mn-cs"/>
+              </a:defRPr>
+            </a:lvl2pPr>
+            <a:lvl3pPr marL="1143000" indent="-228600" algn="l" defTabSz="914400" rtl="0" eaLnBrk="1" latinLnBrk="0" hangingPunct="1">
+              <a:lnSpc>
+                <a:spcPct val="90000"/>
+              </a:lnSpc>
+              <a:spcBef>
+                <a:spcPts val="500"/>
+              </a:spcBef>
+              <a:buFont typeface="Arial" panose="020B0604020202020204" pitchFamily="34" charset="0"/>
+              <a:buChar char="•"/>
+              <a:defRPr sz="2000" kern="1200">
+                <a:solidFill>
+                  <a:schemeClr val="tx1"/>
+                </a:solidFill>
+                <a:latin typeface="+mn-lt"/>
+                <a:ea typeface="+mn-ea"/>
+                <a:cs typeface="+mn-cs"/>
+              </a:defRPr>
+            </a:lvl3pPr>
+            <a:lvl4pPr marL="1600200" indent="-228600" algn="l" defTabSz="914400" rtl="0" eaLnBrk="1" latinLnBrk="0" hangingPunct="1">
+              <a:lnSpc>
+                <a:spcPct val="90000"/>
+              </a:lnSpc>
+              <a:spcBef>
+                <a:spcPts val="500"/>
+              </a:spcBef>
+              <a:buFont typeface="Arial" panose="020B0604020202020204" pitchFamily="34" charset="0"/>
+              <a:buChar char="•"/>
+              <a:defRPr sz="1800" kern="1200">
+                <a:solidFill>
+                  <a:schemeClr val="tx1"/>
+                </a:solidFill>
+                <a:latin typeface="+mn-lt"/>
+                <a:ea typeface="+mn-ea"/>
+                <a:cs typeface="+mn-cs"/>
+              </a:defRPr>
+            </a:lvl4pPr>
+            <a:lvl5pPr marL="2057400" indent="-228600" algn="l" defTabSz="914400" rtl="0" eaLnBrk="1" latinLnBrk="0" hangingPunct="1">
+              <a:lnSpc>
+                <a:spcPct val="90000"/>
+              </a:lnSpc>
+              <a:spcBef>
+                <a:spcPts val="500"/>
+              </a:spcBef>
+              <a:buFont typeface="Arial" panose="020B0604020202020204" pitchFamily="34" charset="0"/>
+              <a:buChar char="•"/>
+              <a:defRPr sz="1800" kern="1200">
+                <a:solidFill>
+                  <a:schemeClr val="tx1"/>
+                </a:solidFill>
+                <a:latin typeface="+mn-lt"/>
+                <a:ea typeface="+mn-ea"/>
+                <a:cs typeface="+mn-cs"/>
+              </a:defRPr>
+            </a:lvl5pPr>
+            <a:lvl6pPr marL="2514600" indent="-228600" algn="l" defTabSz="914400" rtl="0" eaLnBrk="1" latinLnBrk="0" hangingPunct="1">
+              <a:lnSpc>
+                <a:spcPct val="90000"/>
+              </a:lnSpc>
+              <a:spcBef>
+                <a:spcPts val="500"/>
+              </a:spcBef>
+              <a:buFont typeface="Arial" panose="020B0604020202020204" pitchFamily="34" charset="0"/>
+              <a:buChar char="•"/>
+              <a:defRPr sz="1800" kern="1200">
+                <a:solidFill>
+                  <a:schemeClr val="tx1"/>
+                </a:solidFill>
+                <a:latin typeface="+mn-lt"/>
+                <a:ea typeface="+mn-ea"/>
+                <a:cs typeface="+mn-cs"/>
+              </a:defRPr>
+            </a:lvl6pPr>
+            <a:lvl7pPr marL="2971800" indent="-228600" algn="l" defTabSz="914400" rtl="0" eaLnBrk="1" latinLnBrk="0" hangingPunct="1">
+              <a:lnSpc>
+                <a:spcPct val="90000"/>
+              </a:lnSpc>
+              <a:spcBef>
+                <a:spcPts val="500"/>
+              </a:spcBef>
+              <a:buFont typeface="Arial" panose="020B0604020202020204" pitchFamily="34" charset="0"/>
+              <a:buChar char="•"/>
+              <a:defRPr sz="1800" kern="1200">
+                <a:solidFill>
+                  <a:schemeClr val="tx1"/>
+                </a:solidFill>
+                <a:latin typeface="+mn-lt"/>
+                <a:ea typeface="+mn-ea"/>
+                <a:cs typeface="+mn-cs"/>
+              </a:defRPr>
+            </a:lvl7pPr>
+            <a:lvl8pPr marL="3429000" indent="-228600" algn="l" defTabSz="914400" rtl="0" eaLnBrk="1" latinLnBrk="0" hangingPunct="1">
+              <a:lnSpc>
+                <a:spcPct val="90000"/>
+              </a:lnSpc>
+              <a:spcBef>
+                <a:spcPts val="500"/>
+              </a:spcBef>
+              <a:buFont typeface="Arial" panose="020B0604020202020204" pitchFamily="34" charset="0"/>
+              <a:buChar char="•"/>
+              <a:defRPr sz="1800" kern="1200">
+                <a:solidFill>
+                  <a:schemeClr val="tx1"/>
+                </a:solidFill>
+                <a:latin typeface="+mn-lt"/>
+                <a:ea typeface="+mn-ea"/>
+                <a:cs typeface="+mn-cs"/>
+              </a:defRPr>
+            </a:lvl8pPr>
+            <a:lvl9pPr marL="3886200" indent="-228600" algn="l" defTabSz="914400" rtl="0" eaLnBrk="1" latinLnBrk="0" hangingPunct="1">
+              <a:lnSpc>
+                <a:spcPct val="90000"/>
+              </a:lnSpc>
+              <a:spcBef>
+                <a:spcPts val="500"/>
+              </a:spcBef>
+              <a:buFont typeface="Arial" panose="020B0604020202020204" pitchFamily="34" charset="0"/>
+              <a:buChar char="•"/>
+              <a:defRPr sz="1800" kern="1200">
+                <a:solidFill>
+                  <a:schemeClr val="tx1"/>
+                </a:solidFill>
+                <a:latin typeface="+mn-lt"/>
+                <a:ea typeface="+mn-ea"/>
+                <a:cs typeface="+mn-cs"/>
+              </a:defRPr>
+            </a:lvl9pPr>
+          </a:lstStyle>
+          <a:p>
+            <a:pPr marL="0" indent="0">
+              <a:buFont typeface="Arial" panose="020B0604020202020204" pitchFamily="34" charset="0"/>
+              <a:buNone/>
+            </a:pPr>
+            <a:r>
+              <a:rPr lang="zh-CN" altLang="en-US" dirty="0"/>
+              <a:t>课程管理</a:t>
+            </a:r>
+          </a:p>
+        </p:txBody>
+      </p:sp>
+      <p:sp>
+        <p:nvSpPr>
+          <p:cNvPr id="88" name="内容占位符 2">
+            <a:extLst>
+              <a:ext uri="{FF2B5EF4-FFF2-40B4-BE49-F238E27FC236}">
+                <a16:creationId xmlns:a16="http://schemas.microsoft.com/office/drawing/2014/main" id="{4C6374B2-124A-4512-9939-01DEB13E3479}"/>
+              </a:ext>
+            </a:extLst>
+          </p:cNvPr>
+          <p:cNvSpPr txBox="1">
+            <a:spLocks/>
+          </p:cNvSpPr>
+          <p:nvPr/>
+        </p:nvSpPr>
+        <p:spPr>
+          <a:xfrm>
+            <a:off x="3117172" y="5917095"/>
+            <a:ext cx="1659349" cy="481269"/>
+          </a:xfrm>
+          <a:prstGeom prst="rect">
+            <a:avLst/>
+          </a:prstGeom>
+        </p:spPr>
+        <p:txBody>
+          <a:bodyPr vert="horz" lIns="91440" tIns="45720" rIns="91440" bIns="45720" rtlCol="0">
+            <a:normAutofit/>
+          </a:bodyPr>
+          <a:lstStyle>
+            <a:lvl1pPr marL="228600" indent="-228600" algn="l" defTabSz="914400" rtl="0" eaLnBrk="1" latinLnBrk="0" hangingPunct="1">
+              <a:lnSpc>
+                <a:spcPct val="90000"/>
+              </a:lnSpc>
+              <a:spcBef>
+                <a:spcPts val="1000"/>
+              </a:spcBef>
+              <a:buFont typeface="Arial" panose="020B0604020202020204" pitchFamily="34" charset="0"/>
+              <a:buChar char="•"/>
+              <a:defRPr sz="2800" kern="1200">
+                <a:solidFill>
+                  <a:schemeClr val="tx1"/>
+                </a:solidFill>
+                <a:latin typeface="+mn-lt"/>
+                <a:ea typeface="+mn-ea"/>
+                <a:cs typeface="+mn-cs"/>
+              </a:defRPr>
+            </a:lvl1pPr>
+            <a:lvl2pPr marL="685800" indent="-228600" algn="l" defTabSz="914400" rtl="0" eaLnBrk="1" latinLnBrk="0" hangingPunct="1">
+              <a:lnSpc>
+                <a:spcPct val="90000"/>
+              </a:lnSpc>
+              <a:spcBef>
+                <a:spcPts val="500"/>
+              </a:spcBef>
+              <a:buFont typeface="Arial" panose="020B0604020202020204" pitchFamily="34" charset="0"/>
+              <a:buChar char="•"/>
+              <a:defRPr sz="2400" kern="1200">
+                <a:solidFill>
+                  <a:schemeClr val="tx1"/>
+                </a:solidFill>
+                <a:latin typeface="+mn-lt"/>
+                <a:ea typeface="+mn-ea"/>
+                <a:cs typeface="+mn-cs"/>
+              </a:defRPr>
+            </a:lvl2pPr>
+            <a:lvl3pPr marL="1143000" indent="-228600" algn="l" defTabSz="914400" rtl="0" eaLnBrk="1" latinLnBrk="0" hangingPunct="1">
+              <a:lnSpc>
+                <a:spcPct val="90000"/>
+              </a:lnSpc>
+              <a:spcBef>
+                <a:spcPts val="500"/>
+              </a:spcBef>
+              <a:buFont typeface="Arial" panose="020B0604020202020204" pitchFamily="34" charset="0"/>
+              <a:buChar char="•"/>
+              <a:defRPr sz="2000" kern="1200">
+                <a:solidFill>
+                  <a:schemeClr val="tx1"/>
+                </a:solidFill>
+                <a:latin typeface="+mn-lt"/>
+                <a:ea typeface="+mn-ea"/>
+                <a:cs typeface="+mn-cs"/>
+              </a:defRPr>
+            </a:lvl3pPr>
+            <a:lvl4pPr marL="1600200" indent="-228600" algn="l" defTabSz="914400" rtl="0" eaLnBrk="1" latinLnBrk="0" hangingPunct="1">
+              <a:lnSpc>
+                <a:spcPct val="90000"/>
+              </a:lnSpc>
+              <a:spcBef>
+                <a:spcPts val="500"/>
+              </a:spcBef>
+              <a:buFont typeface="Arial" panose="020B0604020202020204" pitchFamily="34" charset="0"/>
+              <a:buChar char="•"/>
+              <a:defRPr sz="1800" kern="1200">
+                <a:solidFill>
+                  <a:schemeClr val="tx1"/>
+                </a:solidFill>
+                <a:latin typeface="+mn-lt"/>
+                <a:ea typeface="+mn-ea"/>
+                <a:cs typeface="+mn-cs"/>
+              </a:defRPr>
+            </a:lvl4pPr>
+            <a:lvl5pPr marL="2057400" indent="-228600" algn="l" defTabSz="914400" rtl="0" eaLnBrk="1" latinLnBrk="0" hangingPunct="1">
+              <a:lnSpc>
+                <a:spcPct val="90000"/>
+              </a:lnSpc>
+              <a:spcBef>
+                <a:spcPts val="500"/>
+              </a:spcBef>
+              <a:buFont typeface="Arial" panose="020B0604020202020204" pitchFamily="34" charset="0"/>
+              <a:buChar char="•"/>
+              <a:defRPr sz="1800" kern="1200">
+                <a:solidFill>
+                  <a:schemeClr val="tx1"/>
+                </a:solidFill>
+                <a:latin typeface="+mn-lt"/>
+                <a:ea typeface="+mn-ea"/>
+                <a:cs typeface="+mn-cs"/>
+              </a:defRPr>
+            </a:lvl5pPr>
+            <a:lvl6pPr marL="2514600" indent="-228600" algn="l" defTabSz="914400" rtl="0" eaLnBrk="1" latinLnBrk="0" hangingPunct="1">
+              <a:lnSpc>
+                <a:spcPct val="90000"/>
+              </a:lnSpc>
+              <a:spcBef>
+                <a:spcPts val="500"/>
+              </a:spcBef>
+              <a:buFont typeface="Arial" panose="020B0604020202020204" pitchFamily="34" charset="0"/>
+              <a:buChar char="•"/>
+              <a:defRPr sz="1800" kern="1200">
+                <a:solidFill>
+                  <a:schemeClr val="tx1"/>
+                </a:solidFill>
+                <a:latin typeface="+mn-lt"/>
+                <a:ea typeface="+mn-ea"/>
+                <a:cs typeface="+mn-cs"/>
+              </a:defRPr>
+            </a:lvl6pPr>
+            <a:lvl7pPr marL="2971800" indent="-228600" algn="l" defTabSz="914400" rtl="0" eaLnBrk="1" latinLnBrk="0" hangingPunct="1">
+              <a:lnSpc>
+                <a:spcPct val="90000"/>
+              </a:lnSpc>
+              <a:spcBef>
+                <a:spcPts val="500"/>
+              </a:spcBef>
+              <a:buFont typeface="Arial" panose="020B0604020202020204" pitchFamily="34" charset="0"/>
+              <a:buChar char="•"/>
+              <a:defRPr sz="1800" kern="1200">
+                <a:solidFill>
+                  <a:schemeClr val="tx1"/>
+                </a:solidFill>
+                <a:latin typeface="+mn-lt"/>
+                <a:ea typeface="+mn-ea"/>
+                <a:cs typeface="+mn-cs"/>
+              </a:defRPr>
+            </a:lvl7pPr>
+            <a:lvl8pPr marL="3429000" indent="-228600" algn="l" defTabSz="914400" rtl="0" eaLnBrk="1" latinLnBrk="0" hangingPunct="1">
+              <a:lnSpc>
+                <a:spcPct val="90000"/>
+              </a:lnSpc>
+              <a:spcBef>
+                <a:spcPts val="500"/>
+              </a:spcBef>
+              <a:buFont typeface="Arial" panose="020B0604020202020204" pitchFamily="34" charset="0"/>
+              <a:buChar char="•"/>
+              <a:defRPr sz="1800" kern="1200">
+                <a:solidFill>
+                  <a:schemeClr val="tx1"/>
+                </a:solidFill>
+                <a:latin typeface="+mn-lt"/>
+                <a:ea typeface="+mn-ea"/>
+                <a:cs typeface="+mn-cs"/>
+              </a:defRPr>
+            </a:lvl8pPr>
+            <a:lvl9pPr marL="3886200" indent="-228600" algn="l" defTabSz="914400" rtl="0" eaLnBrk="1" latinLnBrk="0" hangingPunct="1">
+              <a:lnSpc>
+                <a:spcPct val="90000"/>
+              </a:lnSpc>
+              <a:spcBef>
+                <a:spcPts val="500"/>
+              </a:spcBef>
+              <a:buFont typeface="Arial" panose="020B0604020202020204" pitchFamily="34" charset="0"/>
+              <a:buChar char="•"/>
+              <a:defRPr sz="1800" kern="1200">
+                <a:solidFill>
+                  <a:schemeClr val="tx1"/>
+                </a:solidFill>
+                <a:latin typeface="+mn-lt"/>
+                <a:ea typeface="+mn-ea"/>
+                <a:cs typeface="+mn-cs"/>
+              </a:defRPr>
+            </a:lvl9pPr>
+          </a:lstStyle>
+          <a:p>
+            <a:pPr marL="0" indent="0">
+              <a:buFont typeface="Arial" panose="020B0604020202020204" pitchFamily="34" charset="0"/>
+              <a:buNone/>
+            </a:pPr>
+            <a:r>
+              <a:rPr lang="zh-CN" altLang="en-US" dirty="0"/>
+              <a:t>班级管理</a:t>
+            </a:r>
+          </a:p>
+        </p:txBody>
+      </p:sp>
+      <p:sp>
+        <p:nvSpPr>
+          <p:cNvPr id="89" name="内容占位符 2">
+            <a:extLst>
+              <a:ext uri="{FF2B5EF4-FFF2-40B4-BE49-F238E27FC236}">
+                <a16:creationId xmlns:a16="http://schemas.microsoft.com/office/drawing/2014/main" id="{5C460628-191A-400D-BA88-2425A0D75BEB}"/>
+              </a:ext>
+            </a:extLst>
+          </p:cNvPr>
+          <p:cNvSpPr txBox="1">
+            <a:spLocks/>
+          </p:cNvSpPr>
+          <p:nvPr/>
+        </p:nvSpPr>
+        <p:spPr>
+          <a:xfrm>
+            <a:off x="5093283" y="5917096"/>
+            <a:ext cx="1659350" cy="481269"/>
+          </a:xfrm>
+          <a:prstGeom prst="rect">
+            <a:avLst/>
+          </a:prstGeom>
+        </p:spPr>
+        <p:txBody>
+          <a:bodyPr vert="horz" lIns="91440" tIns="45720" rIns="91440" bIns="45720" rtlCol="0">
+            <a:normAutofit/>
+          </a:bodyPr>
+          <a:lstStyle>
+            <a:lvl1pPr marL="228600" indent="-228600" algn="l" defTabSz="914400" rtl="0" eaLnBrk="1" latinLnBrk="0" hangingPunct="1">
+              <a:lnSpc>
+                <a:spcPct val="90000"/>
+              </a:lnSpc>
+              <a:spcBef>
+                <a:spcPts val="1000"/>
+              </a:spcBef>
+              <a:buFont typeface="Arial" panose="020B0604020202020204" pitchFamily="34" charset="0"/>
+              <a:buChar char="•"/>
+              <a:defRPr sz="2800" kern="1200">
+                <a:solidFill>
+                  <a:schemeClr val="tx1"/>
+                </a:solidFill>
+                <a:latin typeface="+mn-lt"/>
+                <a:ea typeface="+mn-ea"/>
+                <a:cs typeface="+mn-cs"/>
+              </a:defRPr>
+            </a:lvl1pPr>
+            <a:lvl2pPr marL="685800" indent="-228600" algn="l" defTabSz="914400" rtl="0" eaLnBrk="1" latinLnBrk="0" hangingPunct="1">
+              <a:lnSpc>
+                <a:spcPct val="90000"/>
+              </a:lnSpc>
+              <a:spcBef>
+                <a:spcPts val="500"/>
+              </a:spcBef>
+              <a:buFont typeface="Arial" panose="020B0604020202020204" pitchFamily="34" charset="0"/>
+              <a:buChar char="•"/>
+              <a:defRPr sz="2400" kern="1200">
+                <a:solidFill>
+                  <a:schemeClr val="tx1"/>
+                </a:solidFill>
+                <a:latin typeface="+mn-lt"/>
+                <a:ea typeface="+mn-ea"/>
+                <a:cs typeface="+mn-cs"/>
+              </a:defRPr>
+            </a:lvl2pPr>
+            <a:lvl3pPr marL="1143000" indent="-228600" algn="l" defTabSz="914400" rtl="0" eaLnBrk="1" latinLnBrk="0" hangingPunct="1">
+              <a:lnSpc>
+                <a:spcPct val="90000"/>
+              </a:lnSpc>
+              <a:spcBef>
+                <a:spcPts val="500"/>
+              </a:spcBef>
+              <a:buFont typeface="Arial" panose="020B0604020202020204" pitchFamily="34" charset="0"/>
+              <a:buChar char="•"/>
+              <a:defRPr sz="2000" kern="1200">
+                <a:solidFill>
+                  <a:schemeClr val="tx1"/>
+                </a:solidFill>
+                <a:latin typeface="+mn-lt"/>
+                <a:ea typeface="+mn-ea"/>
+                <a:cs typeface="+mn-cs"/>
+              </a:defRPr>
+            </a:lvl3pPr>
+            <a:lvl4pPr marL="1600200" indent="-228600" algn="l" defTabSz="914400" rtl="0" eaLnBrk="1" latinLnBrk="0" hangingPunct="1">
+              <a:lnSpc>
+                <a:spcPct val="90000"/>
+              </a:lnSpc>
+              <a:spcBef>
+                <a:spcPts val="500"/>
+              </a:spcBef>
+              <a:buFont typeface="Arial" panose="020B0604020202020204" pitchFamily="34" charset="0"/>
+              <a:buChar char="•"/>
+              <a:defRPr sz="1800" kern="1200">
+                <a:solidFill>
+                  <a:schemeClr val="tx1"/>
+                </a:solidFill>
+                <a:latin typeface="+mn-lt"/>
+                <a:ea typeface="+mn-ea"/>
+                <a:cs typeface="+mn-cs"/>
+              </a:defRPr>
+            </a:lvl4pPr>
+            <a:lvl5pPr marL="2057400" indent="-228600" algn="l" defTabSz="914400" rtl="0" eaLnBrk="1" latinLnBrk="0" hangingPunct="1">
+              <a:lnSpc>
+                <a:spcPct val="90000"/>
+              </a:lnSpc>
+              <a:spcBef>
+                <a:spcPts val="500"/>
+              </a:spcBef>
+              <a:buFont typeface="Arial" panose="020B0604020202020204" pitchFamily="34" charset="0"/>
+              <a:buChar char="•"/>
+              <a:defRPr sz="1800" kern="1200">
+                <a:solidFill>
+                  <a:schemeClr val="tx1"/>
+                </a:solidFill>
+                <a:latin typeface="+mn-lt"/>
+                <a:ea typeface="+mn-ea"/>
+                <a:cs typeface="+mn-cs"/>
+              </a:defRPr>
+            </a:lvl5pPr>
+            <a:lvl6pPr marL="2514600" indent="-228600" algn="l" defTabSz="914400" rtl="0" eaLnBrk="1" latinLnBrk="0" hangingPunct="1">
+              <a:lnSpc>
+                <a:spcPct val="90000"/>
+              </a:lnSpc>
+              <a:spcBef>
+                <a:spcPts val="500"/>
+              </a:spcBef>
+              <a:buFont typeface="Arial" panose="020B0604020202020204" pitchFamily="34" charset="0"/>
+              <a:buChar char="•"/>
+              <a:defRPr sz="1800" kern="1200">
+                <a:solidFill>
+                  <a:schemeClr val="tx1"/>
+                </a:solidFill>
+                <a:latin typeface="+mn-lt"/>
+                <a:ea typeface="+mn-ea"/>
+                <a:cs typeface="+mn-cs"/>
+              </a:defRPr>
+            </a:lvl6pPr>
+            <a:lvl7pPr marL="2971800" indent="-228600" algn="l" defTabSz="914400" rtl="0" eaLnBrk="1" latinLnBrk="0" hangingPunct="1">
+              <a:lnSpc>
+                <a:spcPct val="90000"/>
+              </a:lnSpc>
+              <a:spcBef>
+                <a:spcPts val="500"/>
+              </a:spcBef>
+              <a:buFont typeface="Arial" panose="020B0604020202020204" pitchFamily="34" charset="0"/>
+              <a:buChar char="•"/>
+              <a:defRPr sz="1800" kern="1200">
+                <a:solidFill>
+                  <a:schemeClr val="tx1"/>
+                </a:solidFill>
+                <a:latin typeface="+mn-lt"/>
+                <a:ea typeface="+mn-ea"/>
+                <a:cs typeface="+mn-cs"/>
+              </a:defRPr>
+            </a:lvl7pPr>
+            <a:lvl8pPr marL="3429000" indent="-228600" algn="l" defTabSz="914400" rtl="0" eaLnBrk="1" latinLnBrk="0" hangingPunct="1">
+              <a:lnSpc>
+                <a:spcPct val="90000"/>
+              </a:lnSpc>
+              <a:spcBef>
+                <a:spcPts val="500"/>
+              </a:spcBef>
+              <a:buFont typeface="Arial" panose="020B0604020202020204" pitchFamily="34" charset="0"/>
+              <a:buChar char="•"/>
+              <a:defRPr sz="1800" kern="1200">
+                <a:solidFill>
+                  <a:schemeClr val="tx1"/>
+                </a:solidFill>
+                <a:latin typeface="+mn-lt"/>
+                <a:ea typeface="+mn-ea"/>
+                <a:cs typeface="+mn-cs"/>
+              </a:defRPr>
+            </a:lvl8pPr>
+            <a:lvl9pPr marL="3886200" indent="-228600" algn="l" defTabSz="914400" rtl="0" eaLnBrk="1" latinLnBrk="0" hangingPunct="1">
+              <a:lnSpc>
+                <a:spcPct val="90000"/>
+              </a:lnSpc>
+              <a:spcBef>
+                <a:spcPts val="500"/>
+              </a:spcBef>
+              <a:buFont typeface="Arial" panose="020B0604020202020204" pitchFamily="34" charset="0"/>
+              <a:buChar char="•"/>
+              <a:defRPr sz="1800" kern="1200">
+                <a:solidFill>
+                  <a:schemeClr val="tx1"/>
+                </a:solidFill>
+                <a:latin typeface="+mn-lt"/>
+                <a:ea typeface="+mn-ea"/>
+                <a:cs typeface="+mn-cs"/>
+              </a:defRPr>
+            </a:lvl9pPr>
+          </a:lstStyle>
+          <a:p>
+            <a:pPr marL="0" indent="0">
+              <a:buFont typeface="Arial" panose="020B0604020202020204" pitchFamily="34" charset="0"/>
+              <a:buNone/>
+            </a:pPr>
+            <a:r>
+              <a:rPr lang="zh-CN" altLang="en-US" dirty="0"/>
+              <a:t>权限管理</a:t>
+            </a:r>
+          </a:p>
+        </p:txBody>
+      </p:sp>
+      <p:sp>
+        <p:nvSpPr>
+          <p:cNvPr id="90" name="内容占位符 2">
+            <a:extLst>
+              <a:ext uri="{FF2B5EF4-FFF2-40B4-BE49-F238E27FC236}">
+                <a16:creationId xmlns:a16="http://schemas.microsoft.com/office/drawing/2014/main" id="{44F15F63-5057-4CF0-A602-8F943F351E86}"/>
+              </a:ext>
+            </a:extLst>
+          </p:cNvPr>
+          <p:cNvSpPr txBox="1">
+            <a:spLocks/>
+          </p:cNvSpPr>
+          <p:nvPr/>
+        </p:nvSpPr>
+        <p:spPr>
+          <a:xfrm>
+            <a:off x="6888566" y="5917096"/>
+            <a:ext cx="1659350" cy="481269"/>
+          </a:xfrm>
+          <a:prstGeom prst="rect">
+            <a:avLst/>
+          </a:prstGeom>
+        </p:spPr>
+        <p:txBody>
+          <a:bodyPr vert="horz" lIns="91440" tIns="45720" rIns="91440" bIns="45720" rtlCol="0">
+            <a:normAutofit/>
+          </a:bodyPr>
+          <a:lstStyle>
+            <a:lvl1pPr marL="228600" indent="-228600" algn="l" defTabSz="914400" rtl="0" eaLnBrk="1" latinLnBrk="0" hangingPunct="1">
+              <a:lnSpc>
+                <a:spcPct val="90000"/>
+              </a:lnSpc>
+              <a:spcBef>
+                <a:spcPts val="1000"/>
+              </a:spcBef>
+              <a:buFont typeface="Arial" panose="020B0604020202020204" pitchFamily="34" charset="0"/>
+              <a:buChar char="•"/>
+              <a:defRPr sz="2800" kern="1200">
+                <a:solidFill>
+                  <a:schemeClr val="tx1"/>
+                </a:solidFill>
+                <a:latin typeface="+mn-lt"/>
+                <a:ea typeface="+mn-ea"/>
+                <a:cs typeface="+mn-cs"/>
+              </a:defRPr>
+            </a:lvl1pPr>
+            <a:lvl2pPr marL="685800" indent="-228600" algn="l" defTabSz="914400" rtl="0" eaLnBrk="1" latinLnBrk="0" hangingPunct="1">
+              <a:lnSpc>
+                <a:spcPct val="90000"/>
+              </a:lnSpc>
+              <a:spcBef>
+                <a:spcPts val="500"/>
+              </a:spcBef>
+              <a:buFont typeface="Arial" panose="020B0604020202020204" pitchFamily="34" charset="0"/>
+              <a:buChar char="•"/>
+              <a:defRPr sz="2400" kern="1200">
+                <a:solidFill>
+                  <a:schemeClr val="tx1"/>
+                </a:solidFill>
+                <a:latin typeface="+mn-lt"/>
+                <a:ea typeface="+mn-ea"/>
+                <a:cs typeface="+mn-cs"/>
+              </a:defRPr>
+            </a:lvl2pPr>
+            <a:lvl3pPr marL="1143000" indent="-228600" algn="l" defTabSz="914400" rtl="0" eaLnBrk="1" latinLnBrk="0" hangingPunct="1">
+              <a:lnSpc>
+                <a:spcPct val="90000"/>
+              </a:lnSpc>
+              <a:spcBef>
+                <a:spcPts val="500"/>
+              </a:spcBef>
+              <a:buFont typeface="Arial" panose="020B0604020202020204" pitchFamily="34" charset="0"/>
+              <a:buChar char="•"/>
+              <a:defRPr sz="2000" kern="1200">
+                <a:solidFill>
+                  <a:schemeClr val="tx1"/>
+                </a:solidFill>
+                <a:latin typeface="+mn-lt"/>
+                <a:ea typeface="+mn-ea"/>
+                <a:cs typeface="+mn-cs"/>
+              </a:defRPr>
+            </a:lvl3pPr>
+            <a:lvl4pPr marL="1600200" indent="-228600" algn="l" defTabSz="914400" rtl="0" eaLnBrk="1" latinLnBrk="0" hangingPunct="1">
+              <a:lnSpc>
+                <a:spcPct val="90000"/>
+              </a:lnSpc>
+              <a:spcBef>
+                <a:spcPts val="500"/>
+              </a:spcBef>
+              <a:buFont typeface="Arial" panose="020B0604020202020204" pitchFamily="34" charset="0"/>
+              <a:buChar char="•"/>
+              <a:defRPr sz="1800" kern="1200">
+                <a:solidFill>
+                  <a:schemeClr val="tx1"/>
+                </a:solidFill>
+                <a:latin typeface="+mn-lt"/>
+                <a:ea typeface="+mn-ea"/>
+                <a:cs typeface="+mn-cs"/>
+              </a:defRPr>
+            </a:lvl4pPr>
+            <a:lvl5pPr marL="2057400" indent="-228600" algn="l" defTabSz="914400" rtl="0" eaLnBrk="1" latinLnBrk="0" hangingPunct="1">
+              <a:lnSpc>
+                <a:spcPct val="90000"/>
+              </a:lnSpc>
+              <a:spcBef>
+                <a:spcPts val="500"/>
+              </a:spcBef>
+              <a:buFont typeface="Arial" panose="020B0604020202020204" pitchFamily="34" charset="0"/>
+              <a:buChar char="•"/>
+              <a:defRPr sz="1800" kern="1200">
+                <a:solidFill>
+                  <a:schemeClr val="tx1"/>
+                </a:solidFill>
+                <a:latin typeface="+mn-lt"/>
+                <a:ea typeface="+mn-ea"/>
+                <a:cs typeface="+mn-cs"/>
+              </a:defRPr>
+            </a:lvl5pPr>
+            <a:lvl6pPr marL="2514600" indent="-228600" algn="l" defTabSz="914400" rtl="0" eaLnBrk="1" latinLnBrk="0" hangingPunct="1">
+              <a:lnSpc>
+                <a:spcPct val="90000"/>
+              </a:lnSpc>
+              <a:spcBef>
+                <a:spcPts val="500"/>
+              </a:spcBef>
+              <a:buFont typeface="Arial" panose="020B0604020202020204" pitchFamily="34" charset="0"/>
+              <a:buChar char="•"/>
+              <a:defRPr sz="1800" kern="1200">
+                <a:solidFill>
+                  <a:schemeClr val="tx1"/>
+                </a:solidFill>
+                <a:latin typeface="+mn-lt"/>
+                <a:ea typeface="+mn-ea"/>
+                <a:cs typeface="+mn-cs"/>
+              </a:defRPr>
+            </a:lvl6pPr>
+            <a:lvl7pPr marL="2971800" indent="-228600" algn="l" defTabSz="914400" rtl="0" eaLnBrk="1" latinLnBrk="0" hangingPunct="1">
+              <a:lnSpc>
+                <a:spcPct val="90000"/>
+              </a:lnSpc>
+              <a:spcBef>
+                <a:spcPts val="500"/>
+              </a:spcBef>
+              <a:buFont typeface="Arial" panose="020B0604020202020204" pitchFamily="34" charset="0"/>
+              <a:buChar char="•"/>
+              <a:defRPr sz="1800" kern="1200">
+                <a:solidFill>
+                  <a:schemeClr val="tx1"/>
+                </a:solidFill>
+                <a:latin typeface="+mn-lt"/>
+                <a:ea typeface="+mn-ea"/>
+                <a:cs typeface="+mn-cs"/>
+              </a:defRPr>
+            </a:lvl7pPr>
+            <a:lvl8pPr marL="3429000" indent="-228600" algn="l" defTabSz="914400" rtl="0" eaLnBrk="1" latinLnBrk="0" hangingPunct="1">
+              <a:lnSpc>
+                <a:spcPct val="90000"/>
+              </a:lnSpc>
+              <a:spcBef>
+                <a:spcPts val="500"/>
+              </a:spcBef>
+              <a:buFont typeface="Arial" panose="020B0604020202020204" pitchFamily="34" charset="0"/>
+              <a:buChar char="•"/>
+              <a:defRPr sz="1800" kern="1200">
+                <a:solidFill>
+                  <a:schemeClr val="tx1"/>
+                </a:solidFill>
+                <a:latin typeface="+mn-lt"/>
+                <a:ea typeface="+mn-ea"/>
+                <a:cs typeface="+mn-cs"/>
+              </a:defRPr>
+            </a:lvl8pPr>
+            <a:lvl9pPr marL="3886200" indent="-228600" algn="l" defTabSz="914400" rtl="0" eaLnBrk="1" latinLnBrk="0" hangingPunct="1">
+              <a:lnSpc>
+                <a:spcPct val="90000"/>
+              </a:lnSpc>
+              <a:spcBef>
+                <a:spcPts val="500"/>
+              </a:spcBef>
+              <a:buFont typeface="Arial" panose="020B0604020202020204" pitchFamily="34" charset="0"/>
+              <a:buChar char="•"/>
+              <a:defRPr sz="1800" kern="1200">
+                <a:solidFill>
+                  <a:schemeClr val="tx1"/>
+                </a:solidFill>
+                <a:latin typeface="+mn-lt"/>
+                <a:ea typeface="+mn-ea"/>
+                <a:cs typeface="+mn-cs"/>
+              </a:defRPr>
+            </a:lvl9pPr>
+          </a:lstStyle>
+          <a:p>
+            <a:pPr marL="0" indent="0">
+              <a:buFont typeface="Arial" panose="020B0604020202020204" pitchFamily="34" charset="0"/>
+              <a:buNone/>
+            </a:pPr>
+            <a:r>
+              <a:rPr lang="zh-CN" altLang="en-US" dirty="0"/>
+              <a:t>教师信息</a:t>
+            </a:r>
+          </a:p>
+        </p:txBody>
+      </p:sp>
+      <p:cxnSp>
+        <p:nvCxnSpPr>
+          <p:cNvPr id="101" name="直接箭头连接符 100">
+            <a:extLst>
+              <a:ext uri="{FF2B5EF4-FFF2-40B4-BE49-F238E27FC236}">
+                <a16:creationId xmlns:a16="http://schemas.microsoft.com/office/drawing/2014/main" id="{4B8177BE-3005-4F4A-B884-C2FBDDB1EF45}"/>
+              </a:ext>
+            </a:extLst>
+          </p:cNvPr>
+          <p:cNvCxnSpPr>
+            <a:cxnSpLocks/>
+            <a:stCxn id="78" idx="3"/>
+            <a:endCxn id="4" idx="1"/>
+          </p:cNvCxnSpPr>
+          <p:nvPr/>
+        </p:nvCxnSpPr>
+        <p:spPr>
+          <a:xfrm flipV="1">
+            <a:off x="2703775" y="4156196"/>
+            <a:ext cx="2346028" cy="1328146"/>
+          </a:xfrm>
+          <a:prstGeom prst="straightConnector1">
+            <a:avLst/>
+          </a:prstGeom>
+          <a:ln>
+            <a:tailEnd type="triangle"/>
+          </a:ln>
+        </p:spPr>
+        <p:style>
+          <a:lnRef idx="1">
+            <a:schemeClr val="accent1"/>
+          </a:lnRef>
+          <a:fillRef idx="0">
+            <a:schemeClr val="accent1"/>
+          </a:fillRef>
+          <a:effectRef idx="0">
+            <a:schemeClr val="accent1"/>
+          </a:effectRef>
+          <a:fontRef idx="minor">
+            <a:schemeClr val="tx1"/>
+          </a:fontRef>
+        </p:style>
+      </p:cxnSp>
+      <p:cxnSp>
+        <p:nvCxnSpPr>
+          <p:cNvPr id="104" name="直接箭头连接符 103">
+            <a:extLst>
+              <a:ext uri="{FF2B5EF4-FFF2-40B4-BE49-F238E27FC236}">
+                <a16:creationId xmlns:a16="http://schemas.microsoft.com/office/drawing/2014/main" id="{BBAEEF18-71CC-4258-B0EF-16C4B66EB2B7}"/>
+              </a:ext>
+            </a:extLst>
+          </p:cNvPr>
+          <p:cNvCxnSpPr>
+            <a:cxnSpLocks/>
+            <a:stCxn id="80" idx="3"/>
+            <a:endCxn id="4" idx="2"/>
+          </p:cNvCxnSpPr>
+          <p:nvPr/>
+        </p:nvCxnSpPr>
+        <p:spPr>
+          <a:xfrm flipV="1">
+            <a:off x="2601216" y="4396830"/>
+            <a:ext cx="3082111" cy="1809415"/>
+          </a:xfrm>
+          <a:prstGeom prst="straightConnector1">
+            <a:avLst/>
+          </a:prstGeom>
+          <a:ln>
+            <a:tailEnd type="triangle"/>
+          </a:ln>
+        </p:spPr>
+        <p:style>
+          <a:lnRef idx="1">
+            <a:schemeClr val="accent1"/>
+          </a:lnRef>
+          <a:fillRef idx="0">
+            <a:schemeClr val="accent1"/>
+          </a:fillRef>
+          <a:effectRef idx="0">
+            <a:schemeClr val="accent1"/>
+          </a:effectRef>
+          <a:fontRef idx="minor">
+            <a:schemeClr val="tx1"/>
+          </a:fontRef>
+        </p:style>
+      </p:cxnSp>
+      <p:cxnSp>
+        <p:nvCxnSpPr>
+          <p:cNvPr id="107" name="直接箭头连接符 106">
+            <a:extLst>
+              <a:ext uri="{FF2B5EF4-FFF2-40B4-BE49-F238E27FC236}">
+                <a16:creationId xmlns:a16="http://schemas.microsoft.com/office/drawing/2014/main" id="{A837B164-D529-4C39-84D4-5063602E9741}"/>
+              </a:ext>
+            </a:extLst>
+          </p:cNvPr>
+          <p:cNvCxnSpPr>
+            <a:cxnSpLocks/>
+            <a:stCxn id="88" idx="0"/>
+            <a:endCxn id="4" idx="2"/>
+          </p:cNvCxnSpPr>
+          <p:nvPr/>
+        </p:nvCxnSpPr>
+        <p:spPr>
+          <a:xfrm flipV="1">
+            <a:off x="3946847" y="4396830"/>
+            <a:ext cx="1736480" cy="1520265"/>
+          </a:xfrm>
+          <a:prstGeom prst="straightConnector1">
+            <a:avLst/>
+          </a:prstGeom>
+          <a:ln>
+            <a:tailEnd type="triangle"/>
+          </a:ln>
+        </p:spPr>
+        <p:style>
+          <a:lnRef idx="1">
+            <a:schemeClr val="accent1"/>
+          </a:lnRef>
+          <a:fillRef idx="0">
+            <a:schemeClr val="accent1"/>
+          </a:fillRef>
+          <a:effectRef idx="0">
+            <a:schemeClr val="accent1"/>
+          </a:effectRef>
+          <a:fontRef idx="minor">
+            <a:schemeClr val="tx1"/>
+          </a:fontRef>
+        </p:style>
+      </p:cxnSp>
+      <p:cxnSp>
+        <p:nvCxnSpPr>
+          <p:cNvPr id="110" name="直接箭头连接符 109">
+            <a:extLst>
+              <a:ext uri="{FF2B5EF4-FFF2-40B4-BE49-F238E27FC236}">
+                <a16:creationId xmlns:a16="http://schemas.microsoft.com/office/drawing/2014/main" id="{64F36305-739E-49AD-B1C9-82BB694A8C59}"/>
+              </a:ext>
+            </a:extLst>
+          </p:cNvPr>
+          <p:cNvCxnSpPr>
+            <a:cxnSpLocks/>
+            <a:stCxn id="89" idx="0"/>
+            <a:endCxn id="4" idx="2"/>
+          </p:cNvCxnSpPr>
+          <p:nvPr/>
+        </p:nvCxnSpPr>
+        <p:spPr>
+          <a:xfrm flipH="1" flipV="1">
+            <a:off x="5683327" y="4396830"/>
+            <a:ext cx="239631" cy="1520266"/>
+          </a:xfrm>
+          <a:prstGeom prst="straightConnector1">
+            <a:avLst/>
+          </a:prstGeom>
+          <a:ln>
+            <a:tailEnd type="triangle"/>
+          </a:ln>
+        </p:spPr>
+        <p:style>
+          <a:lnRef idx="1">
+            <a:schemeClr val="accent1"/>
+          </a:lnRef>
+          <a:fillRef idx="0">
+            <a:schemeClr val="accent1"/>
+          </a:fillRef>
+          <a:effectRef idx="0">
+            <a:schemeClr val="accent1"/>
+          </a:effectRef>
+          <a:fontRef idx="minor">
+            <a:schemeClr val="tx1"/>
+          </a:fontRef>
+        </p:style>
+      </p:cxnSp>
+      <p:cxnSp>
+        <p:nvCxnSpPr>
+          <p:cNvPr id="113" name="直接箭头连接符 112">
+            <a:extLst>
+              <a:ext uri="{FF2B5EF4-FFF2-40B4-BE49-F238E27FC236}">
+                <a16:creationId xmlns:a16="http://schemas.microsoft.com/office/drawing/2014/main" id="{0AE146D2-0885-4BE0-A30A-C1C90618F308}"/>
+              </a:ext>
+            </a:extLst>
+          </p:cNvPr>
+          <p:cNvCxnSpPr>
+            <a:cxnSpLocks/>
+            <a:stCxn id="90" idx="0"/>
+            <a:endCxn id="4" idx="2"/>
+          </p:cNvCxnSpPr>
+          <p:nvPr/>
+        </p:nvCxnSpPr>
+        <p:spPr>
+          <a:xfrm flipH="1" flipV="1">
+            <a:off x="5683327" y="4396830"/>
+            <a:ext cx="2034914" cy="1520266"/>
+          </a:xfrm>
+          <a:prstGeom prst="straightConnector1">
+            <a:avLst/>
+          </a:prstGeom>
+          <a:ln>
+            <a:tailEnd type="triangle"/>
+          </a:ln>
+        </p:spPr>
+        <p:style>
+          <a:lnRef idx="1">
+            <a:schemeClr val="accent1"/>
+          </a:lnRef>
+          <a:fillRef idx="0">
+            <a:schemeClr val="accent1"/>
+          </a:fillRef>
+          <a:effectRef idx="0">
+            <a:schemeClr val="accent1"/>
+          </a:effectRef>
+          <a:fontRef idx="minor">
+            <a:schemeClr val="tx1"/>
+          </a:fontRef>
+        </p:style>
+      </p:cxnSp>
+    </p:spTree>
+    <p:extLst>
+      <p:ext uri="{BB962C8B-B14F-4D97-AF65-F5344CB8AC3E}">
+        <p14:creationId xmlns:p14="http://schemas.microsoft.com/office/powerpoint/2010/main" val="3509644209"/>
+      </p:ext>
+    </p:extLst>
+  </p:cSld>
+  <p:clrMapOvr>
+    <a:masterClrMapping/>
+  </p:clrMapOvr>
+</p:sld>
+</file>
+
 <file path=ppt/theme/theme1.xml><?xml version="1.0" encoding="utf-8"?>
 <a:theme xmlns:a="http://schemas.openxmlformats.org/drawingml/2006/main" name="Office 主题​​">
   <a:themeElements>
